--- a/PHP/slides/1-PHP-Basic.pptx
+++ b/PHP/slides/1-PHP-Basic.pptx
@@ -21,6 +21,7 @@
     <p:sldId id="283" r:id="rId15"/>
     <p:sldId id="284" r:id="rId16"/>
     <p:sldId id="272" r:id="rId17"/>
+    <p:sldId id="285" r:id="rId18"/>
   </p:sldIdLst>
   <p:sldSz cx="12192000" cy="6858000"/>
   <p:notesSz cx="6858000" cy="9144000"/>
@@ -3010,6 +3011,337 @@
 </p:sld>
 </file>
 
+<file path=ppt/slides/slide17.xml><?xml version="1.0" encoding="utf-8"?>
+<p:sld xmlns:a="http://schemas.openxmlformats.org/drawingml/2006/main" xmlns:r="http://schemas.openxmlformats.org/officeDocument/2006/relationships" xmlns:p="http://schemas.openxmlformats.org/presentationml/2006/main">
+  <p:cSld>
+    <p:spTree>
+      <p:nvGrpSpPr>
+        <p:cNvPr id="1" name=""/>
+        <p:cNvGrpSpPr/>
+        <p:nvPr/>
+      </p:nvGrpSpPr>
+      <p:grpSpPr>
+        <a:xfrm>
+          <a:off x="0" y="0"/>
+          <a:ext cx="0" cy="0"/>
+          <a:chOff x="0" y="0"/>
+          <a:chExt cx="0" cy="0"/>
+        </a:xfrm>
+      </p:grpSpPr>
+      <p:sp>
+        <p:nvSpPr>
+          <p:cNvPr id="6" name="Rectangle 5">
+            <a:extLst>
+              <a:ext uri="{FF2B5EF4-FFF2-40B4-BE49-F238E27FC236}">
+                <a16:creationId xmlns:a16="http://schemas.microsoft.com/office/drawing/2014/main" id="{EE5FA63B-C29B-47EE-9E1E-4E65B5AF4254}"/>
+              </a:ext>
+            </a:extLst>
+          </p:cNvPr>
+          <p:cNvSpPr/>
+          <p:nvPr/>
+        </p:nvSpPr>
+        <p:spPr>
+          <a:xfrm>
+            <a:off x="1802" y="859665"/>
+            <a:ext cx="12192000" cy="5138670"/>
+          </a:xfrm>
+          <a:prstGeom prst="rect">
+            <a:avLst/>
+          </a:prstGeom>
+          <a:solidFill>
+            <a:srgbClr val="4F5B93"/>
+          </a:solidFill>
+          <a:ln>
+            <a:noFill/>
+          </a:ln>
+        </p:spPr>
+        <p:style>
+          <a:lnRef idx="2">
+            <a:schemeClr val="accent1">
+              <a:shade val="50000"/>
+            </a:schemeClr>
+          </a:lnRef>
+          <a:fillRef idx="1">
+            <a:schemeClr val="accent1"/>
+          </a:fillRef>
+          <a:effectRef idx="0">
+            <a:schemeClr val="accent1"/>
+          </a:effectRef>
+          <a:fontRef idx="minor">
+            <a:schemeClr val="lt1"/>
+          </a:fontRef>
+        </p:style>
+        <p:txBody>
+          <a:bodyPr rtlCol="0" anchor="ctr"/>
+          <a:lstStyle/>
+          <a:p>
+            <a:pPr algn="ctr"/>
+            <a:endParaRPr lang="en-US" sz="4800" dirty="0">
+              <a:latin typeface="Lato Black" panose="020F0A02020204030203" pitchFamily="34" charset="0"/>
+              <a:ea typeface="Open Sans ExtraBold" panose="020B0906030804020204" pitchFamily="34" charset="0"/>
+              <a:cs typeface="Open Sans ExtraBold" panose="020B0906030804020204" pitchFamily="34" charset="0"/>
+            </a:endParaRPr>
+          </a:p>
+        </p:txBody>
+      </p:sp>
+      <p:sp>
+        <p:nvSpPr>
+          <p:cNvPr id="2" name="TextBox 1">
+            <a:extLst>
+              <a:ext uri="{FF2B5EF4-FFF2-40B4-BE49-F238E27FC236}">
+                <a16:creationId xmlns:a16="http://schemas.microsoft.com/office/drawing/2014/main" id="{C7B98FD7-B2FD-4A6D-82FB-5C063DF09B5D}"/>
+              </a:ext>
+            </a:extLst>
+          </p:cNvPr>
+          <p:cNvSpPr txBox="1"/>
+          <p:nvPr/>
+        </p:nvSpPr>
+        <p:spPr>
+          <a:xfrm>
+            <a:off x="4966553" y="859665"/>
+            <a:ext cx="2258953" cy="646331"/>
+          </a:xfrm>
+          <a:prstGeom prst="rect">
+            <a:avLst/>
+          </a:prstGeom>
+          <a:noFill/>
+        </p:spPr>
+        <p:txBody>
+          <a:bodyPr wrap="none" rtlCol="0">
+            <a:spAutoFit/>
+          </a:bodyPr>
+          <a:lstStyle/>
+          <a:p>
+            <a:pPr algn="ctr"/>
+            <a:r>
+              <a:rPr lang="en-US" sz="3600" dirty="0">
+                <a:solidFill>
+                  <a:schemeClr val="bg1"/>
+                </a:solidFill>
+                <a:latin typeface="Lato" panose="020F0502020204030203" pitchFamily="34" charset="0"/>
+              </a:rPr>
+              <a:t>EXERCISE</a:t>
+            </a:r>
+          </a:p>
+        </p:txBody>
+      </p:sp>
+      <p:sp>
+        <p:nvSpPr>
+          <p:cNvPr id="19" name="TextBox 18">
+            <a:extLst>
+              <a:ext uri="{FF2B5EF4-FFF2-40B4-BE49-F238E27FC236}">
+                <a16:creationId xmlns:a16="http://schemas.microsoft.com/office/drawing/2014/main" id="{DC48DB86-B65E-4629-8F6B-EFEED35EABB5}"/>
+              </a:ext>
+            </a:extLst>
+          </p:cNvPr>
+          <p:cNvSpPr txBox="1"/>
+          <p:nvPr/>
+        </p:nvSpPr>
+        <p:spPr>
+          <a:xfrm>
+            <a:off x="-12880" y="1505996"/>
+            <a:ext cx="12204879" cy="3343351"/>
+          </a:xfrm>
+          <a:prstGeom prst="rect">
+            <a:avLst/>
+          </a:prstGeom>
+          <a:noFill/>
+        </p:spPr>
+        <p:txBody>
+          <a:bodyPr wrap="square" rtlCol="0">
+            <a:spAutoFit/>
+          </a:bodyPr>
+          <a:lstStyle/>
+          <a:p>
+            <a:pPr marL="457200" indent="-457200">
+              <a:lnSpc>
+                <a:spcPct val="150000"/>
+              </a:lnSpc>
+              <a:buFont typeface="+mj-lt"/>
+              <a:buAutoNum type="arabicPeriod"/>
+            </a:pPr>
+            <a:r>
+              <a:rPr lang="en-US" sz="2400" dirty="0">
+                <a:solidFill>
+                  <a:schemeClr val="bg1"/>
+                </a:solidFill>
+                <a:latin typeface="Lato" panose="020F0502020204030203" pitchFamily="34" charset="0"/>
+              </a:rPr>
+              <a:t>Write a PHP script to get the PHP version and configuration information.</a:t>
+            </a:r>
+          </a:p>
+          <a:p>
+            <a:pPr marL="457200" indent="-457200">
+              <a:lnSpc>
+                <a:spcPct val="150000"/>
+              </a:lnSpc>
+              <a:buFont typeface="+mj-lt"/>
+              <a:buAutoNum type="arabicPeriod"/>
+            </a:pPr>
+            <a:r>
+              <a:rPr lang="en-US" sz="2400" dirty="0">
+                <a:solidFill>
+                  <a:schemeClr val="bg1"/>
+                </a:solidFill>
+                <a:latin typeface="Lato" panose="020F0502020204030203" pitchFamily="34" charset="0"/>
+              </a:rPr>
+              <a:t>Write a PHP script to display the following strings. </a:t>
+            </a:r>
+            <a:r>
+              <a:rPr lang="en-US" sz="2400" dirty="0" err="1">
+                <a:solidFill>
+                  <a:schemeClr val="bg1"/>
+                </a:solidFill>
+                <a:latin typeface="Lato" panose="020F0502020204030203" pitchFamily="34" charset="0"/>
+              </a:rPr>
+              <a:t>E.g</a:t>
+            </a:r>
+            <a:r>
+              <a:rPr lang="en-US" sz="2400" dirty="0">
+                <a:solidFill>
+                  <a:schemeClr val="bg1"/>
+                </a:solidFill>
+                <a:latin typeface="Lato" panose="020F0502020204030203" pitchFamily="34" charset="0"/>
+              </a:rPr>
+              <a:t> : ‘My name is Nam’.</a:t>
+            </a:r>
+          </a:p>
+          <a:p>
+            <a:pPr marL="457200" indent="-457200">
+              <a:lnSpc>
+                <a:spcPct val="150000"/>
+              </a:lnSpc>
+              <a:buFont typeface="+mj-lt"/>
+              <a:buAutoNum type="arabicPeriod"/>
+            </a:pPr>
+            <a:r>
+              <a:rPr lang="en-US" sz="2400" dirty="0">
+                <a:solidFill>
+                  <a:schemeClr val="bg1"/>
+                </a:solidFill>
+                <a:latin typeface="Lato" panose="020F0502020204030203" pitchFamily="34" charset="0"/>
+              </a:rPr>
+              <a:t>$var = 'PHP Tutorial'. Put this variable into the title section, h3 tag and as an anchor text within an HTML document.</a:t>
+            </a:r>
+          </a:p>
+          <a:p>
+            <a:pPr marL="457200" indent="-457200">
+              <a:lnSpc>
+                <a:spcPct val="150000"/>
+              </a:lnSpc>
+              <a:buFont typeface="+mj-lt"/>
+              <a:buAutoNum type="arabicPeriod"/>
+            </a:pPr>
+            <a:r>
+              <a:rPr lang="en-US" sz="2400" dirty="0">
+                <a:solidFill>
+                  <a:schemeClr val="bg1"/>
+                </a:solidFill>
+                <a:latin typeface="Lato" panose="020F0502020204030203" pitchFamily="34" charset="0"/>
+              </a:rPr>
+              <a:t>Do the operator : 10/5 and print the result.</a:t>
+            </a:r>
+          </a:p>
+          <a:p>
+            <a:pPr marL="457200" indent="-457200">
+              <a:lnSpc>
+                <a:spcPct val="150000"/>
+              </a:lnSpc>
+              <a:buFont typeface="+mj-lt"/>
+              <a:buAutoNum type="arabicPeriod"/>
+            </a:pPr>
+            <a:r>
+              <a:rPr lang="en-US" sz="2400" dirty="0">
+                <a:solidFill>
+                  <a:schemeClr val="bg1"/>
+                </a:solidFill>
+                <a:latin typeface="Lato" panose="020F0502020204030203" pitchFamily="34" charset="0"/>
+              </a:rPr>
+              <a:t>Create a variable and use it into an string. </a:t>
+            </a:r>
+            <a:r>
+              <a:rPr lang="en-US" sz="2400" dirty="0" err="1">
+                <a:solidFill>
+                  <a:schemeClr val="bg1"/>
+                </a:solidFill>
+                <a:latin typeface="Lato" panose="020F0502020204030203" pitchFamily="34" charset="0"/>
+              </a:rPr>
+              <a:t>E.g</a:t>
+            </a:r>
+            <a:r>
+              <a:rPr lang="en-US" sz="2400" dirty="0">
+                <a:solidFill>
+                  <a:schemeClr val="bg1"/>
+                </a:solidFill>
+                <a:latin typeface="Lato" panose="020F0502020204030203" pitchFamily="34" charset="0"/>
+              </a:rPr>
+              <a:t> : ‘hello ’ + $var + ‘ world’.</a:t>
+            </a:r>
+            <a:endParaRPr lang="vi-VN" sz="2400" dirty="0">
+              <a:solidFill>
+                <a:schemeClr val="bg1"/>
+              </a:solidFill>
+              <a:latin typeface="Lato" panose="020F0502020204030203" pitchFamily="34" charset="0"/>
+            </a:endParaRPr>
+          </a:p>
+        </p:txBody>
+      </p:sp>
+      <p:cxnSp>
+        <p:nvCxnSpPr>
+          <p:cNvPr id="7" name="Straight Connector 6">
+            <a:extLst>
+              <a:ext uri="{FF2B5EF4-FFF2-40B4-BE49-F238E27FC236}">
+                <a16:creationId xmlns:a16="http://schemas.microsoft.com/office/drawing/2014/main" id="{D9CF1DC1-1062-4407-AF14-FB51776A41BA}"/>
+              </a:ext>
+            </a:extLst>
+          </p:cNvPr>
+          <p:cNvCxnSpPr>
+            <a:cxnSpLocks/>
+          </p:cNvCxnSpPr>
+          <p:nvPr/>
+        </p:nvCxnSpPr>
+        <p:spPr>
+          <a:xfrm>
+            <a:off x="0" y="1505996"/>
+            <a:ext cx="12192000" cy="0"/>
+          </a:xfrm>
+          <a:prstGeom prst="line">
+            <a:avLst/>
+          </a:prstGeom>
+          <a:ln>
+            <a:solidFill>
+              <a:schemeClr val="bg1"/>
+            </a:solidFill>
+          </a:ln>
+        </p:spPr>
+        <p:style>
+          <a:lnRef idx="1">
+            <a:schemeClr val="accent1"/>
+          </a:lnRef>
+          <a:fillRef idx="0">
+            <a:schemeClr val="accent1"/>
+          </a:fillRef>
+          <a:effectRef idx="0">
+            <a:schemeClr val="accent1"/>
+          </a:effectRef>
+          <a:fontRef idx="minor">
+            <a:schemeClr val="tx1"/>
+          </a:fontRef>
+        </p:style>
+      </p:cxnSp>
+    </p:spTree>
+    <p:extLst>
+      <p:ext uri="{BB962C8B-B14F-4D97-AF65-F5344CB8AC3E}">
+        <p14:creationId xmlns:p14="http://schemas.microsoft.com/office/powerpoint/2010/main" val="2208233876"/>
+      </p:ext>
+    </p:extLst>
+  </p:cSld>
+  <p:clrMapOvr>
+    <a:masterClrMapping/>
+  </p:clrMapOvr>
+</p:sld>
+</file>
+
 <file path=ppt/slides/slide2.xml><?xml version="1.0" encoding="utf-8"?>
 <p:sld xmlns:a="http://schemas.openxmlformats.org/drawingml/2006/main" xmlns:r="http://schemas.openxmlformats.org/officeDocument/2006/relationships" xmlns:p="http://schemas.openxmlformats.org/presentationml/2006/main">
   <p:cSld>
@@ -3138,8 +3470,8 @@
         </p:nvSpPr>
         <p:spPr>
           <a:xfrm>
-            <a:off x="666330" y="1503515"/>
-            <a:ext cx="10859338" cy="4494820"/>
+            <a:off x="666330" y="2042765"/>
+            <a:ext cx="10859338" cy="3200400"/>
           </a:xfrm>
           <a:prstGeom prst="rect">
             <a:avLst/>
@@ -3160,6 +3492,16 @@
               <a:buAutoNum type="arabicPeriod"/>
             </a:pPr>
             <a:r>
+              <a:rPr lang="vi-VN" sz="2400" dirty="0">
+                <a:solidFill>
+                  <a:schemeClr val="bg1"/>
+                </a:solidFill>
+                <a:latin typeface="Lato" panose="020F0502020204030203" pitchFamily="34" charset="0"/>
+                <a:ea typeface="Roboto" panose="02000000000000000000" pitchFamily="2" charset="0"/>
+              </a:rPr>
+              <a:t>Using  Windows</a:t>
+            </a:r>
+            <a:r>
               <a:rPr lang="en-US" sz="2400" dirty="0">
                 <a:solidFill>
                   <a:schemeClr val="bg1"/>
@@ -3167,27 +3509,7 @@
                 <a:latin typeface="Lato" panose="020F0502020204030203" pitchFamily="34" charset="0"/>
                 <a:ea typeface="Roboto" panose="02000000000000000000" pitchFamily="2" charset="0"/>
               </a:rPr>
-              <a:t>Install</a:t>
-            </a:r>
-            <a:r>
-              <a:rPr lang="vi-VN" sz="2400" dirty="0">
-                <a:solidFill>
-                  <a:schemeClr val="bg1"/>
-                </a:solidFill>
-                <a:latin typeface="Lato" panose="020F0502020204030203" pitchFamily="34" charset="0"/>
-                <a:ea typeface="Roboto" panose="02000000000000000000" pitchFamily="2" charset="0"/>
-              </a:rPr>
-              <a:t>ed</a:t>
-            </a:r>
-            <a:r>
-              <a:rPr lang="en-US" sz="2400" dirty="0">
-                <a:solidFill>
-                  <a:schemeClr val="bg1"/>
-                </a:solidFill>
-                <a:latin typeface="Lato" panose="020F0502020204030203" pitchFamily="34" charset="0"/>
-                <a:ea typeface="Roboto" panose="02000000000000000000" pitchFamily="2" charset="0"/>
-              </a:rPr>
-              <a:t> Git.</a:t>
+              <a:t> 10 or Ubuntu 16.04.</a:t>
             </a:r>
           </a:p>
           <a:p>
@@ -3206,9 +3528,76 @@
                 <a:latin typeface="Lato" panose="020F0502020204030203" pitchFamily="34" charset="0"/>
                 <a:ea typeface="Roboto" panose="02000000000000000000" pitchFamily="2" charset="0"/>
               </a:rPr>
+              <a:t>Installed Git.</a:t>
+            </a:r>
+          </a:p>
+          <a:p>
+            <a:pPr marL="457200" indent="-457200">
+              <a:lnSpc>
+                <a:spcPct val="150000"/>
+              </a:lnSpc>
+              <a:buFont typeface="+mj-lt"/>
+              <a:buAutoNum type="arabicPeriod"/>
+            </a:pPr>
+            <a:r>
+              <a:rPr lang="en-US" sz="2400" dirty="0">
+                <a:solidFill>
+                  <a:schemeClr val="bg1"/>
+                </a:solidFill>
+                <a:latin typeface="Lato" panose="020F0502020204030203" pitchFamily="34" charset="0"/>
+                <a:ea typeface="Roboto" panose="02000000000000000000" pitchFamily="2" charset="0"/>
+              </a:rPr>
+              <a:t>Installed Chrome Web Browser.</a:t>
+            </a:r>
+          </a:p>
+          <a:p>
+            <a:pPr marL="457200" indent="-457200">
+              <a:lnSpc>
+                <a:spcPct val="150000"/>
+              </a:lnSpc>
+              <a:buFont typeface="+mj-lt"/>
+              <a:buAutoNum type="arabicPeriod"/>
+            </a:pPr>
+            <a:r>
+              <a:rPr lang="en-US" sz="2400" dirty="0">
+                <a:solidFill>
+                  <a:schemeClr val="bg1"/>
+                </a:solidFill>
+                <a:latin typeface="Lato" panose="020F0502020204030203" pitchFamily="34" charset="0"/>
+                <a:ea typeface="Roboto" panose="02000000000000000000" pitchFamily="2" charset="0"/>
+              </a:rPr>
+              <a:t>Installed VS Code.</a:t>
+            </a:r>
+          </a:p>
+          <a:p>
+            <a:pPr marL="457200" indent="-457200">
+              <a:lnSpc>
+                <a:spcPct val="150000"/>
+              </a:lnSpc>
+              <a:buFont typeface="+mj-lt"/>
+              <a:buAutoNum type="arabicPeriod"/>
+            </a:pPr>
+            <a:r>
+              <a:rPr lang="vi-VN" sz="2400" dirty="0">
+                <a:solidFill>
+                  <a:schemeClr val="bg1"/>
+                </a:solidFill>
+                <a:latin typeface="Lato" panose="020F0502020204030203" pitchFamily="34" charset="0"/>
+                <a:ea typeface="Roboto" panose="02000000000000000000" pitchFamily="2" charset="0"/>
+              </a:rPr>
               <a:t>Install</a:t>
             </a:r>
             <a:r>
+              <a:rPr lang="en-US" sz="2400" dirty="0">
+                <a:solidFill>
+                  <a:schemeClr val="bg1"/>
+                </a:solidFill>
+                <a:latin typeface="Lato" panose="020F0502020204030203" pitchFamily="34" charset="0"/>
+                <a:ea typeface="Roboto" panose="02000000000000000000" pitchFamily="2" charset="0"/>
+              </a:rPr>
+              <a:t>ed </a:t>
+            </a:r>
+            <a:r>
               <a:rPr lang="vi-VN" sz="2400" dirty="0">
                 <a:solidFill>
                   <a:schemeClr val="bg1"/>
@@ -3216,7 +3605,7 @@
                 <a:latin typeface="Lato" panose="020F0502020204030203" pitchFamily="34" charset="0"/>
                 <a:ea typeface="Roboto" panose="02000000000000000000" pitchFamily="2" charset="0"/>
               </a:rPr>
-              <a:t>ed</a:t>
+              <a:t>XAMPP</a:t>
             </a:r>
             <a:r>
               <a:rPr lang="en-US" sz="2400" dirty="0">
@@ -3226,47 +3615,7 @@
                 <a:latin typeface="Lato" panose="020F0502020204030203" pitchFamily="34" charset="0"/>
                 <a:ea typeface="Roboto" panose="02000000000000000000" pitchFamily="2" charset="0"/>
               </a:rPr>
-              <a:t> Docker</a:t>
-            </a:r>
-            <a:r>
-              <a:rPr lang="vi-VN" sz="2400" dirty="0">
-                <a:solidFill>
-                  <a:schemeClr val="bg1"/>
-                </a:solidFill>
-                <a:latin typeface="Lato" panose="020F0502020204030203" pitchFamily="34" charset="0"/>
-                <a:ea typeface="Roboto" panose="02000000000000000000" pitchFamily="2" charset="0"/>
-              </a:rPr>
-              <a:t> (recommend) or LEMP</a:t>
-            </a:r>
-            <a:r>
-              <a:rPr lang="en-US" sz="2400" dirty="0">
-                <a:solidFill>
-                  <a:schemeClr val="bg1"/>
-                </a:solidFill>
-                <a:latin typeface="Lato" panose="020F0502020204030203" pitchFamily="34" charset="0"/>
-                <a:ea typeface="Roboto" panose="02000000000000000000" pitchFamily="2" charset="0"/>
-              </a:rPr>
-              <a:t>/LAMP</a:t>
-            </a:r>
-            <a:r>
-              <a:rPr lang="vi-VN" sz="2400" dirty="0">
-                <a:solidFill>
-                  <a:schemeClr val="bg1"/>
-                </a:solidFill>
-                <a:latin typeface="Lato" panose="020F0502020204030203" pitchFamily="34" charset="0"/>
-                <a:ea typeface="Roboto" panose="02000000000000000000" pitchFamily="2" charset="0"/>
-              </a:rPr>
-              <a:t> stack or XAMPP</a:t>
-            </a:r>
-            <a:r>
-              <a:rPr lang="en-US" sz="2400" dirty="0">
-                <a:solidFill>
-                  <a:schemeClr val="bg1"/>
-                </a:solidFill>
-                <a:latin typeface="Lato" panose="020F0502020204030203" pitchFamily="34" charset="0"/>
-                <a:ea typeface="Roboto" panose="02000000000000000000" pitchFamily="2" charset="0"/>
-              </a:rPr>
-              <a:t>/WAMP</a:t>
+              <a:t> for Windows PHP 7.0</a:t>
             </a:r>
             <a:r>
               <a:rPr lang="vi-VN" sz="2400" dirty="0">
@@ -3285,153 +3634,6 @@
               <a:latin typeface="Lato" panose="020F0502020204030203" pitchFamily="34" charset="0"/>
               <a:ea typeface="Roboto" panose="02000000000000000000" pitchFamily="2" charset="0"/>
             </a:endParaRPr>
-          </a:p>
-          <a:p>
-            <a:pPr marL="457200" indent="-457200">
-              <a:lnSpc>
-                <a:spcPct val="150000"/>
-              </a:lnSpc>
-              <a:buFont typeface="+mj-lt"/>
-              <a:buAutoNum type="arabicPeriod"/>
-            </a:pPr>
-            <a:r>
-              <a:rPr lang="en-US" sz="2400" dirty="0">
-                <a:solidFill>
-                  <a:schemeClr val="bg1"/>
-                </a:solidFill>
-                <a:latin typeface="Lato" panose="020F0502020204030203" pitchFamily="34" charset="0"/>
-                <a:ea typeface="Roboto" panose="02000000000000000000" pitchFamily="2" charset="0"/>
-              </a:rPr>
-              <a:t>Install</a:t>
-            </a:r>
-            <a:r>
-              <a:rPr lang="vi-VN" sz="2400" dirty="0">
-                <a:solidFill>
-                  <a:schemeClr val="bg1"/>
-                </a:solidFill>
-                <a:latin typeface="Lato" panose="020F0502020204030203" pitchFamily="34" charset="0"/>
-                <a:ea typeface="Roboto" panose="02000000000000000000" pitchFamily="2" charset="0"/>
-              </a:rPr>
-              <a:t>ed Text Editor </a:t>
-            </a:r>
-            <a:r>
-              <a:rPr lang="en-US" sz="2400" dirty="0">
-                <a:solidFill>
-                  <a:schemeClr val="bg1"/>
-                </a:solidFill>
-                <a:latin typeface="Lato" panose="020F0502020204030203" pitchFamily="34" charset="0"/>
-                <a:ea typeface="Roboto" panose="02000000000000000000" pitchFamily="2" charset="0"/>
-              </a:rPr>
-              <a:t>VS Code (</a:t>
-            </a:r>
-            <a:r>
-              <a:rPr lang="vi-VN" sz="2400" dirty="0">
-                <a:solidFill>
-                  <a:schemeClr val="bg1"/>
-                </a:solidFill>
-                <a:latin typeface="Lato" panose="020F0502020204030203" pitchFamily="34" charset="0"/>
-                <a:ea typeface="Roboto" panose="02000000000000000000" pitchFamily="2" charset="0"/>
-              </a:rPr>
-              <a:t>recommend</a:t>
-            </a:r>
-            <a:r>
-              <a:rPr lang="en-US" sz="2400" dirty="0">
-                <a:solidFill>
-                  <a:schemeClr val="bg1"/>
-                </a:solidFill>
-                <a:latin typeface="Lato" panose="020F0502020204030203" pitchFamily="34" charset="0"/>
-                <a:ea typeface="Roboto" panose="02000000000000000000" pitchFamily="2" charset="0"/>
-              </a:rPr>
-              <a:t>)</a:t>
-            </a:r>
-            <a:r>
-              <a:rPr lang="vi-VN" sz="2400" dirty="0">
-                <a:solidFill>
-                  <a:schemeClr val="bg1"/>
-                </a:solidFill>
-                <a:latin typeface="Lato" panose="020F0502020204030203" pitchFamily="34" charset="0"/>
-                <a:ea typeface="Roboto" panose="02000000000000000000" pitchFamily="2" charset="0"/>
-              </a:rPr>
-              <a:t>, Atom or</a:t>
-            </a:r>
-            <a:r>
-              <a:rPr lang="en-US" sz="2400" dirty="0">
-                <a:solidFill>
-                  <a:schemeClr val="bg1"/>
-                </a:solidFill>
-                <a:latin typeface="Lato" panose="020F0502020204030203" pitchFamily="34" charset="0"/>
-                <a:ea typeface="Roboto" panose="02000000000000000000" pitchFamily="2" charset="0"/>
-              </a:rPr>
-              <a:t> IDE PHP Storm (</a:t>
-            </a:r>
-            <a:r>
-              <a:rPr lang="vi-VN" sz="2400" dirty="0">
-                <a:solidFill>
-                  <a:schemeClr val="bg1"/>
-                </a:solidFill>
-                <a:latin typeface="Lato" panose="020F0502020204030203" pitchFamily="34" charset="0"/>
-                <a:ea typeface="Roboto" panose="02000000000000000000" pitchFamily="2" charset="0"/>
-              </a:rPr>
-              <a:t>recommend</a:t>
-            </a:r>
-            <a:r>
-              <a:rPr lang="en-US" sz="2400" dirty="0">
-                <a:solidFill>
-                  <a:schemeClr val="bg1"/>
-                </a:solidFill>
-                <a:latin typeface="Lato" panose="020F0502020204030203" pitchFamily="34" charset="0"/>
-                <a:ea typeface="Roboto" panose="02000000000000000000" pitchFamily="2" charset="0"/>
-              </a:rPr>
-              <a:t>).</a:t>
-            </a:r>
-          </a:p>
-          <a:p>
-            <a:pPr marL="457200" indent="-457200">
-              <a:lnSpc>
-                <a:spcPct val="150000"/>
-              </a:lnSpc>
-              <a:buFont typeface="+mj-lt"/>
-              <a:buAutoNum type="arabicPeriod"/>
-            </a:pPr>
-            <a:r>
-              <a:rPr lang="en-US" sz="2400" dirty="0">
-                <a:solidFill>
-                  <a:schemeClr val="bg1"/>
-                </a:solidFill>
-                <a:latin typeface="Lato" panose="020F0502020204030203" pitchFamily="34" charset="0"/>
-                <a:ea typeface="Roboto" panose="02000000000000000000" pitchFamily="2" charset="0"/>
-              </a:rPr>
-              <a:t>Chrome Web Browser (optional).</a:t>
-            </a:r>
-          </a:p>
-          <a:p>
-            <a:pPr marL="457200" indent="-457200">
-              <a:lnSpc>
-                <a:spcPct val="150000"/>
-              </a:lnSpc>
-              <a:buFont typeface="+mj-lt"/>
-              <a:buAutoNum type="arabicPeriod"/>
-            </a:pPr>
-            <a:r>
-              <a:rPr lang="en-US" sz="2400" dirty="0">
-                <a:solidFill>
-                  <a:schemeClr val="bg1"/>
-                </a:solidFill>
-                <a:latin typeface="Lato" panose="020F0502020204030203" pitchFamily="34" charset="0"/>
-                <a:ea typeface="Roboto" panose="02000000000000000000" pitchFamily="2" charset="0"/>
-              </a:rPr>
-              <a:t>Checkout : </a:t>
-            </a:r>
-            <a:r>
-              <a:rPr lang="en-US" sz="2000" dirty="0">
-                <a:solidFill>
-                  <a:schemeClr val="bg1"/>
-                </a:solidFill>
-                <a:latin typeface="Lato" panose="020F0502020204030203" pitchFamily="34" charset="0"/>
-                <a:ea typeface="Roboto" panose="02000000000000000000" pitchFamily="2" charset="0"/>
-              </a:rPr>
-              <a:t>https://hub.docker.com/r/namnh06/lemp/</a:t>
-            </a:r>
           </a:p>
           <a:p>
             <a:pPr marL="457200" indent="-457200">
@@ -3671,7 +3873,7 @@
         <p:spPr>
           <a:xfrm>
             <a:off x="407831" y="1505996"/>
-            <a:ext cx="11376338" cy="3343351"/>
+            <a:ext cx="11376338" cy="4451347"/>
           </a:xfrm>
           <a:prstGeom prst="rect">
             <a:avLst/>
@@ -3698,17 +3900,17 @@
                 </a:solidFill>
                 <a:latin typeface="Lato" panose="020F0502020204030203" pitchFamily="34" charset="0"/>
               </a:rPr>
-              <a:t>Turn on Git Bash (on Windows – recommend)/ Terminal (on Ubuntu).</a:t>
-            </a:r>
-          </a:p>
-          <a:p>
-            <a:pPr marL="457200" indent="-457200">
-              <a:lnSpc>
-                <a:spcPct val="150000"/>
-              </a:lnSpc>
-              <a:buFont typeface="+mj-lt"/>
-              <a:buAutoNum type="arabicPeriod"/>
-            </a:pPr>
+              <a:t>Turn on Git Bash (on Windows</a:t>
+            </a:r>
+            <a:r>
+              <a:rPr lang="en-US" sz="2400" dirty="0">
+                <a:solidFill>
+                  <a:schemeClr val="bg1"/>
+                </a:solidFill>
+                <a:latin typeface="Lato" panose="020F0502020204030203" pitchFamily="34" charset="0"/>
+              </a:rPr>
+              <a:t>)</a:t>
+            </a:r>
             <a:r>
               <a:rPr lang="vi-VN" sz="2400" dirty="0">
                 <a:solidFill>
@@ -3716,7 +3918,7 @@
                 </a:solidFill>
                 <a:latin typeface="Lato" panose="020F0502020204030203" pitchFamily="34" charset="0"/>
               </a:rPr>
-              <a:t>Type in : docker pull namnh06/lemp and waiting to pull image docker.</a:t>
+              <a:t>.</a:t>
             </a:r>
             <a:endParaRPr lang="en-US" sz="2400" dirty="0">
               <a:solidFill>
@@ -3731,17 +3933,8 @@
                 <a:spcPct val="150000"/>
               </a:lnSpc>
               <a:buFont typeface="+mj-lt"/>
-              <a:buAutoNum type="arabicPeriod" startAt="3"/>
-            </a:pPr>
-            <a:r>
-              <a:rPr lang="vi-VN" sz="2400" dirty="0">
-                <a:solidFill>
-                  <a:schemeClr val="bg1"/>
-                </a:solidFill>
-                <a:latin typeface="Lato" panose="020F0502020204030203" pitchFamily="34" charset="0"/>
-              </a:rPr>
-              <a:t>Do the following thing</a:t>
-            </a:r>
+              <a:buAutoNum type="arabicPeriod"/>
+            </a:pPr>
             <a:r>
               <a:rPr lang="en-US" sz="2400" dirty="0">
                 <a:solidFill>
@@ -3749,16 +3942,52 @@
                 </a:solidFill>
                 <a:latin typeface="Lato" panose="020F0502020204030203" pitchFamily="34" charset="0"/>
               </a:rPr>
-              <a:t>s</a:t>
-            </a:r>
-            <a:r>
-              <a:rPr lang="vi-VN" sz="2400" dirty="0">
-                <a:solidFill>
-                  <a:schemeClr val="bg1"/>
-                </a:solidFill>
-                <a:latin typeface="Lato" panose="020F0502020204030203" pitchFamily="34" charset="0"/>
-              </a:rPr>
-              <a:t> in hub docker : https://hub.docker.com/r/namnh06/lemp.</a:t>
+              <a:t>Move to C:/xampp/htdocs/ by command line : </a:t>
+            </a:r>
+            <a:r>
+              <a:rPr lang="en-US" sz="2400" b="1" dirty="0">
+                <a:solidFill>
+                  <a:schemeClr val="bg1"/>
+                </a:solidFill>
+                <a:latin typeface="Lato" panose="020F0502020204030203" pitchFamily="34" charset="0"/>
+              </a:rPr>
+              <a:t>cd /c/</a:t>
+            </a:r>
+            <a:r>
+              <a:rPr lang="en-US" sz="2400" b="1" dirty="0" err="1">
+                <a:solidFill>
+                  <a:schemeClr val="bg1"/>
+                </a:solidFill>
+                <a:latin typeface="Lato" panose="020F0502020204030203" pitchFamily="34" charset="0"/>
+              </a:rPr>
+              <a:t>xampp</a:t>
+            </a:r>
+            <a:r>
+              <a:rPr lang="en-US" sz="2400" b="1" dirty="0">
+                <a:solidFill>
+                  <a:schemeClr val="bg1"/>
+                </a:solidFill>
+                <a:latin typeface="Lato" panose="020F0502020204030203" pitchFamily="34" charset="0"/>
+              </a:rPr>
+              <a:t>/</a:t>
+            </a:r>
+            <a:r>
+              <a:rPr lang="en-US" sz="2400" b="1" dirty="0" err="1">
+                <a:solidFill>
+                  <a:schemeClr val="bg1"/>
+                </a:solidFill>
+                <a:latin typeface="Lato" panose="020F0502020204030203" pitchFamily="34" charset="0"/>
+              </a:rPr>
+              <a:t>htdocs</a:t>
+            </a:r>
+            <a:r>
+              <a:rPr lang="en-US" sz="2400" dirty="0">
+                <a:solidFill>
+                  <a:schemeClr val="bg1"/>
+                </a:solidFill>
+                <a:latin typeface="Lato" panose="020F0502020204030203" pitchFamily="34" charset="0"/>
+              </a:rPr>
+              <a:t> -&gt; Enter.</a:t>
             </a:r>
           </a:p>
           <a:p>
@@ -3767,7 +3996,7 @@
                 <a:spcPct val="150000"/>
               </a:lnSpc>
               <a:buFont typeface="+mj-lt"/>
-              <a:buAutoNum type="arabicPeriod" startAt="3"/>
+              <a:buAutoNum type="arabicPeriod"/>
             </a:pPr>
             <a:r>
               <a:rPr lang="en-US" sz="2400" dirty="0">
@@ -3776,16 +4005,7 @@
                 </a:solidFill>
                 <a:latin typeface="Lato" panose="020F0502020204030203" pitchFamily="34" charset="0"/>
               </a:rPr>
-              <a:t>Access into docker : docker exec –it –u0 </a:t>
-            </a:r>
-            <a:r>
-              <a:rPr lang="en-US" sz="2400" dirty="0" err="1">
-                <a:solidFill>
-                  <a:schemeClr val="bg1"/>
-                </a:solidFill>
-                <a:latin typeface="Lato" panose="020F0502020204030203" pitchFamily="34" charset="0"/>
-              </a:rPr>
-              <a:t>lemp</a:t>
+              <a:t>Clone Repository by Git Hub, using this command line : git clone </a:t>
             </a:r>
             <a:r>
               <a:rPr lang="en-US" sz="2400" dirty="0">
@@ -3793,8 +4013,9 @@
                   <a:schemeClr val="bg1"/>
                 </a:solidFill>
                 <a:latin typeface="Lato" panose="020F0502020204030203" pitchFamily="34" charset="0"/>
-              </a:rPr>
-              <a:t> bash.</a:t>
+                <a:ea typeface="Roboto" panose="02000000000000000000" pitchFamily="2" charset="0"/>
+              </a:rPr>
+              <a:t>https://github.com/namnh06/aptech-php-course.git -&gt; Enter.</a:t>
             </a:r>
           </a:p>
           <a:p>
@@ -3803,7 +4024,7 @@
                 <a:spcPct val="150000"/>
               </a:lnSpc>
               <a:buFont typeface="+mj-lt"/>
-              <a:buAutoNum type="arabicPeriod" startAt="3"/>
+              <a:buAutoNum type="arabicPeriod"/>
             </a:pPr>
             <a:r>
               <a:rPr lang="en-US" sz="2400" dirty="0">
@@ -3811,91 +4032,47 @@
                   <a:schemeClr val="bg1"/>
                 </a:solidFill>
                 <a:latin typeface="Lato" panose="020F0502020204030203" pitchFamily="34" charset="0"/>
-              </a:rPr>
-              <a:t>Move to : cd /var/www/html &amp;&amp; git clone https://github.com/namnh06/aptech-php-course.git</a:t>
-            </a:r>
-            <a:endParaRPr lang="vi-VN" sz="2400" dirty="0">
-              <a:solidFill>
-                <a:schemeClr val="bg1"/>
-              </a:solidFill>
-              <a:latin typeface="Lato" panose="020F0502020204030203" pitchFamily="34" charset="0"/>
-            </a:endParaRPr>
-          </a:p>
-        </p:txBody>
-      </p:sp>
-      <p:sp>
-        <p:nvSpPr>
-          <p:cNvPr id="21" name="TextBox 20">
-            <a:extLst>
-              <a:ext uri="{FF2B5EF4-FFF2-40B4-BE49-F238E27FC236}">
-                <a16:creationId xmlns:a16="http://schemas.microsoft.com/office/drawing/2014/main" id="{4188C53D-A91B-4337-95BC-8B025CB32C92}"/>
-              </a:ext>
-            </a:extLst>
-          </p:cNvPr>
-          <p:cNvSpPr txBox="1"/>
-          <p:nvPr/>
-        </p:nvSpPr>
-        <p:spPr>
-          <a:xfrm>
-            <a:off x="-1802" y="4849347"/>
-            <a:ext cx="12192000" cy="1151726"/>
-          </a:xfrm>
-          <a:prstGeom prst="rect">
-            <a:avLst/>
-          </a:prstGeom>
-          <a:noFill/>
-        </p:spPr>
-        <p:txBody>
-          <a:bodyPr wrap="square" rtlCol="0">
-            <a:spAutoFit/>
-          </a:bodyPr>
-          <a:lstStyle/>
-          <a:p>
-            <a:pPr algn="ctr">
-              <a:lnSpc>
-                <a:spcPct val="150000"/>
-              </a:lnSpc>
-            </a:pPr>
-            <a:r>
-              <a:rPr lang="vi-VN" sz="1600" dirty="0">
-                <a:solidFill>
-                  <a:schemeClr val="bg1"/>
-                </a:solidFill>
-                <a:latin typeface="Lato" panose="020F0502020204030203" pitchFamily="34" charset="0"/>
-              </a:rPr>
-              <a:t>WHAT IS THE DOCKER ?</a:t>
-            </a:r>
-          </a:p>
-          <a:p>
-            <a:pPr algn="ctr">
-              <a:lnSpc>
-                <a:spcPct val="150000"/>
-              </a:lnSpc>
-            </a:pPr>
-            <a:r>
-              <a:rPr lang="vi-VN" sz="1600" dirty="0">
-                <a:solidFill>
-                  <a:schemeClr val="bg1"/>
-                </a:solidFill>
-                <a:latin typeface="Lato" panose="020F0502020204030203" pitchFamily="34" charset="0"/>
-              </a:rPr>
-              <a:t>MORE INFOMATION ABOUT MY DOCKER :</a:t>
-            </a:r>
-          </a:p>
-          <a:p>
-            <a:pPr algn="ctr">
-              <a:lnSpc>
-                <a:spcPct val="150000"/>
-              </a:lnSpc>
-            </a:pPr>
-            <a:r>
-              <a:rPr lang="vi-VN" sz="1600" dirty="0">
-                <a:solidFill>
-                  <a:schemeClr val="bg1"/>
-                </a:solidFill>
-                <a:latin typeface="Lato" panose="020F0502020204030203" pitchFamily="34" charset="0"/>
-              </a:rPr>
-              <a:t>https://hub.docker.com/r/namnh06/lemp/</a:t>
+                <a:ea typeface="Roboto" panose="02000000000000000000" pitchFamily="2" charset="0"/>
+              </a:rPr>
+              <a:t>Using this repository to learn and get homework, exercise from there.</a:t>
+            </a:r>
+          </a:p>
+          <a:p>
+            <a:pPr marL="457200" indent="-457200">
+              <a:lnSpc>
+                <a:spcPct val="150000"/>
+              </a:lnSpc>
+              <a:buFont typeface="+mj-lt"/>
+              <a:buAutoNum type="arabicPeriod"/>
+            </a:pPr>
+            <a:r>
+              <a:rPr lang="en-US" sz="2400" dirty="0">
+                <a:solidFill>
+                  <a:schemeClr val="bg1"/>
+                </a:solidFill>
+                <a:latin typeface="Lato" panose="020F0502020204030203" pitchFamily="34" charset="0"/>
+                <a:ea typeface="Roboto" panose="02000000000000000000" pitchFamily="2" charset="0"/>
+              </a:rPr>
+              <a:t>Create your repository with convention code : Aptech-php-*-your-name. E.G : Aptech-php-12-nam-nh.</a:t>
+            </a:r>
+          </a:p>
+          <a:p>
+            <a:pPr marL="457200" indent="-457200">
+              <a:lnSpc>
+                <a:spcPct val="150000"/>
+              </a:lnSpc>
+              <a:buFont typeface="+mj-lt"/>
+              <a:buAutoNum type="arabicPeriod"/>
+            </a:pPr>
+            <a:r>
+              <a:rPr lang="en-US" sz="2400" dirty="0">
+                <a:solidFill>
+                  <a:schemeClr val="bg1"/>
+                </a:solidFill>
+                <a:latin typeface="Lato" panose="020F0502020204030203" pitchFamily="34" charset="0"/>
+                <a:ea typeface="Roboto" panose="02000000000000000000" pitchFamily="2" charset="0"/>
+              </a:rPr>
+              <a:t>Push your repository to Git Hub and do your home work.</a:t>
             </a:r>
           </a:p>
         </p:txBody>

--- a/PHP/slides/1-PHP-Basic.pptx
+++ b/PHP/slides/1-PHP-Basic.pptx
@@ -2325,10 +2325,10 @@
       </p:cxnSp>
       <p:pic>
         <p:nvPicPr>
-          <p:cNvPr id="4" name="Picture 3">
-            <a:extLst>
-              <a:ext uri="{FF2B5EF4-FFF2-40B4-BE49-F238E27FC236}">
-                <a16:creationId xmlns:a16="http://schemas.microsoft.com/office/drawing/2014/main" id="{176C3E78-009C-4880-BE2A-0BD7D18A8597}"/>
+          <p:cNvPr id="15" name="Picture 14">
+            <a:extLst>
+              <a:ext uri="{FF2B5EF4-FFF2-40B4-BE49-F238E27FC236}">
+                <a16:creationId xmlns:a16="http://schemas.microsoft.com/office/drawing/2014/main" id="{B0FE137F-46DD-44E6-A908-BCBFAF179BA1}"/>
               </a:ext>
             </a:extLst>
           </p:cNvPr>
@@ -2351,8 +2351,8 @@
         </p:blipFill>
         <p:spPr>
           <a:xfrm>
-            <a:off x="5708835" y="3293436"/>
-            <a:ext cx="6059131" cy="2581614"/>
+            <a:off x="588167" y="3293436"/>
+            <a:ext cx="4696636" cy="2585789"/>
           </a:xfrm>
           <a:prstGeom prst="rect">
             <a:avLst/>
@@ -2361,10 +2361,10 @@
       </p:pic>
       <p:pic>
         <p:nvPicPr>
-          <p:cNvPr id="15" name="Picture 14">
-            <a:extLst>
-              <a:ext uri="{FF2B5EF4-FFF2-40B4-BE49-F238E27FC236}">
-                <a16:creationId xmlns:a16="http://schemas.microsoft.com/office/drawing/2014/main" id="{B0FE137F-46DD-44E6-A908-BCBFAF179BA1}"/>
+          <p:cNvPr id="5" name="Picture 4">
+            <a:extLst>
+              <a:ext uri="{FF2B5EF4-FFF2-40B4-BE49-F238E27FC236}">
+                <a16:creationId xmlns:a16="http://schemas.microsoft.com/office/drawing/2014/main" id="{766E7665-7B9A-4497-B62E-22B227488BB6}"/>
               </a:ext>
             </a:extLst>
           </p:cNvPr>
@@ -2387,8 +2387,8 @@
         </p:blipFill>
         <p:spPr>
           <a:xfrm>
-            <a:off x="588167" y="3293436"/>
-            <a:ext cx="4696636" cy="2585789"/>
+            <a:off x="6064353" y="3269358"/>
+            <a:ext cx="6005848" cy="2633944"/>
           </a:xfrm>
           <a:prstGeom prst="rect">
             <a:avLst/>

--- a/PHP/slides/1-PHP-Basic.pptx
+++ b/PHP/slides/1-PHP-Basic.pptx
@@ -8,20 +8,21 @@
     <p:sldId id="273" r:id="rId2"/>
     <p:sldId id="257" r:id="rId3"/>
     <p:sldId id="258" r:id="rId4"/>
-    <p:sldId id="271" r:id="rId5"/>
-    <p:sldId id="274" r:id="rId6"/>
-    <p:sldId id="275" r:id="rId7"/>
-    <p:sldId id="276" r:id="rId8"/>
-    <p:sldId id="277" r:id="rId9"/>
-    <p:sldId id="278" r:id="rId10"/>
-    <p:sldId id="280" r:id="rId11"/>
-    <p:sldId id="279" r:id="rId12"/>
-    <p:sldId id="281" r:id="rId13"/>
-    <p:sldId id="282" r:id="rId14"/>
-    <p:sldId id="283" r:id="rId15"/>
-    <p:sldId id="284" r:id="rId16"/>
-    <p:sldId id="272" r:id="rId17"/>
-    <p:sldId id="285" r:id="rId18"/>
+    <p:sldId id="287" r:id="rId5"/>
+    <p:sldId id="271" r:id="rId6"/>
+    <p:sldId id="274" r:id="rId7"/>
+    <p:sldId id="275" r:id="rId8"/>
+    <p:sldId id="276" r:id="rId9"/>
+    <p:sldId id="277" r:id="rId10"/>
+    <p:sldId id="278" r:id="rId11"/>
+    <p:sldId id="280" r:id="rId12"/>
+    <p:sldId id="279" r:id="rId13"/>
+    <p:sldId id="281" r:id="rId14"/>
+    <p:sldId id="282" r:id="rId15"/>
+    <p:sldId id="283" r:id="rId16"/>
+    <p:sldId id="284" r:id="rId17"/>
+    <p:sldId id="272" r:id="rId18"/>
+    <p:sldId id="285" r:id="rId19"/>
   </p:sldIdLst>
   <p:sldSz cx="12192000" cy="6858000"/>
   <p:notesSz cx="6858000" cy="9144000"/>
@@ -763,7 +764,7 @@
                 </a:solidFill>
                 <a:latin typeface="Lato" panose="020F0502020204030203" pitchFamily="34" charset="0"/>
               </a:rPr>
-              <a:t> (cont. 3)</a:t>
+              <a:t> (cont. 2)</a:t>
             </a:r>
           </a:p>
         </p:txBody>
@@ -783,97 +784,7 @@
         <p:spPr>
           <a:xfrm>
             <a:off x="-12880" y="1505996"/>
-            <a:ext cx="10972801" cy="573362"/>
-          </a:xfrm>
-          <a:prstGeom prst="rect">
-            <a:avLst/>
-          </a:prstGeom>
-          <a:noFill/>
-        </p:spPr>
-        <p:txBody>
-          <a:bodyPr wrap="square" rtlCol="0">
-            <a:spAutoFit/>
-          </a:bodyPr>
-          <a:lstStyle/>
-          <a:p>
-            <a:pPr marL="457200" indent="-457200" algn="r">
-              <a:lnSpc>
-                <a:spcPct val="150000"/>
-              </a:lnSpc>
-              <a:buFont typeface="Wingdings" panose="05000000000000000000" pitchFamily="2" charset="2"/>
-              <a:buChar char="§"/>
-            </a:pPr>
-            <a:r>
-              <a:rPr lang="en-US" sz="2400" dirty="0">
-                <a:solidFill>
-                  <a:schemeClr val="bg1"/>
-                </a:solidFill>
-                <a:latin typeface="Lato" panose="020F0502020204030203" pitchFamily="34" charset="0"/>
-              </a:rPr>
-              <a:t>Logical Operators</a:t>
-            </a:r>
-          </a:p>
-        </p:txBody>
-      </p:sp>
-      <p:cxnSp>
-        <p:nvCxnSpPr>
-          <p:cNvPr id="7" name="Straight Connector 6">
-            <a:extLst>
-              <a:ext uri="{FF2B5EF4-FFF2-40B4-BE49-F238E27FC236}">
-                <a16:creationId xmlns:a16="http://schemas.microsoft.com/office/drawing/2014/main" id="{D9CF1DC1-1062-4407-AF14-FB51776A41BA}"/>
-              </a:ext>
-            </a:extLst>
-          </p:cNvPr>
-          <p:cNvCxnSpPr>
-            <a:cxnSpLocks/>
-          </p:cNvCxnSpPr>
-          <p:nvPr/>
-        </p:nvCxnSpPr>
-        <p:spPr>
-          <a:xfrm>
-            <a:off x="0" y="1505996"/>
-            <a:ext cx="12192000" cy="0"/>
-          </a:xfrm>
-          <a:prstGeom prst="line">
-            <a:avLst/>
-          </a:prstGeom>
-          <a:ln>
-            <a:solidFill>
-              <a:schemeClr val="bg1"/>
-            </a:solidFill>
-          </a:ln>
-        </p:spPr>
-        <p:style>
-          <a:lnRef idx="1">
-            <a:schemeClr val="accent1"/>
-          </a:lnRef>
-          <a:fillRef idx="0">
-            <a:schemeClr val="accent1"/>
-          </a:fillRef>
-          <a:effectRef idx="0">
-            <a:schemeClr val="accent1"/>
-          </a:effectRef>
-          <a:fontRef idx="minor">
-            <a:schemeClr val="tx1"/>
-          </a:fontRef>
-        </p:style>
-      </p:cxnSp>
-      <p:sp>
-        <p:nvSpPr>
-          <p:cNvPr id="8" name="TextBox 7">
-            <a:extLst>
-              <a:ext uri="{FF2B5EF4-FFF2-40B4-BE49-F238E27FC236}">
-                <a16:creationId xmlns:a16="http://schemas.microsoft.com/office/drawing/2014/main" id="{8D1DE7A9-7776-4F4C-9E4F-27BE0E95BEE0}"/>
-              </a:ext>
-            </a:extLst>
-          </p:cNvPr>
-          <p:cNvSpPr txBox="1"/>
-          <p:nvPr/>
-        </p:nvSpPr>
-        <p:spPr>
-          <a:xfrm>
-            <a:off x="1893194" y="4680176"/>
-            <a:ext cx="10683370" cy="573362"/>
+            <a:ext cx="12204879" cy="573362"/>
           </a:xfrm>
           <a:prstGeom prst="rect">
             <a:avLst/>
@@ -900,17 +811,60 @@
                 </a:solidFill>
                 <a:latin typeface="Lato" panose="020F0502020204030203" pitchFamily="34" charset="0"/>
               </a:rPr>
-              <a:t>String Operators</a:t>
+              <a:t>Comparison Operators</a:t>
             </a:r>
           </a:p>
         </p:txBody>
       </p:sp>
+      <p:cxnSp>
+        <p:nvCxnSpPr>
+          <p:cNvPr id="7" name="Straight Connector 6">
+            <a:extLst>
+              <a:ext uri="{FF2B5EF4-FFF2-40B4-BE49-F238E27FC236}">
+                <a16:creationId xmlns:a16="http://schemas.microsoft.com/office/drawing/2014/main" id="{D9CF1DC1-1062-4407-AF14-FB51776A41BA}"/>
+              </a:ext>
+            </a:extLst>
+          </p:cNvPr>
+          <p:cNvCxnSpPr>
+            <a:cxnSpLocks/>
+          </p:cNvCxnSpPr>
+          <p:nvPr/>
+        </p:nvCxnSpPr>
+        <p:spPr>
+          <a:xfrm>
+            <a:off x="0" y="1505996"/>
+            <a:ext cx="12192000" cy="0"/>
+          </a:xfrm>
+          <a:prstGeom prst="line">
+            <a:avLst/>
+          </a:prstGeom>
+          <a:ln>
+            <a:solidFill>
+              <a:schemeClr val="bg1"/>
+            </a:solidFill>
+          </a:ln>
+        </p:spPr>
+        <p:style>
+          <a:lnRef idx="1">
+            <a:schemeClr val="accent1"/>
+          </a:lnRef>
+          <a:fillRef idx="0">
+            <a:schemeClr val="accent1"/>
+          </a:fillRef>
+          <a:effectRef idx="0">
+            <a:schemeClr val="accent1"/>
+          </a:effectRef>
+          <a:fontRef idx="minor">
+            <a:schemeClr val="tx1"/>
+          </a:fontRef>
+        </p:style>
+      </p:cxnSp>
       <p:pic>
         <p:nvPicPr>
-          <p:cNvPr id="9" name="Picture 8">
-            <a:extLst>
-              <a:ext uri="{FF2B5EF4-FFF2-40B4-BE49-F238E27FC236}">
-                <a16:creationId xmlns:a16="http://schemas.microsoft.com/office/drawing/2014/main" id="{A052C8F9-875E-4EC0-A0C3-581B7B155E6E}"/>
+          <p:cNvPr id="5" name="Picture 4">
+            <a:extLst>
+              <a:ext uri="{FF2B5EF4-FFF2-40B4-BE49-F238E27FC236}">
+                <a16:creationId xmlns:a16="http://schemas.microsoft.com/office/drawing/2014/main" id="{98EE8AE7-37D8-40C1-90C7-9DE7B6ADA19A}"/>
               </a:ext>
             </a:extLst>
           </p:cNvPr>
@@ -933,20 +887,67 @@
         </p:blipFill>
         <p:spPr>
           <a:xfrm>
-            <a:off x="227794" y="1687953"/>
-            <a:ext cx="7554379" cy="2810267"/>
+            <a:off x="5596024" y="1628597"/>
+            <a:ext cx="6460594" cy="3873142"/>
           </a:xfrm>
           <a:prstGeom prst="rect">
             <a:avLst/>
           </a:prstGeom>
         </p:spPr>
       </p:pic>
+      <p:sp>
+        <p:nvSpPr>
+          <p:cNvPr id="8" name="TextBox 7">
+            <a:extLst>
+              <a:ext uri="{FF2B5EF4-FFF2-40B4-BE49-F238E27FC236}">
+                <a16:creationId xmlns:a16="http://schemas.microsoft.com/office/drawing/2014/main" id="{8D1DE7A9-7776-4F4C-9E4F-27BE0E95BEE0}"/>
+              </a:ext>
+            </a:extLst>
+          </p:cNvPr>
+          <p:cNvSpPr txBox="1"/>
+          <p:nvPr/>
+        </p:nvSpPr>
+        <p:spPr>
+          <a:xfrm>
+            <a:off x="-14681" y="3678237"/>
+            <a:ext cx="12204879" cy="573362"/>
+          </a:xfrm>
+          <a:prstGeom prst="rect">
+            <a:avLst/>
+          </a:prstGeom>
+          <a:noFill/>
+        </p:spPr>
+        <p:txBody>
+          <a:bodyPr wrap="square" rtlCol="0">
+            <a:spAutoFit/>
+          </a:bodyPr>
+          <a:lstStyle/>
+          <a:p>
+            <a:pPr marL="457200" indent="-457200">
+              <a:lnSpc>
+                <a:spcPct val="150000"/>
+              </a:lnSpc>
+              <a:buFont typeface="Wingdings" panose="05000000000000000000" pitchFamily="2" charset="2"/>
+              <a:buChar char="§"/>
+            </a:pPr>
+            <a:r>
+              <a:rPr lang="en-US" sz="2400" dirty="0">
+                <a:solidFill>
+                  <a:schemeClr val="bg1"/>
+                </a:solidFill>
+                <a:latin typeface="Lato" panose="020F0502020204030203" pitchFamily="34" charset="0"/>
+              </a:rPr>
+              <a:t>Increment/Decrement Operators</a:t>
+            </a:r>
+          </a:p>
+        </p:txBody>
+      </p:sp>
       <p:pic>
         <p:nvPicPr>
-          <p:cNvPr id="11" name="Picture 10">
-            <a:extLst>
-              <a:ext uri="{FF2B5EF4-FFF2-40B4-BE49-F238E27FC236}">
-                <a16:creationId xmlns:a16="http://schemas.microsoft.com/office/drawing/2014/main" id="{AA62037A-135B-4068-A5A5-05C349801D11}"/>
+          <p:cNvPr id="4" name="Picture 3">
+            <a:extLst>
+              <a:ext uri="{FF2B5EF4-FFF2-40B4-BE49-F238E27FC236}">
+                <a16:creationId xmlns:a16="http://schemas.microsoft.com/office/drawing/2014/main" id="{5487800E-2E00-4AD4-BD40-087EF10E6E33}"/>
               </a:ext>
             </a:extLst>
           </p:cNvPr>
@@ -969,8 +970,8 @@
         </p:blipFill>
         <p:spPr>
           <a:xfrm>
-            <a:off x="4972390" y="4654418"/>
-            <a:ext cx="7133752" cy="1246848"/>
+            <a:off x="135382" y="4259454"/>
+            <a:ext cx="5266729" cy="1600433"/>
           </a:xfrm>
           <a:prstGeom prst="rect">
             <a:avLst/>
@@ -980,7 +981,7 @@
     </p:spTree>
     <p:extLst>
       <p:ext uri="{BB962C8B-B14F-4D97-AF65-F5344CB8AC3E}">
-        <p14:creationId xmlns:p14="http://schemas.microsoft.com/office/powerpoint/2010/main" val="2962779096"/>
+        <p14:creationId xmlns:p14="http://schemas.microsoft.com/office/powerpoint/2010/main" val="2443082521"/>
       </p:ext>
     </p:extLst>
   </p:cSld>
@@ -1108,7 +1109,7 @@
                 </a:solidFill>
                 <a:latin typeface="Lato" panose="020F0502020204030203" pitchFamily="34" charset="0"/>
               </a:rPr>
-              <a:t> (cont. 4)</a:t>
+              <a:t> (cont. 3)</a:t>
             </a:r>
           </a:p>
         </p:txBody>
@@ -1128,7 +1129,97 @@
         <p:spPr>
           <a:xfrm>
             <a:off x="-12880" y="1505996"/>
-            <a:ext cx="12204879" cy="585738"/>
+            <a:ext cx="10972801" cy="573362"/>
+          </a:xfrm>
+          <a:prstGeom prst="rect">
+            <a:avLst/>
+          </a:prstGeom>
+          <a:noFill/>
+        </p:spPr>
+        <p:txBody>
+          <a:bodyPr wrap="square" rtlCol="0">
+            <a:spAutoFit/>
+          </a:bodyPr>
+          <a:lstStyle/>
+          <a:p>
+            <a:pPr marL="457200" indent="-457200" algn="r">
+              <a:lnSpc>
+                <a:spcPct val="150000"/>
+              </a:lnSpc>
+              <a:buFont typeface="Wingdings" panose="05000000000000000000" pitchFamily="2" charset="2"/>
+              <a:buChar char="§"/>
+            </a:pPr>
+            <a:r>
+              <a:rPr lang="en-US" sz="2400" dirty="0">
+                <a:solidFill>
+                  <a:schemeClr val="bg1"/>
+                </a:solidFill>
+                <a:latin typeface="Lato" panose="020F0502020204030203" pitchFamily="34" charset="0"/>
+              </a:rPr>
+              <a:t>Logical Operators</a:t>
+            </a:r>
+          </a:p>
+        </p:txBody>
+      </p:sp>
+      <p:cxnSp>
+        <p:nvCxnSpPr>
+          <p:cNvPr id="7" name="Straight Connector 6">
+            <a:extLst>
+              <a:ext uri="{FF2B5EF4-FFF2-40B4-BE49-F238E27FC236}">
+                <a16:creationId xmlns:a16="http://schemas.microsoft.com/office/drawing/2014/main" id="{D9CF1DC1-1062-4407-AF14-FB51776A41BA}"/>
+              </a:ext>
+            </a:extLst>
+          </p:cNvPr>
+          <p:cNvCxnSpPr>
+            <a:cxnSpLocks/>
+          </p:cNvCxnSpPr>
+          <p:nvPr/>
+        </p:nvCxnSpPr>
+        <p:spPr>
+          <a:xfrm>
+            <a:off x="0" y="1505996"/>
+            <a:ext cx="12192000" cy="0"/>
+          </a:xfrm>
+          <a:prstGeom prst="line">
+            <a:avLst/>
+          </a:prstGeom>
+          <a:ln>
+            <a:solidFill>
+              <a:schemeClr val="bg1"/>
+            </a:solidFill>
+          </a:ln>
+        </p:spPr>
+        <p:style>
+          <a:lnRef idx="1">
+            <a:schemeClr val="accent1"/>
+          </a:lnRef>
+          <a:fillRef idx="0">
+            <a:schemeClr val="accent1"/>
+          </a:fillRef>
+          <a:effectRef idx="0">
+            <a:schemeClr val="accent1"/>
+          </a:effectRef>
+          <a:fontRef idx="minor">
+            <a:schemeClr val="tx1"/>
+          </a:fontRef>
+        </p:style>
+      </p:cxnSp>
+      <p:sp>
+        <p:nvSpPr>
+          <p:cNvPr id="8" name="TextBox 7">
+            <a:extLst>
+              <a:ext uri="{FF2B5EF4-FFF2-40B4-BE49-F238E27FC236}">
+                <a16:creationId xmlns:a16="http://schemas.microsoft.com/office/drawing/2014/main" id="{8D1DE7A9-7776-4F4C-9E4F-27BE0E95BEE0}"/>
+              </a:ext>
+            </a:extLst>
+          </p:cNvPr>
+          <p:cNvSpPr txBox="1"/>
+          <p:nvPr/>
+        </p:nvSpPr>
+        <p:spPr>
+          <a:xfrm>
+            <a:off x="1893194" y="4680176"/>
+            <a:ext cx="10683370" cy="573362"/>
           </a:xfrm>
           <a:prstGeom prst="rect">
             <a:avLst/>
@@ -1155,60 +1246,17 @@
                 </a:solidFill>
                 <a:latin typeface="Lato" panose="020F0502020204030203" pitchFamily="34" charset="0"/>
               </a:rPr>
-              <a:t>Array Operators</a:t>
+              <a:t>String Operators</a:t>
             </a:r>
           </a:p>
         </p:txBody>
       </p:sp>
-      <p:cxnSp>
-        <p:nvCxnSpPr>
-          <p:cNvPr id="7" name="Straight Connector 6">
-            <a:extLst>
-              <a:ext uri="{FF2B5EF4-FFF2-40B4-BE49-F238E27FC236}">
-                <a16:creationId xmlns:a16="http://schemas.microsoft.com/office/drawing/2014/main" id="{D9CF1DC1-1062-4407-AF14-FB51776A41BA}"/>
-              </a:ext>
-            </a:extLst>
-          </p:cNvPr>
-          <p:cNvCxnSpPr>
-            <a:cxnSpLocks/>
-          </p:cNvCxnSpPr>
-          <p:nvPr/>
-        </p:nvCxnSpPr>
-        <p:spPr>
-          <a:xfrm>
-            <a:off x="0" y="1505996"/>
-            <a:ext cx="12192000" cy="0"/>
-          </a:xfrm>
-          <a:prstGeom prst="line">
-            <a:avLst/>
-          </a:prstGeom>
-          <a:ln>
-            <a:solidFill>
-              <a:schemeClr val="bg1"/>
-            </a:solidFill>
-          </a:ln>
-        </p:spPr>
-        <p:style>
-          <a:lnRef idx="1">
-            <a:schemeClr val="accent1"/>
-          </a:lnRef>
-          <a:fillRef idx="0">
-            <a:schemeClr val="accent1"/>
-          </a:fillRef>
-          <a:effectRef idx="0">
-            <a:schemeClr val="accent1"/>
-          </a:effectRef>
-          <a:fontRef idx="minor">
-            <a:schemeClr val="tx1"/>
-          </a:fontRef>
-        </p:style>
-      </p:cxnSp>
       <p:pic>
         <p:nvPicPr>
-          <p:cNvPr id="4" name="Picture 3">
-            <a:extLst>
-              <a:ext uri="{FF2B5EF4-FFF2-40B4-BE49-F238E27FC236}">
-                <a16:creationId xmlns:a16="http://schemas.microsoft.com/office/drawing/2014/main" id="{F31011EA-AFCE-4F91-8DD3-8D38E6C7FE82}"/>
+          <p:cNvPr id="9" name="Picture 8">
+            <a:extLst>
+              <a:ext uri="{FF2B5EF4-FFF2-40B4-BE49-F238E27FC236}">
+                <a16:creationId xmlns:a16="http://schemas.microsoft.com/office/drawing/2014/main" id="{A052C8F9-875E-4EC0-A0C3-581B7B155E6E}"/>
               </a:ext>
             </a:extLst>
           </p:cNvPr>
@@ -1231,8 +1279,44 @@
         </p:blipFill>
         <p:spPr>
           <a:xfrm>
-            <a:off x="1857192" y="2205994"/>
-            <a:ext cx="8477615" cy="3665704"/>
+            <a:off x="227794" y="1687953"/>
+            <a:ext cx="7554379" cy="2810267"/>
+          </a:xfrm>
+          <a:prstGeom prst="rect">
+            <a:avLst/>
+          </a:prstGeom>
+        </p:spPr>
+      </p:pic>
+      <p:pic>
+        <p:nvPicPr>
+          <p:cNvPr id="11" name="Picture 10">
+            <a:extLst>
+              <a:ext uri="{FF2B5EF4-FFF2-40B4-BE49-F238E27FC236}">
+                <a16:creationId xmlns:a16="http://schemas.microsoft.com/office/drawing/2014/main" id="{AA62037A-135B-4068-A5A5-05C349801D11}"/>
+              </a:ext>
+            </a:extLst>
+          </p:cNvPr>
+          <p:cNvPicPr>
+            <a:picLocks noChangeAspect="1"/>
+          </p:cNvPicPr>
+          <p:nvPr/>
+        </p:nvPicPr>
+        <p:blipFill>
+          <a:blip r:embed="rId3">
+            <a:extLst>
+              <a:ext uri="{28A0092B-C50C-407E-A947-70E740481C1C}">
+                <a14:useLocalDpi xmlns:a14="http://schemas.microsoft.com/office/drawing/2010/main" val="0"/>
+              </a:ext>
+            </a:extLst>
+          </a:blip>
+          <a:stretch>
+            <a:fillRect/>
+          </a:stretch>
+        </p:blipFill>
+        <p:spPr>
+          <a:xfrm>
+            <a:off x="4972390" y="4654418"/>
+            <a:ext cx="7133752" cy="1246848"/>
           </a:xfrm>
           <a:prstGeom prst="rect">
             <a:avLst/>
@@ -1242,7 +1326,7 @@
     </p:spTree>
     <p:extLst>
       <p:ext uri="{BB962C8B-B14F-4D97-AF65-F5344CB8AC3E}">
-        <p14:creationId xmlns:p14="http://schemas.microsoft.com/office/powerpoint/2010/main" val="1899061777"/>
+        <p14:creationId xmlns:p14="http://schemas.microsoft.com/office/powerpoint/2010/main" val="2962779096"/>
       </p:ext>
     </p:extLst>
   </p:cSld>
@@ -1339,8 +1423,8 @@
         </p:nvSpPr>
         <p:spPr>
           <a:xfrm>
-            <a:off x="3329878" y="859665"/>
-            <a:ext cx="5532284" cy="646331"/>
+            <a:off x="3817760" y="859665"/>
+            <a:ext cx="4556505" cy="646331"/>
           </a:xfrm>
           <a:prstGeom prst="rect">
             <a:avLst/>
@@ -1361,14 +1445,17 @@
                 </a:solidFill>
                 <a:latin typeface="Lato" panose="020F0502020204030203" pitchFamily="34" charset="0"/>
               </a:rPr>
-              <a:t>CONDITION STATMENTS</a:t>
-            </a:r>
-            <a:endParaRPr lang="en-US" sz="3600" dirty="0">
-              <a:solidFill>
-                <a:schemeClr val="bg1"/>
-              </a:solidFill>
-              <a:latin typeface="Lato" panose="020F0502020204030203" pitchFamily="34" charset="0"/>
-            </a:endParaRPr>
+              <a:t>OPERATORS</a:t>
+            </a:r>
+            <a:r>
+              <a:rPr lang="en-US" sz="3600" dirty="0">
+                <a:solidFill>
+                  <a:schemeClr val="bg1"/>
+                </a:solidFill>
+                <a:latin typeface="Lato" panose="020F0502020204030203" pitchFamily="34" charset="0"/>
+              </a:rPr>
+              <a:t> (cont. 4)</a:t>
+            </a:r>
           </a:p>
         </p:txBody>
       </p:sp>
@@ -1387,7 +1474,7 @@
         <p:spPr>
           <a:xfrm>
             <a:off x="-12880" y="1505996"/>
-            <a:ext cx="12204879" cy="2235356"/>
+            <a:ext cx="12204879" cy="585738"/>
           </a:xfrm>
           <a:prstGeom prst="rect">
             <a:avLst/>
@@ -1414,61 +1501,7 @@
                 </a:solidFill>
                 <a:latin typeface="Lato" panose="020F0502020204030203" pitchFamily="34" charset="0"/>
               </a:rPr>
-              <a:t>If</a:t>
-            </a:r>
-          </a:p>
-          <a:p>
-            <a:pPr marL="457200" indent="-457200">
-              <a:lnSpc>
-                <a:spcPct val="150000"/>
-              </a:lnSpc>
-              <a:buFont typeface="Wingdings" panose="05000000000000000000" pitchFamily="2" charset="2"/>
-              <a:buChar char="§"/>
-            </a:pPr>
-            <a:r>
-              <a:rPr lang="en-US" sz="2400" dirty="0">
-                <a:solidFill>
-                  <a:schemeClr val="bg1"/>
-                </a:solidFill>
-                <a:latin typeface="Lato" panose="020F0502020204030203" pitchFamily="34" charset="0"/>
-              </a:rPr>
-              <a:t>If … else</a:t>
-            </a:r>
-          </a:p>
-          <a:p>
-            <a:pPr marL="457200" indent="-457200">
-              <a:lnSpc>
-                <a:spcPct val="150000"/>
-              </a:lnSpc>
-              <a:buFont typeface="Wingdings" panose="05000000000000000000" pitchFamily="2" charset="2"/>
-              <a:buChar char="§"/>
-            </a:pPr>
-            <a:r>
-              <a:rPr lang="en-US" sz="2400" dirty="0">
-                <a:solidFill>
-                  <a:schemeClr val="bg1"/>
-                </a:solidFill>
-                <a:latin typeface="Lato" panose="020F0502020204030203" pitchFamily="34" charset="0"/>
-              </a:rPr>
-              <a:t>If … else if … else</a:t>
-            </a:r>
-          </a:p>
-          <a:p>
-            <a:pPr marL="457200" indent="-457200">
-              <a:lnSpc>
-                <a:spcPct val="150000"/>
-              </a:lnSpc>
-              <a:buFont typeface="Wingdings" panose="05000000000000000000" pitchFamily="2" charset="2"/>
-              <a:buChar char="§"/>
-            </a:pPr>
-            <a:r>
-              <a:rPr lang="en-US" sz="2400" dirty="0">
-                <a:solidFill>
-                  <a:schemeClr val="bg1"/>
-                </a:solidFill>
-                <a:latin typeface="Lato" panose="020F0502020204030203" pitchFamily="34" charset="0"/>
-              </a:rPr>
-              <a:t>Switch case</a:t>
+              <a:t>Array Operators</a:t>
             </a:r>
           </a:p>
         </p:txBody>
@@ -1518,10 +1551,10 @@
       </p:cxnSp>
       <p:pic>
         <p:nvPicPr>
-          <p:cNvPr id="5" name="Picture 4">
-            <a:extLst>
-              <a:ext uri="{FF2B5EF4-FFF2-40B4-BE49-F238E27FC236}">
-                <a16:creationId xmlns:a16="http://schemas.microsoft.com/office/drawing/2014/main" id="{5AB031A9-492B-4035-98EA-067A7FD3A471}"/>
+          <p:cNvPr id="4" name="Picture 3">
+            <a:extLst>
+              <a:ext uri="{FF2B5EF4-FFF2-40B4-BE49-F238E27FC236}">
+                <a16:creationId xmlns:a16="http://schemas.microsoft.com/office/drawing/2014/main" id="{F31011EA-AFCE-4F91-8DD3-8D38E6C7FE82}"/>
               </a:ext>
             </a:extLst>
           </p:cNvPr>
@@ -1544,44 +1577,8 @@
         </p:blipFill>
         <p:spPr>
           <a:xfrm>
-            <a:off x="4551751" y="1606230"/>
-            <a:ext cx="4586013" cy="4227730"/>
-          </a:xfrm>
-          <a:prstGeom prst="rect">
-            <a:avLst/>
-          </a:prstGeom>
-        </p:spPr>
-      </p:pic>
-      <p:pic>
-        <p:nvPicPr>
-          <p:cNvPr id="10" name="Picture 9">
-            <a:extLst>
-              <a:ext uri="{FF2B5EF4-FFF2-40B4-BE49-F238E27FC236}">
-                <a16:creationId xmlns:a16="http://schemas.microsoft.com/office/drawing/2014/main" id="{C3124CDD-D053-497D-ABBD-044DD5241818}"/>
-              </a:ext>
-            </a:extLst>
-          </p:cNvPr>
-          <p:cNvPicPr>
-            <a:picLocks noChangeAspect="1"/>
-          </p:cNvPicPr>
-          <p:nvPr/>
-        </p:nvPicPr>
-        <p:blipFill>
-          <a:blip r:embed="rId3">
-            <a:extLst>
-              <a:ext uri="{28A0092B-C50C-407E-A947-70E740481C1C}">
-                <a14:useLocalDpi xmlns:a14="http://schemas.microsoft.com/office/drawing/2010/main" val="0"/>
-              </a:ext>
-            </a:extLst>
-          </a:blip>
-          <a:stretch>
-            <a:fillRect/>
-          </a:stretch>
-        </p:blipFill>
-        <p:spPr>
-          <a:xfrm>
-            <a:off x="9259911" y="1612358"/>
-            <a:ext cx="2811744" cy="4227731"/>
+            <a:off x="1857192" y="2205994"/>
+            <a:ext cx="8477615" cy="3665704"/>
           </a:xfrm>
           <a:prstGeom prst="rect">
             <a:avLst/>
@@ -1591,7 +1588,7 @@
     </p:spTree>
     <p:extLst>
       <p:ext uri="{BB962C8B-B14F-4D97-AF65-F5344CB8AC3E}">
-        <p14:creationId xmlns:p14="http://schemas.microsoft.com/office/powerpoint/2010/main" val="3088691208"/>
+        <p14:creationId xmlns:p14="http://schemas.microsoft.com/office/powerpoint/2010/main" val="1899061777"/>
       </p:ext>
     </p:extLst>
   </p:cSld>
@@ -1688,8 +1685,8 @@
         </p:nvSpPr>
         <p:spPr>
           <a:xfrm>
-            <a:off x="5261911" y="859665"/>
-            <a:ext cx="1668214" cy="646331"/>
+            <a:off x="3329878" y="859665"/>
+            <a:ext cx="5532284" cy="646331"/>
           </a:xfrm>
           <a:prstGeom prst="rect">
             <a:avLst/>
@@ -1710,7 +1707,7 @@
                 </a:solidFill>
                 <a:latin typeface="Lato" panose="020F0502020204030203" pitchFamily="34" charset="0"/>
               </a:rPr>
-              <a:t>LOOPS</a:t>
+              <a:t>CONDITION STATMENTS</a:t>
             </a:r>
             <a:endParaRPr lang="en-US" sz="3600" dirty="0">
               <a:solidFill>
@@ -1736,7 +1733,7 @@
         <p:spPr>
           <a:xfrm>
             <a:off x="-12880" y="1505996"/>
-            <a:ext cx="12204879" cy="1127360"/>
+            <a:ext cx="12204879" cy="2235356"/>
           </a:xfrm>
           <a:prstGeom prst="rect">
             <a:avLst/>
@@ -1757,13 +1754,13 @@
               <a:buChar char="§"/>
             </a:pPr>
             <a:r>
-              <a:rPr lang="vi-VN" sz="2400" dirty="0">
-                <a:solidFill>
-                  <a:schemeClr val="bg1"/>
-                </a:solidFill>
-                <a:latin typeface="Lato" panose="020F0502020204030203" pitchFamily="34" charset="0"/>
-              </a:rPr>
-              <a:t>While</a:t>
+              <a:rPr lang="en-US" sz="2400" dirty="0">
+                <a:solidFill>
+                  <a:schemeClr val="bg1"/>
+                </a:solidFill>
+                <a:latin typeface="Lato" panose="020F0502020204030203" pitchFamily="34" charset="0"/>
+              </a:rPr>
+              <a:t>If</a:t>
             </a:r>
           </a:p>
           <a:p>
@@ -1775,13 +1772,49 @@
               <a:buChar char="§"/>
             </a:pPr>
             <a:r>
-              <a:rPr lang="vi-VN" sz="2400" dirty="0">
-                <a:solidFill>
-                  <a:schemeClr val="bg1"/>
-                </a:solidFill>
-                <a:latin typeface="Lato" panose="020F0502020204030203" pitchFamily="34" charset="0"/>
-              </a:rPr>
-              <a:t>Do ... While</a:t>
+              <a:rPr lang="en-US" sz="2400" dirty="0">
+                <a:solidFill>
+                  <a:schemeClr val="bg1"/>
+                </a:solidFill>
+                <a:latin typeface="Lato" panose="020F0502020204030203" pitchFamily="34" charset="0"/>
+              </a:rPr>
+              <a:t>If … else</a:t>
+            </a:r>
+          </a:p>
+          <a:p>
+            <a:pPr marL="457200" indent="-457200">
+              <a:lnSpc>
+                <a:spcPct val="150000"/>
+              </a:lnSpc>
+              <a:buFont typeface="Wingdings" panose="05000000000000000000" pitchFamily="2" charset="2"/>
+              <a:buChar char="§"/>
+            </a:pPr>
+            <a:r>
+              <a:rPr lang="en-US" sz="2400" dirty="0">
+                <a:solidFill>
+                  <a:schemeClr val="bg1"/>
+                </a:solidFill>
+                <a:latin typeface="Lato" panose="020F0502020204030203" pitchFamily="34" charset="0"/>
+              </a:rPr>
+              <a:t>If … else if … else</a:t>
+            </a:r>
+          </a:p>
+          <a:p>
+            <a:pPr marL="457200" indent="-457200">
+              <a:lnSpc>
+                <a:spcPct val="150000"/>
+              </a:lnSpc>
+              <a:buFont typeface="Wingdings" panose="05000000000000000000" pitchFamily="2" charset="2"/>
+              <a:buChar char="§"/>
+            </a:pPr>
+            <a:r>
+              <a:rPr lang="en-US" sz="2400" dirty="0">
+                <a:solidFill>
+                  <a:schemeClr val="bg1"/>
+                </a:solidFill>
+                <a:latin typeface="Lato" panose="020F0502020204030203" pitchFamily="34" charset="0"/>
+              </a:rPr>
+              <a:t>Switch case</a:t>
             </a:r>
           </a:p>
         </p:txBody>
@@ -1831,10 +1864,10 @@
       </p:cxnSp>
       <p:pic>
         <p:nvPicPr>
-          <p:cNvPr id="9" name="Picture 8">
-            <a:extLst>
-              <a:ext uri="{FF2B5EF4-FFF2-40B4-BE49-F238E27FC236}">
-                <a16:creationId xmlns:a16="http://schemas.microsoft.com/office/drawing/2014/main" id="{8AB93A97-F2F9-476A-AC28-0828CB2C85F8}"/>
+          <p:cNvPr id="5" name="Picture 4">
+            <a:extLst>
+              <a:ext uri="{FF2B5EF4-FFF2-40B4-BE49-F238E27FC236}">
+                <a16:creationId xmlns:a16="http://schemas.microsoft.com/office/drawing/2014/main" id="{5AB031A9-492B-4035-98EA-067A7FD3A471}"/>
               </a:ext>
             </a:extLst>
           </p:cNvPr>
@@ -1857,120 +1890,20 @@
         </p:blipFill>
         <p:spPr>
           <a:xfrm>
-            <a:off x="2658672" y="1680723"/>
-            <a:ext cx="2676899" cy="1905266"/>
+            <a:off x="4551751" y="1606230"/>
+            <a:ext cx="4586013" cy="4227730"/>
           </a:xfrm>
           <a:prstGeom prst="rect">
             <a:avLst/>
           </a:prstGeom>
         </p:spPr>
       </p:pic>
-      <p:sp>
-        <p:nvSpPr>
-          <p:cNvPr id="12" name="TextBox 11">
-            <a:extLst>
-              <a:ext uri="{FF2B5EF4-FFF2-40B4-BE49-F238E27FC236}">
-                <a16:creationId xmlns:a16="http://schemas.microsoft.com/office/drawing/2014/main" id="{5A6D2C36-5C01-460E-9336-ED0B36A89518}"/>
-              </a:ext>
-            </a:extLst>
-          </p:cNvPr>
-          <p:cNvSpPr txBox="1"/>
-          <p:nvPr/>
-        </p:nvSpPr>
-        <p:spPr>
-          <a:xfrm>
-            <a:off x="6087759" y="1505996"/>
-            <a:ext cx="6102440" cy="573362"/>
-          </a:xfrm>
-          <a:prstGeom prst="rect">
-            <a:avLst/>
-          </a:prstGeom>
-          <a:noFill/>
-        </p:spPr>
-        <p:txBody>
-          <a:bodyPr wrap="square" rtlCol="0">
-            <a:spAutoFit/>
-          </a:bodyPr>
-          <a:lstStyle/>
-          <a:p>
-            <a:pPr marL="457200" indent="-457200">
-              <a:lnSpc>
-                <a:spcPct val="150000"/>
-              </a:lnSpc>
-              <a:buFont typeface="Wingdings" panose="05000000000000000000" pitchFamily="2" charset="2"/>
-              <a:buChar char="§"/>
-            </a:pPr>
-            <a:r>
-              <a:rPr lang="vi-VN" sz="2400" dirty="0">
-                <a:solidFill>
-                  <a:schemeClr val="bg1"/>
-                </a:solidFill>
-                <a:latin typeface="Lato" panose="020F0502020204030203" pitchFamily="34" charset="0"/>
-              </a:rPr>
-              <a:t>Foreach</a:t>
-            </a:r>
-            <a:endParaRPr lang="en-US" sz="2400" dirty="0">
-              <a:solidFill>
-                <a:schemeClr val="bg1"/>
-              </a:solidFill>
-              <a:latin typeface="Lato" panose="020F0502020204030203" pitchFamily="34" charset="0"/>
-            </a:endParaRPr>
-          </a:p>
-        </p:txBody>
-      </p:sp>
-      <p:sp>
-        <p:nvSpPr>
-          <p:cNvPr id="13" name="TextBox 12">
-            <a:extLst>
-              <a:ext uri="{FF2B5EF4-FFF2-40B4-BE49-F238E27FC236}">
-                <a16:creationId xmlns:a16="http://schemas.microsoft.com/office/drawing/2014/main" id="{74CD0083-FD7F-413C-9BCD-55DEAD1F59D3}"/>
-              </a:ext>
-            </a:extLst>
-          </p:cNvPr>
-          <p:cNvSpPr txBox="1"/>
-          <p:nvPr/>
-        </p:nvSpPr>
-        <p:spPr>
-          <a:xfrm>
-            <a:off x="1" y="3618636"/>
-            <a:ext cx="6102440" cy="573362"/>
-          </a:xfrm>
-          <a:prstGeom prst="rect">
-            <a:avLst/>
-          </a:prstGeom>
-          <a:noFill/>
-        </p:spPr>
-        <p:txBody>
-          <a:bodyPr wrap="square" rtlCol="0">
-            <a:spAutoFit/>
-          </a:bodyPr>
-          <a:lstStyle/>
-          <a:p>
-            <a:pPr marL="457200" indent="-457200">
-              <a:lnSpc>
-                <a:spcPct val="150000"/>
-              </a:lnSpc>
-              <a:buFont typeface="Wingdings" panose="05000000000000000000" pitchFamily="2" charset="2"/>
-              <a:buChar char="§"/>
-            </a:pPr>
-            <a:r>
-              <a:rPr lang="vi-VN" sz="2400" dirty="0">
-                <a:solidFill>
-                  <a:schemeClr val="bg1"/>
-                </a:solidFill>
-                <a:latin typeface="Lato" panose="020F0502020204030203" pitchFamily="34" charset="0"/>
-              </a:rPr>
-              <a:t>For</a:t>
-            </a:r>
-          </a:p>
-        </p:txBody>
-      </p:sp>
       <p:pic>
         <p:nvPicPr>
-          <p:cNvPr id="14" name="Picture 13">
-            <a:extLst>
-              <a:ext uri="{FF2B5EF4-FFF2-40B4-BE49-F238E27FC236}">
-                <a16:creationId xmlns:a16="http://schemas.microsoft.com/office/drawing/2014/main" id="{89116B43-90BD-425E-B8EE-7D6113973582}"/>
+          <p:cNvPr id="10" name="Picture 9">
+            <a:extLst>
+              <a:ext uri="{FF2B5EF4-FFF2-40B4-BE49-F238E27FC236}">
+                <a16:creationId xmlns:a16="http://schemas.microsoft.com/office/drawing/2014/main" id="{C3124CDD-D053-497D-ABBD-044DD5241818}"/>
               </a:ext>
             </a:extLst>
           </p:cNvPr>
@@ -1993,44 +1926,8 @@
         </p:blipFill>
         <p:spPr>
           <a:xfrm>
-            <a:off x="1891803" y="4224645"/>
-            <a:ext cx="4210638" cy="1638529"/>
-          </a:xfrm>
-          <a:prstGeom prst="rect">
-            <a:avLst/>
-          </a:prstGeom>
-        </p:spPr>
-      </p:pic>
-      <p:pic>
-        <p:nvPicPr>
-          <p:cNvPr id="16" name="Picture 15">
-            <a:extLst>
-              <a:ext uri="{FF2B5EF4-FFF2-40B4-BE49-F238E27FC236}">
-                <a16:creationId xmlns:a16="http://schemas.microsoft.com/office/drawing/2014/main" id="{11EF21C1-0CD1-45AF-8F1B-9CF2A18F37BC}"/>
-              </a:ext>
-            </a:extLst>
-          </p:cNvPr>
-          <p:cNvPicPr>
-            <a:picLocks noChangeAspect="1"/>
-          </p:cNvPicPr>
-          <p:nvPr/>
-        </p:nvPicPr>
-        <p:blipFill>
-          <a:blip r:embed="rId4">
-            <a:extLst>
-              <a:ext uri="{28A0092B-C50C-407E-A947-70E740481C1C}">
-                <a14:useLocalDpi xmlns:a14="http://schemas.microsoft.com/office/drawing/2010/main" val="0"/>
-              </a:ext>
-            </a:extLst>
-          </a:blip>
-          <a:stretch>
-            <a:fillRect/>
-          </a:stretch>
-        </p:blipFill>
-        <p:spPr>
-          <a:xfrm>
-            <a:off x="6645498" y="2289002"/>
-            <a:ext cx="5345711" cy="2213357"/>
+            <a:off x="9259911" y="1612358"/>
+            <a:ext cx="2811744" cy="4227731"/>
           </a:xfrm>
           <a:prstGeom prst="rect">
             <a:avLst/>
@@ -2040,7 +1937,7 @@
     </p:spTree>
     <p:extLst>
       <p:ext uri="{BB962C8B-B14F-4D97-AF65-F5344CB8AC3E}">
-        <p14:creationId xmlns:p14="http://schemas.microsoft.com/office/powerpoint/2010/main" val="4101912011"/>
+        <p14:creationId xmlns:p14="http://schemas.microsoft.com/office/powerpoint/2010/main" val="3088691208"/>
       </p:ext>
     </p:extLst>
   </p:cSld>
@@ -2137,8 +2034,8 @@
         </p:nvSpPr>
         <p:spPr>
           <a:xfrm>
-            <a:off x="4683617" y="859665"/>
-            <a:ext cx="2824812" cy="646331"/>
+            <a:off x="5261911" y="859665"/>
+            <a:ext cx="1668214" cy="646331"/>
           </a:xfrm>
           <a:prstGeom prst="rect">
             <a:avLst/>
@@ -2159,7 +2056,7 @@
                 </a:solidFill>
                 <a:latin typeface="Lato" panose="020F0502020204030203" pitchFamily="34" charset="0"/>
               </a:rPr>
-              <a:t>FUNCTIONS</a:t>
+              <a:t>LOOPS</a:t>
             </a:r>
             <a:endParaRPr lang="en-US" sz="3600" dirty="0">
               <a:solidFill>
@@ -2185,7 +2082,7 @@
         <p:spPr>
           <a:xfrm>
             <a:off x="-12880" y="1505996"/>
-            <a:ext cx="12204879" cy="2235356"/>
+            <a:ext cx="12204879" cy="1127360"/>
           </a:xfrm>
           <a:prstGeom prst="rect">
             <a:avLst/>
@@ -2206,20 +2103,14 @@
               <a:buChar char="§"/>
             </a:pPr>
             <a:r>
-              <a:rPr lang="en-US" sz="2400" dirty="0">
-                <a:solidFill>
-                  <a:schemeClr val="bg1"/>
-                </a:solidFill>
-                <a:latin typeface="Lato" panose="020F0502020204030203" pitchFamily="34" charset="0"/>
-              </a:rPr>
-              <a:t>A function name can start with a letter or underscore (not a number).</a:t>
-            </a:r>
-            <a:endParaRPr lang="vi-VN" sz="2400" dirty="0">
-              <a:solidFill>
-                <a:schemeClr val="bg1"/>
-              </a:solidFill>
-              <a:latin typeface="Lato" panose="020F0502020204030203" pitchFamily="34" charset="0"/>
-            </a:endParaRPr>
+              <a:rPr lang="vi-VN" sz="2400" dirty="0">
+                <a:solidFill>
+                  <a:schemeClr val="bg1"/>
+                </a:solidFill>
+                <a:latin typeface="Lato" panose="020F0502020204030203" pitchFamily="34" charset="0"/>
+              </a:rPr>
+              <a:t>While</a:t>
+            </a:r>
           </a:p>
           <a:p>
             <a:pPr marL="457200" indent="-457200">
@@ -2230,53 +2121,14 @@
               <a:buChar char="§"/>
             </a:pPr>
             <a:r>
-              <a:rPr lang="en-US" sz="2400" dirty="0">
-                <a:solidFill>
-                  <a:schemeClr val="bg1"/>
-                </a:solidFill>
-                <a:latin typeface="Lato" panose="020F0502020204030203" pitchFamily="34" charset="0"/>
-              </a:rPr>
-              <a:t>Give the function a name that reflects what the function does!</a:t>
-            </a:r>
-            <a:endParaRPr lang="vi-VN" sz="2400" dirty="0">
-              <a:solidFill>
-                <a:schemeClr val="bg1"/>
-              </a:solidFill>
-              <a:latin typeface="Lato" panose="020F0502020204030203" pitchFamily="34" charset="0"/>
-            </a:endParaRPr>
-          </a:p>
-          <a:p>
-            <a:pPr marL="457200" indent="-457200">
-              <a:lnSpc>
-                <a:spcPct val="150000"/>
-              </a:lnSpc>
-              <a:buFont typeface="Wingdings" panose="05000000000000000000" pitchFamily="2" charset="2"/>
-              <a:buChar char="§"/>
-            </a:pPr>
-            <a:r>
               <a:rPr lang="vi-VN" sz="2400" dirty="0">
                 <a:solidFill>
                   <a:schemeClr val="bg1"/>
                 </a:solidFill>
                 <a:latin typeface="Lato" panose="020F0502020204030203" pitchFamily="34" charset="0"/>
               </a:rPr>
-              <a:t>PHP has more than 1000 built-in functions.</a:t>
-            </a:r>
-          </a:p>
-          <a:p>
-            <a:pPr marL="457200" indent="-457200">
-              <a:lnSpc>
-                <a:spcPct val="150000"/>
-              </a:lnSpc>
-              <a:buFont typeface="Wingdings" panose="05000000000000000000" pitchFamily="2" charset="2"/>
-              <a:buChar char="§"/>
-            </a:pPr>
-            <a:endParaRPr lang="vi-VN" sz="2400" dirty="0">
-              <a:solidFill>
-                <a:schemeClr val="bg1"/>
-              </a:solidFill>
-              <a:latin typeface="Lato" panose="020F0502020204030203" pitchFamily="34" charset="0"/>
-            </a:endParaRPr>
+              <a:t>Do ... While</a:t>
+            </a:r>
           </a:p>
         </p:txBody>
       </p:sp>
@@ -2325,10 +2177,10 @@
       </p:cxnSp>
       <p:pic>
         <p:nvPicPr>
-          <p:cNvPr id="15" name="Picture 14">
-            <a:extLst>
-              <a:ext uri="{FF2B5EF4-FFF2-40B4-BE49-F238E27FC236}">
-                <a16:creationId xmlns:a16="http://schemas.microsoft.com/office/drawing/2014/main" id="{B0FE137F-46DD-44E6-A908-BCBFAF179BA1}"/>
+          <p:cNvPr id="9" name="Picture 8">
+            <a:extLst>
+              <a:ext uri="{FF2B5EF4-FFF2-40B4-BE49-F238E27FC236}">
+                <a16:creationId xmlns:a16="http://schemas.microsoft.com/office/drawing/2014/main" id="{8AB93A97-F2F9-476A-AC28-0828CB2C85F8}"/>
               </a:ext>
             </a:extLst>
           </p:cNvPr>
@@ -2351,20 +2203,120 @@
         </p:blipFill>
         <p:spPr>
           <a:xfrm>
-            <a:off x="588167" y="3293436"/>
-            <a:ext cx="4696636" cy="2585789"/>
+            <a:off x="2658672" y="1680723"/>
+            <a:ext cx="2676899" cy="1905266"/>
           </a:xfrm>
           <a:prstGeom prst="rect">
             <a:avLst/>
           </a:prstGeom>
         </p:spPr>
       </p:pic>
+      <p:sp>
+        <p:nvSpPr>
+          <p:cNvPr id="12" name="TextBox 11">
+            <a:extLst>
+              <a:ext uri="{FF2B5EF4-FFF2-40B4-BE49-F238E27FC236}">
+                <a16:creationId xmlns:a16="http://schemas.microsoft.com/office/drawing/2014/main" id="{5A6D2C36-5C01-460E-9336-ED0B36A89518}"/>
+              </a:ext>
+            </a:extLst>
+          </p:cNvPr>
+          <p:cNvSpPr txBox="1"/>
+          <p:nvPr/>
+        </p:nvSpPr>
+        <p:spPr>
+          <a:xfrm>
+            <a:off x="6087759" y="1505996"/>
+            <a:ext cx="6102440" cy="573362"/>
+          </a:xfrm>
+          <a:prstGeom prst="rect">
+            <a:avLst/>
+          </a:prstGeom>
+          <a:noFill/>
+        </p:spPr>
+        <p:txBody>
+          <a:bodyPr wrap="square" rtlCol="0">
+            <a:spAutoFit/>
+          </a:bodyPr>
+          <a:lstStyle/>
+          <a:p>
+            <a:pPr marL="457200" indent="-457200">
+              <a:lnSpc>
+                <a:spcPct val="150000"/>
+              </a:lnSpc>
+              <a:buFont typeface="Wingdings" panose="05000000000000000000" pitchFamily="2" charset="2"/>
+              <a:buChar char="§"/>
+            </a:pPr>
+            <a:r>
+              <a:rPr lang="vi-VN" sz="2400" dirty="0">
+                <a:solidFill>
+                  <a:schemeClr val="bg1"/>
+                </a:solidFill>
+                <a:latin typeface="Lato" panose="020F0502020204030203" pitchFamily="34" charset="0"/>
+              </a:rPr>
+              <a:t>Foreach</a:t>
+            </a:r>
+            <a:endParaRPr lang="en-US" sz="2400" dirty="0">
+              <a:solidFill>
+                <a:schemeClr val="bg1"/>
+              </a:solidFill>
+              <a:latin typeface="Lato" panose="020F0502020204030203" pitchFamily="34" charset="0"/>
+            </a:endParaRPr>
+          </a:p>
+        </p:txBody>
+      </p:sp>
+      <p:sp>
+        <p:nvSpPr>
+          <p:cNvPr id="13" name="TextBox 12">
+            <a:extLst>
+              <a:ext uri="{FF2B5EF4-FFF2-40B4-BE49-F238E27FC236}">
+                <a16:creationId xmlns:a16="http://schemas.microsoft.com/office/drawing/2014/main" id="{74CD0083-FD7F-413C-9BCD-55DEAD1F59D3}"/>
+              </a:ext>
+            </a:extLst>
+          </p:cNvPr>
+          <p:cNvSpPr txBox="1"/>
+          <p:nvPr/>
+        </p:nvSpPr>
+        <p:spPr>
+          <a:xfrm>
+            <a:off x="1" y="3618636"/>
+            <a:ext cx="6102440" cy="573362"/>
+          </a:xfrm>
+          <a:prstGeom prst="rect">
+            <a:avLst/>
+          </a:prstGeom>
+          <a:noFill/>
+        </p:spPr>
+        <p:txBody>
+          <a:bodyPr wrap="square" rtlCol="0">
+            <a:spAutoFit/>
+          </a:bodyPr>
+          <a:lstStyle/>
+          <a:p>
+            <a:pPr marL="457200" indent="-457200">
+              <a:lnSpc>
+                <a:spcPct val="150000"/>
+              </a:lnSpc>
+              <a:buFont typeface="Wingdings" panose="05000000000000000000" pitchFamily="2" charset="2"/>
+              <a:buChar char="§"/>
+            </a:pPr>
+            <a:r>
+              <a:rPr lang="vi-VN" sz="2400" dirty="0">
+                <a:solidFill>
+                  <a:schemeClr val="bg1"/>
+                </a:solidFill>
+                <a:latin typeface="Lato" panose="020F0502020204030203" pitchFamily="34" charset="0"/>
+              </a:rPr>
+              <a:t>For</a:t>
+            </a:r>
+          </a:p>
+        </p:txBody>
+      </p:sp>
       <p:pic>
         <p:nvPicPr>
-          <p:cNvPr id="5" name="Picture 4">
-            <a:extLst>
-              <a:ext uri="{FF2B5EF4-FFF2-40B4-BE49-F238E27FC236}">
-                <a16:creationId xmlns:a16="http://schemas.microsoft.com/office/drawing/2014/main" id="{766E7665-7B9A-4497-B62E-22B227488BB6}"/>
+          <p:cNvPr id="14" name="Picture 13">
+            <a:extLst>
+              <a:ext uri="{FF2B5EF4-FFF2-40B4-BE49-F238E27FC236}">
+                <a16:creationId xmlns:a16="http://schemas.microsoft.com/office/drawing/2014/main" id="{89116B43-90BD-425E-B8EE-7D6113973582}"/>
               </a:ext>
             </a:extLst>
           </p:cNvPr>
@@ -2387,8 +2339,44 @@
         </p:blipFill>
         <p:spPr>
           <a:xfrm>
-            <a:off x="6064353" y="3269358"/>
-            <a:ext cx="6005848" cy="2633944"/>
+            <a:off x="1891803" y="4224645"/>
+            <a:ext cx="4210638" cy="1638529"/>
+          </a:xfrm>
+          <a:prstGeom prst="rect">
+            <a:avLst/>
+          </a:prstGeom>
+        </p:spPr>
+      </p:pic>
+      <p:pic>
+        <p:nvPicPr>
+          <p:cNvPr id="16" name="Picture 15">
+            <a:extLst>
+              <a:ext uri="{FF2B5EF4-FFF2-40B4-BE49-F238E27FC236}">
+                <a16:creationId xmlns:a16="http://schemas.microsoft.com/office/drawing/2014/main" id="{11EF21C1-0CD1-45AF-8F1B-9CF2A18F37BC}"/>
+              </a:ext>
+            </a:extLst>
+          </p:cNvPr>
+          <p:cNvPicPr>
+            <a:picLocks noChangeAspect="1"/>
+          </p:cNvPicPr>
+          <p:nvPr/>
+        </p:nvPicPr>
+        <p:blipFill>
+          <a:blip r:embed="rId4">
+            <a:extLst>
+              <a:ext uri="{28A0092B-C50C-407E-A947-70E740481C1C}">
+                <a14:useLocalDpi xmlns:a14="http://schemas.microsoft.com/office/drawing/2010/main" val="0"/>
+              </a:ext>
+            </a:extLst>
+          </a:blip>
+          <a:stretch>
+            <a:fillRect/>
+          </a:stretch>
+        </p:blipFill>
+        <p:spPr>
+          <a:xfrm>
+            <a:off x="6645498" y="2289002"/>
+            <a:ext cx="5345711" cy="2213357"/>
           </a:xfrm>
           <a:prstGeom prst="rect">
             <a:avLst/>
@@ -2398,7 +2386,7 @@
     </p:spTree>
     <p:extLst>
       <p:ext uri="{BB962C8B-B14F-4D97-AF65-F5344CB8AC3E}">
-        <p14:creationId xmlns:p14="http://schemas.microsoft.com/office/powerpoint/2010/main" val="745462932"/>
+        <p14:creationId xmlns:p14="http://schemas.microsoft.com/office/powerpoint/2010/main" val="4101912011"/>
       </p:ext>
     </p:extLst>
   </p:cSld>
@@ -2495,8 +2483,8 @@
         </p:nvSpPr>
         <p:spPr>
           <a:xfrm>
-            <a:off x="4284602" y="859665"/>
-            <a:ext cx="3622851" cy="646331"/>
+            <a:off x="4683617" y="859665"/>
+            <a:ext cx="2824812" cy="646331"/>
           </a:xfrm>
           <a:prstGeom prst="rect">
             <a:avLst/>
@@ -2517,7 +2505,7 @@
                 </a:solidFill>
                 <a:latin typeface="Lato" panose="020F0502020204030203" pitchFamily="34" charset="0"/>
               </a:rPr>
-              <a:t>SUPERGLOBALS</a:t>
+              <a:t>FUNCTIONS</a:t>
             </a:r>
             <a:endParaRPr lang="en-US" sz="3600" dirty="0">
               <a:solidFill>
@@ -2543,7 +2531,7 @@
         <p:spPr>
           <a:xfrm>
             <a:off x="-12880" y="1505996"/>
-            <a:ext cx="12204879" cy="1127360"/>
+            <a:ext cx="12204879" cy="2235356"/>
           </a:xfrm>
           <a:prstGeom prst="rect">
             <a:avLst/>
@@ -2564,14 +2552,20 @@
               <a:buChar char="§"/>
             </a:pPr>
             <a:r>
-              <a:rPr lang="vi-VN" sz="2400" dirty="0">
-                <a:solidFill>
-                  <a:schemeClr val="bg1"/>
-                </a:solidFill>
-                <a:latin typeface="Lato" panose="020F0502020204030203" pitchFamily="34" charset="0"/>
-              </a:rPr>
-              <a:t>Built-in variables that are always available in all scopes.</a:t>
-            </a:r>
+              <a:rPr lang="en-US" sz="2400" dirty="0">
+                <a:solidFill>
+                  <a:schemeClr val="bg1"/>
+                </a:solidFill>
+                <a:latin typeface="Lato" panose="020F0502020204030203" pitchFamily="34" charset="0"/>
+              </a:rPr>
+              <a:t>A function name can start with a letter or underscore (not a number).</a:t>
+            </a:r>
+            <a:endParaRPr lang="vi-VN" sz="2400" dirty="0">
+              <a:solidFill>
+                <a:schemeClr val="bg1"/>
+              </a:solidFill>
+              <a:latin typeface="Lato" panose="020F0502020204030203" pitchFamily="34" charset="0"/>
+            </a:endParaRPr>
           </a:p>
           <a:p>
             <a:pPr marL="457200" indent="-457200">
@@ -2582,14 +2576,53 @@
               <a:buChar char="§"/>
             </a:pPr>
             <a:r>
+              <a:rPr lang="en-US" sz="2400" dirty="0">
+                <a:solidFill>
+                  <a:schemeClr val="bg1"/>
+                </a:solidFill>
+                <a:latin typeface="Lato" panose="020F0502020204030203" pitchFamily="34" charset="0"/>
+              </a:rPr>
+              <a:t>Give the function a name that reflects what the function does!</a:t>
+            </a:r>
+            <a:endParaRPr lang="vi-VN" sz="2400" dirty="0">
+              <a:solidFill>
+                <a:schemeClr val="bg1"/>
+              </a:solidFill>
+              <a:latin typeface="Lato" panose="020F0502020204030203" pitchFamily="34" charset="0"/>
+            </a:endParaRPr>
+          </a:p>
+          <a:p>
+            <a:pPr marL="457200" indent="-457200">
+              <a:lnSpc>
+                <a:spcPct val="150000"/>
+              </a:lnSpc>
+              <a:buFont typeface="Wingdings" panose="05000000000000000000" pitchFamily="2" charset="2"/>
+              <a:buChar char="§"/>
+            </a:pPr>
+            <a:r>
               <a:rPr lang="vi-VN" sz="2400" dirty="0">
                 <a:solidFill>
                   <a:schemeClr val="bg1"/>
                 </a:solidFill>
                 <a:latin typeface="Lato" panose="020F0502020204030203" pitchFamily="34" charset="0"/>
               </a:rPr>
-              <a:t>Always accessible, regardless of scope, can access from any function or file.</a:t>
-            </a:r>
+              <a:t>PHP has more than 1000 built-in functions.</a:t>
+            </a:r>
+          </a:p>
+          <a:p>
+            <a:pPr marL="457200" indent="-457200">
+              <a:lnSpc>
+                <a:spcPct val="150000"/>
+              </a:lnSpc>
+              <a:buFont typeface="Wingdings" panose="05000000000000000000" pitchFamily="2" charset="2"/>
+              <a:buChar char="§"/>
+            </a:pPr>
+            <a:endParaRPr lang="vi-VN" sz="2400" dirty="0">
+              <a:solidFill>
+                <a:schemeClr val="bg1"/>
+              </a:solidFill>
+              <a:latin typeface="Lato" panose="020F0502020204030203" pitchFamily="34" charset="0"/>
+            </a:endParaRPr>
           </a:p>
         </p:txBody>
       </p:sp>
@@ -2636,201 +2669,82 @@
           </a:fontRef>
         </p:style>
       </p:cxnSp>
-      <p:sp>
-        <p:nvSpPr>
-          <p:cNvPr id="10" name="TextBox 9">
-            <a:extLst>
-              <a:ext uri="{FF2B5EF4-FFF2-40B4-BE49-F238E27FC236}">
-                <a16:creationId xmlns:a16="http://schemas.microsoft.com/office/drawing/2014/main" id="{F1D8BB66-DF51-46BB-A5DA-B4AEDFDD7F77}"/>
-              </a:ext>
-            </a:extLst>
-          </p:cNvPr>
-          <p:cNvSpPr txBox="1"/>
-          <p:nvPr/>
-        </p:nvSpPr>
-        <p:spPr>
-          <a:xfrm>
-            <a:off x="2908479" y="2978240"/>
-            <a:ext cx="6375042" cy="2169825"/>
-          </a:xfrm>
-          <a:prstGeom prst="rect">
-            <a:avLst/>
-          </a:prstGeom>
-          <a:noFill/>
-        </p:spPr>
-        <p:txBody>
-          <a:bodyPr wrap="square" numCol="2" rtlCol="0">
-            <a:spAutoFit/>
-          </a:bodyPr>
-          <a:lstStyle/>
-          <a:p>
-            <a:pPr marL="457200" indent="-457200" algn="just">
-              <a:lnSpc>
-                <a:spcPct val="150000"/>
-              </a:lnSpc>
-              <a:buFont typeface="Wingdings" panose="05000000000000000000" pitchFamily="2" charset="2"/>
-              <a:buChar char="v"/>
-            </a:pPr>
-            <a:r>
-              <a:rPr lang="vi-VN" dirty="0">
-                <a:solidFill>
-                  <a:schemeClr val="bg1"/>
-                </a:solidFill>
-                <a:latin typeface="Lato" panose="020F0502020204030203" pitchFamily="34" charset="0"/>
-              </a:rPr>
-              <a:t>$GLOBALS</a:t>
-            </a:r>
-          </a:p>
-          <a:p>
-            <a:pPr marL="457200" indent="-457200" algn="just">
-              <a:lnSpc>
-                <a:spcPct val="150000"/>
-              </a:lnSpc>
-              <a:buFont typeface="Wingdings" panose="05000000000000000000" pitchFamily="2" charset="2"/>
-              <a:buChar char="v"/>
-            </a:pPr>
-            <a:r>
-              <a:rPr lang="vi-VN" dirty="0">
-                <a:solidFill>
-                  <a:schemeClr val="bg1"/>
-                </a:solidFill>
-                <a:latin typeface="Lato" panose="020F0502020204030203" pitchFamily="34" charset="0"/>
-              </a:rPr>
-              <a:t>$_SERVER</a:t>
-            </a:r>
-          </a:p>
-          <a:p>
-            <a:pPr marL="457200" indent="-457200" algn="just">
-              <a:lnSpc>
-                <a:spcPct val="150000"/>
-              </a:lnSpc>
-              <a:buFont typeface="Wingdings" panose="05000000000000000000" pitchFamily="2" charset="2"/>
-              <a:buChar char="v"/>
-            </a:pPr>
-            <a:r>
-              <a:rPr lang="vi-VN" dirty="0">
-                <a:solidFill>
-                  <a:schemeClr val="bg1"/>
-                </a:solidFill>
-                <a:latin typeface="Lato" panose="020F0502020204030203" pitchFamily="34" charset="0"/>
-              </a:rPr>
-              <a:t>$_REQUEST</a:t>
-            </a:r>
-          </a:p>
-          <a:p>
-            <a:pPr marL="457200" indent="-457200" algn="just">
-              <a:lnSpc>
-                <a:spcPct val="150000"/>
-              </a:lnSpc>
-              <a:buFont typeface="Wingdings" panose="05000000000000000000" pitchFamily="2" charset="2"/>
-              <a:buChar char="v"/>
-            </a:pPr>
-            <a:r>
-              <a:rPr lang="vi-VN" dirty="0">
-                <a:solidFill>
-                  <a:schemeClr val="bg1"/>
-                </a:solidFill>
-                <a:latin typeface="Lato" panose="020F0502020204030203" pitchFamily="34" charset="0"/>
-              </a:rPr>
-              <a:t>$_POST</a:t>
-            </a:r>
-          </a:p>
-          <a:p>
-            <a:pPr marL="457200" indent="-457200" algn="just">
-              <a:lnSpc>
-                <a:spcPct val="150000"/>
-              </a:lnSpc>
-              <a:buFont typeface="Wingdings" panose="05000000000000000000" pitchFamily="2" charset="2"/>
-              <a:buChar char="v"/>
-            </a:pPr>
-            <a:r>
-              <a:rPr lang="vi-VN" dirty="0">
-                <a:solidFill>
-                  <a:schemeClr val="bg1"/>
-                </a:solidFill>
-                <a:latin typeface="Lato" panose="020F0502020204030203" pitchFamily="34" charset="0"/>
-              </a:rPr>
-              <a:t>$_GET</a:t>
-            </a:r>
-          </a:p>
-          <a:p>
-            <a:pPr marL="457200" indent="-457200" algn="just">
-              <a:lnSpc>
-                <a:spcPct val="150000"/>
-              </a:lnSpc>
-              <a:buFont typeface="Wingdings" panose="05000000000000000000" pitchFamily="2" charset="2"/>
-              <a:buChar char="v"/>
-            </a:pPr>
-            <a:r>
-              <a:rPr lang="vi-VN" dirty="0">
-                <a:solidFill>
-                  <a:schemeClr val="bg1"/>
-                </a:solidFill>
-                <a:latin typeface="Lato" panose="020F0502020204030203" pitchFamily="34" charset="0"/>
-              </a:rPr>
-              <a:t>$_FILES</a:t>
-            </a:r>
-          </a:p>
-          <a:p>
-            <a:pPr marL="457200" indent="-457200" algn="just">
-              <a:lnSpc>
-                <a:spcPct val="150000"/>
-              </a:lnSpc>
-              <a:buFont typeface="Wingdings" panose="05000000000000000000" pitchFamily="2" charset="2"/>
-              <a:buChar char="v"/>
-            </a:pPr>
-            <a:r>
-              <a:rPr lang="vi-VN" dirty="0">
-                <a:solidFill>
-                  <a:schemeClr val="bg1"/>
-                </a:solidFill>
-                <a:latin typeface="Lato" panose="020F0502020204030203" pitchFamily="34" charset="0"/>
-              </a:rPr>
-              <a:t>$_ENV</a:t>
-            </a:r>
-          </a:p>
-          <a:p>
-            <a:pPr marL="457200" indent="-457200" algn="just">
-              <a:lnSpc>
-                <a:spcPct val="150000"/>
-              </a:lnSpc>
-              <a:buFont typeface="Wingdings" panose="05000000000000000000" pitchFamily="2" charset="2"/>
-              <a:buChar char="v"/>
-            </a:pPr>
-            <a:r>
-              <a:rPr lang="vi-VN" dirty="0">
-                <a:solidFill>
-                  <a:schemeClr val="bg1"/>
-                </a:solidFill>
-                <a:latin typeface="Lato" panose="020F0502020204030203" pitchFamily="34" charset="0"/>
-              </a:rPr>
-              <a:t>$_COOKIE</a:t>
-            </a:r>
-          </a:p>
-          <a:p>
-            <a:pPr marL="457200" indent="-457200" algn="just">
-              <a:lnSpc>
-                <a:spcPct val="150000"/>
-              </a:lnSpc>
-              <a:buFont typeface="Wingdings" panose="05000000000000000000" pitchFamily="2" charset="2"/>
-              <a:buChar char="v"/>
-            </a:pPr>
-            <a:r>
-              <a:rPr lang="vi-VN" dirty="0">
-                <a:solidFill>
-                  <a:schemeClr val="bg1"/>
-                </a:solidFill>
-                <a:latin typeface="Lato" panose="020F0502020204030203" pitchFamily="34" charset="0"/>
-              </a:rPr>
-              <a:t>$_SESSION</a:t>
-            </a:r>
-          </a:p>
-        </p:txBody>
-      </p:sp>
+      <p:pic>
+        <p:nvPicPr>
+          <p:cNvPr id="15" name="Picture 14">
+            <a:extLst>
+              <a:ext uri="{FF2B5EF4-FFF2-40B4-BE49-F238E27FC236}">
+                <a16:creationId xmlns:a16="http://schemas.microsoft.com/office/drawing/2014/main" id="{B0FE137F-46DD-44E6-A908-BCBFAF179BA1}"/>
+              </a:ext>
+            </a:extLst>
+          </p:cNvPr>
+          <p:cNvPicPr>
+            <a:picLocks noChangeAspect="1"/>
+          </p:cNvPicPr>
+          <p:nvPr/>
+        </p:nvPicPr>
+        <p:blipFill>
+          <a:blip r:embed="rId2">
+            <a:extLst>
+              <a:ext uri="{28A0092B-C50C-407E-A947-70E740481C1C}">
+                <a14:useLocalDpi xmlns:a14="http://schemas.microsoft.com/office/drawing/2010/main" val="0"/>
+              </a:ext>
+            </a:extLst>
+          </a:blip>
+          <a:stretch>
+            <a:fillRect/>
+          </a:stretch>
+        </p:blipFill>
+        <p:spPr>
+          <a:xfrm>
+            <a:off x="588167" y="3293436"/>
+            <a:ext cx="4696636" cy="2585789"/>
+          </a:xfrm>
+          <a:prstGeom prst="rect">
+            <a:avLst/>
+          </a:prstGeom>
+        </p:spPr>
+      </p:pic>
+      <p:pic>
+        <p:nvPicPr>
+          <p:cNvPr id="5" name="Picture 4">
+            <a:extLst>
+              <a:ext uri="{FF2B5EF4-FFF2-40B4-BE49-F238E27FC236}">
+                <a16:creationId xmlns:a16="http://schemas.microsoft.com/office/drawing/2014/main" id="{766E7665-7B9A-4497-B62E-22B227488BB6}"/>
+              </a:ext>
+            </a:extLst>
+          </p:cNvPr>
+          <p:cNvPicPr>
+            <a:picLocks noChangeAspect="1"/>
+          </p:cNvPicPr>
+          <p:nvPr/>
+        </p:nvPicPr>
+        <p:blipFill>
+          <a:blip r:embed="rId3">
+            <a:extLst>
+              <a:ext uri="{28A0092B-C50C-407E-A947-70E740481C1C}">
+                <a14:useLocalDpi xmlns:a14="http://schemas.microsoft.com/office/drawing/2010/main" val="0"/>
+              </a:ext>
+            </a:extLst>
+          </a:blip>
+          <a:stretch>
+            <a:fillRect/>
+          </a:stretch>
+        </p:blipFill>
+        <p:spPr>
+          <a:xfrm>
+            <a:off x="6064353" y="3269358"/>
+            <a:ext cx="6005848" cy="2633944"/>
+          </a:xfrm>
+          <a:prstGeom prst="rect">
+            <a:avLst/>
+          </a:prstGeom>
+        </p:spPr>
+      </p:pic>
     </p:spTree>
     <p:extLst>
       <p:ext uri="{BB962C8B-B14F-4D97-AF65-F5344CB8AC3E}">
-        <p14:creationId xmlns:p14="http://schemas.microsoft.com/office/powerpoint/2010/main" val="1858684303"/>
+        <p14:creationId xmlns:p14="http://schemas.microsoft.com/office/powerpoint/2010/main" val="745462932"/>
       </p:ext>
     </p:extLst>
   </p:cSld>
@@ -2859,6 +2773,438 @@
       </p:grpSpPr>
       <p:sp>
         <p:nvSpPr>
+          <p:cNvPr id="6" name="Rectangle 5">
+            <a:extLst>
+              <a:ext uri="{FF2B5EF4-FFF2-40B4-BE49-F238E27FC236}">
+                <a16:creationId xmlns:a16="http://schemas.microsoft.com/office/drawing/2014/main" id="{EE5FA63B-C29B-47EE-9E1E-4E65B5AF4254}"/>
+              </a:ext>
+            </a:extLst>
+          </p:cNvPr>
+          <p:cNvSpPr/>
+          <p:nvPr/>
+        </p:nvSpPr>
+        <p:spPr>
+          <a:xfrm>
+            <a:off x="1802" y="859665"/>
+            <a:ext cx="12192000" cy="5138670"/>
+          </a:xfrm>
+          <a:prstGeom prst="rect">
+            <a:avLst/>
+          </a:prstGeom>
+          <a:solidFill>
+            <a:srgbClr val="4F5B93"/>
+          </a:solidFill>
+          <a:ln>
+            <a:noFill/>
+          </a:ln>
+        </p:spPr>
+        <p:style>
+          <a:lnRef idx="2">
+            <a:schemeClr val="accent1">
+              <a:shade val="50000"/>
+            </a:schemeClr>
+          </a:lnRef>
+          <a:fillRef idx="1">
+            <a:schemeClr val="accent1"/>
+          </a:fillRef>
+          <a:effectRef idx="0">
+            <a:schemeClr val="accent1"/>
+          </a:effectRef>
+          <a:fontRef idx="minor">
+            <a:schemeClr val="lt1"/>
+          </a:fontRef>
+        </p:style>
+        <p:txBody>
+          <a:bodyPr rtlCol="0" anchor="ctr"/>
+          <a:lstStyle/>
+          <a:p>
+            <a:pPr algn="ctr"/>
+            <a:endParaRPr lang="en-US" sz="4800" dirty="0">
+              <a:latin typeface="Lato Black" panose="020F0A02020204030203" pitchFamily="34" charset="0"/>
+              <a:ea typeface="Open Sans ExtraBold" panose="020B0906030804020204" pitchFamily="34" charset="0"/>
+              <a:cs typeface="Open Sans ExtraBold" panose="020B0906030804020204" pitchFamily="34" charset="0"/>
+            </a:endParaRPr>
+          </a:p>
+        </p:txBody>
+      </p:sp>
+      <p:sp>
+        <p:nvSpPr>
+          <p:cNvPr id="2" name="TextBox 1">
+            <a:extLst>
+              <a:ext uri="{FF2B5EF4-FFF2-40B4-BE49-F238E27FC236}">
+                <a16:creationId xmlns:a16="http://schemas.microsoft.com/office/drawing/2014/main" id="{C7B98FD7-B2FD-4A6D-82FB-5C063DF09B5D}"/>
+              </a:ext>
+            </a:extLst>
+          </p:cNvPr>
+          <p:cNvSpPr txBox="1"/>
+          <p:nvPr/>
+        </p:nvSpPr>
+        <p:spPr>
+          <a:xfrm>
+            <a:off x="4284602" y="859665"/>
+            <a:ext cx="3622851" cy="646331"/>
+          </a:xfrm>
+          <a:prstGeom prst="rect">
+            <a:avLst/>
+          </a:prstGeom>
+          <a:noFill/>
+        </p:spPr>
+        <p:txBody>
+          <a:bodyPr wrap="none" rtlCol="0">
+            <a:spAutoFit/>
+          </a:bodyPr>
+          <a:lstStyle/>
+          <a:p>
+            <a:pPr algn="ctr"/>
+            <a:r>
+              <a:rPr lang="vi-VN" sz="3600" dirty="0">
+                <a:solidFill>
+                  <a:schemeClr val="bg1"/>
+                </a:solidFill>
+                <a:latin typeface="Lato" panose="020F0502020204030203" pitchFamily="34" charset="0"/>
+              </a:rPr>
+              <a:t>SUPERGLOBALS</a:t>
+            </a:r>
+            <a:endParaRPr lang="en-US" sz="3600" dirty="0">
+              <a:solidFill>
+                <a:schemeClr val="bg1"/>
+              </a:solidFill>
+              <a:latin typeface="Lato" panose="020F0502020204030203" pitchFamily="34" charset="0"/>
+            </a:endParaRPr>
+          </a:p>
+        </p:txBody>
+      </p:sp>
+      <p:sp>
+        <p:nvSpPr>
+          <p:cNvPr id="19" name="TextBox 18">
+            <a:extLst>
+              <a:ext uri="{FF2B5EF4-FFF2-40B4-BE49-F238E27FC236}">
+                <a16:creationId xmlns:a16="http://schemas.microsoft.com/office/drawing/2014/main" id="{DC48DB86-B65E-4629-8F6B-EFEED35EABB5}"/>
+              </a:ext>
+            </a:extLst>
+          </p:cNvPr>
+          <p:cNvSpPr txBox="1"/>
+          <p:nvPr/>
+        </p:nvSpPr>
+        <p:spPr>
+          <a:xfrm>
+            <a:off x="-12880" y="1505996"/>
+            <a:ext cx="12204879" cy="1127360"/>
+          </a:xfrm>
+          <a:prstGeom prst="rect">
+            <a:avLst/>
+          </a:prstGeom>
+          <a:noFill/>
+        </p:spPr>
+        <p:txBody>
+          <a:bodyPr wrap="square" rtlCol="0">
+            <a:spAutoFit/>
+          </a:bodyPr>
+          <a:lstStyle/>
+          <a:p>
+            <a:pPr marL="457200" indent="-457200">
+              <a:lnSpc>
+                <a:spcPct val="150000"/>
+              </a:lnSpc>
+              <a:buFont typeface="Wingdings" panose="05000000000000000000" pitchFamily="2" charset="2"/>
+              <a:buChar char="§"/>
+            </a:pPr>
+            <a:r>
+              <a:rPr lang="vi-VN" sz="2400" dirty="0">
+                <a:solidFill>
+                  <a:schemeClr val="bg1"/>
+                </a:solidFill>
+                <a:latin typeface="Lato" panose="020F0502020204030203" pitchFamily="34" charset="0"/>
+              </a:rPr>
+              <a:t>Built-in variables that are always available in all scopes.</a:t>
+            </a:r>
+          </a:p>
+          <a:p>
+            <a:pPr marL="457200" indent="-457200">
+              <a:lnSpc>
+                <a:spcPct val="150000"/>
+              </a:lnSpc>
+              <a:buFont typeface="Wingdings" panose="05000000000000000000" pitchFamily="2" charset="2"/>
+              <a:buChar char="§"/>
+            </a:pPr>
+            <a:r>
+              <a:rPr lang="vi-VN" sz="2400" dirty="0">
+                <a:solidFill>
+                  <a:schemeClr val="bg1"/>
+                </a:solidFill>
+                <a:latin typeface="Lato" panose="020F0502020204030203" pitchFamily="34" charset="0"/>
+              </a:rPr>
+              <a:t>Always accessible, regardless of scope, can access from any function or file.</a:t>
+            </a:r>
+          </a:p>
+        </p:txBody>
+      </p:sp>
+      <p:cxnSp>
+        <p:nvCxnSpPr>
+          <p:cNvPr id="7" name="Straight Connector 6">
+            <a:extLst>
+              <a:ext uri="{FF2B5EF4-FFF2-40B4-BE49-F238E27FC236}">
+                <a16:creationId xmlns:a16="http://schemas.microsoft.com/office/drawing/2014/main" id="{D9CF1DC1-1062-4407-AF14-FB51776A41BA}"/>
+              </a:ext>
+            </a:extLst>
+          </p:cNvPr>
+          <p:cNvCxnSpPr>
+            <a:cxnSpLocks/>
+          </p:cNvCxnSpPr>
+          <p:nvPr/>
+        </p:nvCxnSpPr>
+        <p:spPr>
+          <a:xfrm>
+            <a:off x="0" y="1505996"/>
+            <a:ext cx="12192000" cy="0"/>
+          </a:xfrm>
+          <a:prstGeom prst="line">
+            <a:avLst/>
+          </a:prstGeom>
+          <a:ln>
+            <a:solidFill>
+              <a:schemeClr val="bg1"/>
+            </a:solidFill>
+          </a:ln>
+        </p:spPr>
+        <p:style>
+          <a:lnRef idx="1">
+            <a:schemeClr val="accent1"/>
+          </a:lnRef>
+          <a:fillRef idx="0">
+            <a:schemeClr val="accent1"/>
+          </a:fillRef>
+          <a:effectRef idx="0">
+            <a:schemeClr val="accent1"/>
+          </a:effectRef>
+          <a:fontRef idx="minor">
+            <a:schemeClr val="tx1"/>
+          </a:fontRef>
+        </p:style>
+      </p:cxnSp>
+      <p:sp>
+        <p:nvSpPr>
+          <p:cNvPr id="10" name="TextBox 9">
+            <a:extLst>
+              <a:ext uri="{FF2B5EF4-FFF2-40B4-BE49-F238E27FC236}">
+                <a16:creationId xmlns:a16="http://schemas.microsoft.com/office/drawing/2014/main" id="{F1D8BB66-DF51-46BB-A5DA-B4AEDFDD7F77}"/>
+              </a:ext>
+            </a:extLst>
+          </p:cNvPr>
+          <p:cNvSpPr txBox="1"/>
+          <p:nvPr/>
+        </p:nvSpPr>
+        <p:spPr>
+          <a:xfrm>
+            <a:off x="2908479" y="2978240"/>
+            <a:ext cx="6375042" cy="2169825"/>
+          </a:xfrm>
+          <a:prstGeom prst="rect">
+            <a:avLst/>
+          </a:prstGeom>
+          <a:noFill/>
+        </p:spPr>
+        <p:txBody>
+          <a:bodyPr wrap="square" numCol="2" rtlCol="0">
+            <a:spAutoFit/>
+          </a:bodyPr>
+          <a:lstStyle/>
+          <a:p>
+            <a:pPr marL="457200" indent="-457200" algn="just">
+              <a:lnSpc>
+                <a:spcPct val="150000"/>
+              </a:lnSpc>
+              <a:buFont typeface="Wingdings" panose="05000000000000000000" pitchFamily="2" charset="2"/>
+              <a:buChar char="v"/>
+            </a:pPr>
+            <a:r>
+              <a:rPr lang="vi-VN" dirty="0">
+                <a:solidFill>
+                  <a:schemeClr val="bg1"/>
+                </a:solidFill>
+                <a:latin typeface="Lato" panose="020F0502020204030203" pitchFamily="34" charset="0"/>
+              </a:rPr>
+              <a:t>$GLOBALS</a:t>
+            </a:r>
+          </a:p>
+          <a:p>
+            <a:pPr marL="457200" indent="-457200" algn="just">
+              <a:lnSpc>
+                <a:spcPct val="150000"/>
+              </a:lnSpc>
+              <a:buFont typeface="Wingdings" panose="05000000000000000000" pitchFamily="2" charset="2"/>
+              <a:buChar char="v"/>
+            </a:pPr>
+            <a:r>
+              <a:rPr lang="vi-VN" dirty="0">
+                <a:solidFill>
+                  <a:schemeClr val="bg1"/>
+                </a:solidFill>
+                <a:latin typeface="Lato" panose="020F0502020204030203" pitchFamily="34" charset="0"/>
+              </a:rPr>
+              <a:t>$_SERVER</a:t>
+            </a:r>
+          </a:p>
+          <a:p>
+            <a:pPr marL="457200" indent="-457200" algn="just">
+              <a:lnSpc>
+                <a:spcPct val="150000"/>
+              </a:lnSpc>
+              <a:buFont typeface="Wingdings" panose="05000000000000000000" pitchFamily="2" charset="2"/>
+              <a:buChar char="v"/>
+            </a:pPr>
+            <a:r>
+              <a:rPr lang="vi-VN" dirty="0">
+                <a:solidFill>
+                  <a:schemeClr val="bg1"/>
+                </a:solidFill>
+                <a:latin typeface="Lato" panose="020F0502020204030203" pitchFamily="34" charset="0"/>
+              </a:rPr>
+              <a:t>$_REQUEST</a:t>
+            </a:r>
+          </a:p>
+          <a:p>
+            <a:pPr marL="457200" indent="-457200" algn="just">
+              <a:lnSpc>
+                <a:spcPct val="150000"/>
+              </a:lnSpc>
+              <a:buFont typeface="Wingdings" panose="05000000000000000000" pitchFamily="2" charset="2"/>
+              <a:buChar char="v"/>
+            </a:pPr>
+            <a:r>
+              <a:rPr lang="vi-VN" dirty="0">
+                <a:solidFill>
+                  <a:schemeClr val="bg1"/>
+                </a:solidFill>
+                <a:latin typeface="Lato" panose="020F0502020204030203" pitchFamily="34" charset="0"/>
+              </a:rPr>
+              <a:t>$_POST</a:t>
+            </a:r>
+          </a:p>
+          <a:p>
+            <a:pPr marL="457200" indent="-457200" algn="just">
+              <a:lnSpc>
+                <a:spcPct val="150000"/>
+              </a:lnSpc>
+              <a:buFont typeface="Wingdings" panose="05000000000000000000" pitchFamily="2" charset="2"/>
+              <a:buChar char="v"/>
+            </a:pPr>
+            <a:r>
+              <a:rPr lang="vi-VN" dirty="0">
+                <a:solidFill>
+                  <a:schemeClr val="bg1"/>
+                </a:solidFill>
+                <a:latin typeface="Lato" panose="020F0502020204030203" pitchFamily="34" charset="0"/>
+              </a:rPr>
+              <a:t>$_GET</a:t>
+            </a:r>
+          </a:p>
+          <a:p>
+            <a:pPr marL="457200" indent="-457200" algn="just">
+              <a:lnSpc>
+                <a:spcPct val="150000"/>
+              </a:lnSpc>
+              <a:buFont typeface="Wingdings" panose="05000000000000000000" pitchFamily="2" charset="2"/>
+              <a:buChar char="v"/>
+            </a:pPr>
+            <a:r>
+              <a:rPr lang="vi-VN" dirty="0">
+                <a:solidFill>
+                  <a:schemeClr val="bg1"/>
+                </a:solidFill>
+                <a:latin typeface="Lato" panose="020F0502020204030203" pitchFamily="34" charset="0"/>
+              </a:rPr>
+              <a:t>$_FILES</a:t>
+            </a:r>
+          </a:p>
+          <a:p>
+            <a:pPr marL="457200" indent="-457200" algn="just">
+              <a:lnSpc>
+                <a:spcPct val="150000"/>
+              </a:lnSpc>
+              <a:buFont typeface="Wingdings" panose="05000000000000000000" pitchFamily="2" charset="2"/>
+              <a:buChar char="v"/>
+            </a:pPr>
+            <a:r>
+              <a:rPr lang="vi-VN" dirty="0">
+                <a:solidFill>
+                  <a:schemeClr val="bg1"/>
+                </a:solidFill>
+                <a:latin typeface="Lato" panose="020F0502020204030203" pitchFamily="34" charset="0"/>
+              </a:rPr>
+              <a:t>$_ENV</a:t>
+            </a:r>
+          </a:p>
+          <a:p>
+            <a:pPr marL="457200" indent="-457200" algn="just">
+              <a:lnSpc>
+                <a:spcPct val="150000"/>
+              </a:lnSpc>
+              <a:buFont typeface="Wingdings" panose="05000000000000000000" pitchFamily="2" charset="2"/>
+              <a:buChar char="v"/>
+            </a:pPr>
+            <a:r>
+              <a:rPr lang="vi-VN" dirty="0">
+                <a:solidFill>
+                  <a:schemeClr val="bg1"/>
+                </a:solidFill>
+                <a:latin typeface="Lato" panose="020F0502020204030203" pitchFamily="34" charset="0"/>
+              </a:rPr>
+              <a:t>$_COOKIE</a:t>
+            </a:r>
+          </a:p>
+          <a:p>
+            <a:pPr marL="457200" indent="-457200" algn="just">
+              <a:lnSpc>
+                <a:spcPct val="150000"/>
+              </a:lnSpc>
+              <a:buFont typeface="Wingdings" panose="05000000000000000000" pitchFamily="2" charset="2"/>
+              <a:buChar char="v"/>
+            </a:pPr>
+            <a:r>
+              <a:rPr lang="vi-VN" dirty="0">
+                <a:solidFill>
+                  <a:schemeClr val="bg1"/>
+                </a:solidFill>
+                <a:latin typeface="Lato" panose="020F0502020204030203" pitchFamily="34" charset="0"/>
+              </a:rPr>
+              <a:t>$_SESSION</a:t>
+            </a:r>
+          </a:p>
+        </p:txBody>
+      </p:sp>
+    </p:spTree>
+    <p:extLst>
+      <p:ext uri="{BB962C8B-B14F-4D97-AF65-F5344CB8AC3E}">
+        <p14:creationId xmlns:p14="http://schemas.microsoft.com/office/powerpoint/2010/main" val="1858684303"/>
+      </p:ext>
+    </p:extLst>
+  </p:cSld>
+  <p:clrMapOvr>
+    <a:masterClrMapping/>
+  </p:clrMapOvr>
+</p:sld>
+</file>
+
+<file path=ppt/slides/slide17.xml><?xml version="1.0" encoding="utf-8"?>
+<p:sld xmlns:a="http://schemas.openxmlformats.org/drawingml/2006/main" xmlns:r="http://schemas.openxmlformats.org/officeDocument/2006/relationships" xmlns:p="http://schemas.openxmlformats.org/presentationml/2006/main">
+  <p:cSld>
+    <p:spTree>
+      <p:nvGrpSpPr>
+        <p:cNvPr id="1" name=""/>
+        <p:cNvGrpSpPr/>
+        <p:nvPr/>
+      </p:nvGrpSpPr>
+      <p:grpSpPr>
+        <a:xfrm>
+          <a:off x="0" y="0"/>
+          <a:ext cx="0" cy="0"/>
+          <a:chOff x="0" y="0"/>
+          <a:chExt cx="0" cy="0"/>
+        </a:xfrm>
+      </p:grpSpPr>
+      <p:sp>
+        <p:nvSpPr>
           <p:cNvPr id="7" name="Rectangle 6">
             <a:extLst>
               <a:ext uri="{FF2B5EF4-FFF2-40B4-BE49-F238E27FC236}">
@@ -3011,7 +3357,7 @@
 </p:sld>
 </file>
 
-<file path=ppt/slides/slide17.xml><?xml version="1.0" encoding="utf-8"?>
+<file path=ppt/slides/slide18.xml><?xml version="1.0" encoding="utf-8"?>
 <p:sld xmlns:a="http://schemas.openxmlformats.org/drawingml/2006/main" xmlns:r="http://schemas.openxmlformats.org/officeDocument/2006/relationships" xmlns:p="http://schemas.openxmlformats.org/presentationml/2006/main">
   <p:cSld>
     <p:spTree>
@@ -3825,8 +4171,8 @@
         </p:nvSpPr>
         <p:spPr>
           <a:xfrm>
-            <a:off x="3691050" y="859665"/>
-            <a:ext cx="4809906" cy="646331"/>
+            <a:off x="2815304" y="859665"/>
+            <a:ext cx="6561413" cy="646331"/>
           </a:xfrm>
           <a:prstGeom prst="rect">
             <a:avLst/>
@@ -3841,238 +4187,13 @@
           <a:p>
             <a:pPr algn="ctr"/>
             <a:r>
-              <a:rPr lang="vi-VN" sz="3600" dirty="0">
-                <a:solidFill>
-                  <a:schemeClr val="bg1"/>
-                </a:solidFill>
-                <a:latin typeface="Lato" panose="020F0502020204030203" pitchFamily="34" charset="0"/>
-              </a:rPr>
-              <a:t>SET UP ENVIROMENT</a:t>
-            </a:r>
-            <a:endParaRPr lang="en-US" sz="3600" dirty="0">
-              <a:solidFill>
-                <a:schemeClr val="bg1"/>
-              </a:solidFill>
-              <a:latin typeface="Lato" panose="020F0502020204030203" pitchFamily="34" charset="0"/>
-            </a:endParaRPr>
-          </a:p>
-        </p:txBody>
-      </p:sp>
-      <p:sp>
-        <p:nvSpPr>
-          <p:cNvPr id="19" name="TextBox 18">
-            <a:extLst>
-              <a:ext uri="{FF2B5EF4-FFF2-40B4-BE49-F238E27FC236}">
-                <a16:creationId xmlns:a16="http://schemas.microsoft.com/office/drawing/2014/main" id="{DC48DB86-B65E-4629-8F6B-EFEED35EABB5}"/>
-              </a:ext>
-            </a:extLst>
-          </p:cNvPr>
-          <p:cNvSpPr txBox="1"/>
-          <p:nvPr/>
-        </p:nvSpPr>
-        <p:spPr>
-          <a:xfrm>
-            <a:off x="407831" y="1505996"/>
-            <a:ext cx="11376338" cy="4451347"/>
-          </a:xfrm>
-          <a:prstGeom prst="rect">
-            <a:avLst/>
-          </a:prstGeom>
-          <a:noFill/>
-        </p:spPr>
-        <p:txBody>
-          <a:bodyPr wrap="square" rtlCol="0">
-            <a:spAutoFit/>
-          </a:bodyPr>
-          <a:lstStyle/>
-          <a:p>
-            <a:pPr marL="457200" indent="-457200">
-              <a:lnSpc>
-                <a:spcPct val="150000"/>
-              </a:lnSpc>
-              <a:buFont typeface="+mj-lt"/>
-              <a:buAutoNum type="arabicPeriod"/>
-            </a:pPr>
-            <a:r>
-              <a:rPr lang="vi-VN" sz="2400" dirty="0">
-                <a:solidFill>
-                  <a:schemeClr val="bg1"/>
-                </a:solidFill>
-                <a:latin typeface="Lato" panose="020F0502020204030203" pitchFamily="34" charset="0"/>
-              </a:rPr>
-              <a:t>Turn on Git Bash (on Windows</a:t>
-            </a:r>
-            <a:r>
-              <a:rPr lang="en-US" sz="2400" dirty="0">
-                <a:solidFill>
-                  <a:schemeClr val="bg1"/>
-                </a:solidFill>
-                <a:latin typeface="Lato" panose="020F0502020204030203" pitchFamily="34" charset="0"/>
-              </a:rPr>
-              <a:t>)</a:t>
-            </a:r>
-            <a:r>
-              <a:rPr lang="vi-VN" sz="2400" dirty="0">
-                <a:solidFill>
-                  <a:schemeClr val="bg1"/>
-                </a:solidFill>
-                <a:latin typeface="Lato" panose="020F0502020204030203" pitchFamily="34" charset="0"/>
-              </a:rPr>
-              <a:t>.</a:t>
-            </a:r>
-            <a:endParaRPr lang="en-US" sz="2400" dirty="0">
-              <a:solidFill>
-                <a:schemeClr val="bg1"/>
-              </a:solidFill>
-              <a:latin typeface="Lato" panose="020F0502020204030203" pitchFamily="34" charset="0"/>
-            </a:endParaRPr>
-          </a:p>
-          <a:p>
-            <a:pPr marL="457200" indent="-457200">
-              <a:lnSpc>
-                <a:spcPct val="150000"/>
-              </a:lnSpc>
-              <a:buFont typeface="+mj-lt"/>
-              <a:buAutoNum type="arabicPeriod"/>
-            </a:pPr>
-            <a:r>
-              <a:rPr lang="en-US" sz="2400" dirty="0">
-                <a:solidFill>
-                  <a:schemeClr val="bg1"/>
-                </a:solidFill>
-                <a:latin typeface="Lato" panose="020F0502020204030203" pitchFamily="34" charset="0"/>
-              </a:rPr>
-              <a:t>Move to C:/xampp/htdocs/ by command line : </a:t>
-            </a:r>
-            <a:r>
-              <a:rPr lang="en-US" sz="2400" b="1" dirty="0">
-                <a:solidFill>
-                  <a:schemeClr val="bg1"/>
-                </a:solidFill>
-                <a:latin typeface="Lato" panose="020F0502020204030203" pitchFamily="34" charset="0"/>
-              </a:rPr>
-              <a:t>cd /c/</a:t>
-            </a:r>
-            <a:r>
-              <a:rPr lang="en-US" sz="2400" b="1" dirty="0" err="1">
-                <a:solidFill>
-                  <a:schemeClr val="bg1"/>
-                </a:solidFill>
-                <a:latin typeface="Lato" panose="020F0502020204030203" pitchFamily="34" charset="0"/>
-              </a:rPr>
-              <a:t>xampp</a:t>
-            </a:r>
-            <a:r>
-              <a:rPr lang="en-US" sz="2400" b="1" dirty="0">
-                <a:solidFill>
-                  <a:schemeClr val="bg1"/>
-                </a:solidFill>
-                <a:latin typeface="Lato" panose="020F0502020204030203" pitchFamily="34" charset="0"/>
-              </a:rPr>
-              <a:t>/</a:t>
-            </a:r>
-            <a:r>
-              <a:rPr lang="en-US" sz="2400" b="1" dirty="0" err="1">
-                <a:solidFill>
-                  <a:schemeClr val="bg1"/>
-                </a:solidFill>
-                <a:latin typeface="Lato" panose="020F0502020204030203" pitchFamily="34" charset="0"/>
-              </a:rPr>
-              <a:t>htdocs</a:t>
-            </a:r>
-            <a:r>
-              <a:rPr lang="en-US" sz="2400" dirty="0">
-                <a:solidFill>
-                  <a:schemeClr val="bg1"/>
-                </a:solidFill>
-                <a:latin typeface="Lato" panose="020F0502020204030203" pitchFamily="34" charset="0"/>
-              </a:rPr>
-              <a:t> -&gt; Enter.</a:t>
-            </a:r>
-          </a:p>
-          <a:p>
-            <a:pPr marL="457200" indent="-457200">
-              <a:lnSpc>
-                <a:spcPct val="150000"/>
-              </a:lnSpc>
-              <a:buFont typeface="+mj-lt"/>
-              <a:buAutoNum type="arabicPeriod"/>
-            </a:pPr>
-            <a:r>
-              <a:rPr lang="en-US" sz="2400" dirty="0">
-                <a:solidFill>
-                  <a:schemeClr val="bg1"/>
-                </a:solidFill>
-                <a:latin typeface="Lato" panose="020F0502020204030203" pitchFamily="34" charset="0"/>
-              </a:rPr>
-              <a:t>Clone Repository by Git Hub, using this command line : git clone </a:t>
-            </a:r>
-            <a:r>
-              <a:rPr lang="en-US" sz="2400" dirty="0">
-                <a:solidFill>
-                  <a:schemeClr val="bg1"/>
-                </a:solidFill>
-                <a:latin typeface="Lato" panose="020F0502020204030203" pitchFamily="34" charset="0"/>
-                <a:ea typeface="Roboto" panose="02000000000000000000" pitchFamily="2" charset="0"/>
-              </a:rPr>
-              <a:t>https://github.com/namnh06/aptech-php-course.git -&gt; Enter.</a:t>
-            </a:r>
-          </a:p>
-          <a:p>
-            <a:pPr marL="457200" indent="-457200">
-              <a:lnSpc>
-                <a:spcPct val="150000"/>
-              </a:lnSpc>
-              <a:buFont typeface="+mj-lt"/>
-              <a:buAutoNum type="arabicPeriod"/>
-            </a:pPr>
-            <a:r>
-              <a:rPr lang="en-US" sz="2400" dirty="0">
-                <a:solidFill>
-                  <a:schemeClr val="bg1"/>
-                </a:solidFill>
-                <a:latin typeface="Lato" panose="020F0502020204030203" pitchFamily="34" charset="0"/>
-                <a:ea typeface="Roboto" panose="02000000000000000000" pitchFamily="2" charset="0"/>
-              </a:rPr>
-              <a:t>Using this repository to learn and get homework, exercise from there.</a:t>
-            </a:r>
-          </a:p>
-          <a:p>
-            <a:pPr marL="457200" indent="-457200">
-              <a:lnSpc>
-                <a:spcPct val="150000"/>
-              </a:lnSpc>
-              <a:buFont typeface="+mj-lt"/>
-              <a:buAutoNum type="arabicPeriod"/>
-            </a:pPr>
-            <a:r>
-              <a:rPr lang="en-US" sz="2400" dirty="0">
-                <a:solidFill>
-                  <a:schemeClr val="bg1"/>
-                </a:solidFill>
-                <a:latin typeface="Lato" panose="020F0502020204030203" pitchFamily="34" charset="0"/>
-                <a:ea typeface="Roboto" panose="02000000000000000000" pitchFamily="2" charset="0"/>
-              </a:rPr>
-              <a:t>Create your repository with convention code : Aptech-php-*-your-name. E.G : Aptech-php-12-nam-nh.</a:t>
-            </a:r>
-          </a:p>
-          <a:p>
-            <a:pPr marL="457200" indent="-457200">
-              <a:lnSpc>
-                <a:spcPct val="150000"/>
-              </a:lnSpc>
-              <a:buFont typeface="+mj-lt"/>
-              <a:buAutoNum type="arabicPeriod"/>
-            </a:pPr>
-            <a:r>
-              <a:rPr lang="en-US" sz="2400" dirty="0">
-                <a:solidFill>
-                  <a:schemeClr val="bg1"/>
-                </a:solidFill>
-                <a:latin typeface="Lato" panose="020F0502020204030203" pitchFamily="34" charset="0"/>
-                <a:ea typeface="Roboto" panose="02000000000000000000" pitchFamily="2" charset="0"/>
-              </a:rPr>
-              <a:t>Push your repository to Git Hub and do your home work.</a:t>
+              <a:rPr lang="en-US" sz="3600" dirty="0">
+                <a:solidFill>
+                  <a:schemeClr val="bg1"/>
+                </a:solidFill>
+                <a:latin typeface="Lato" panose="020F0502020204030203" pitchFamily="34" charset="0"/>
+              </a:rPr>
+              <a:t>HOW THE WEBSITE WORKS ?</a:t>
             </a:r>
           </a:p>
         </p:txBody>
@@ -4120,6 +4241,90 @@
           </a:fontRef>
         </p:style>
       </p:cxnSp>
+      <p:pic>
+        <p:nvPicPr>
+          <p:cNvPr id="4" name="Picture 3">
+            <a:extLst>
+              <a:ext uri="{FF2B5EF4-FFF2-40B4-BE49-F238E27FC236}">
+                <a16:creationId xmlns:a16="http://schemas.microsoft.com/office/drawing/2014/main" id="{D477E77F-035D-4FEE-A470-6D44987E89A1}"/>
+              </a:ext>
+            </a:extLst>
+          </p:cNvPr>
+          <p:cNvPicPr>
+            <a:picLocks noChangeAspect="1"/>
+          </p:cNvPicPr>
+          <p:nvPr/>
+        </p:nvPicPr>
+        <p:blipFill>
+          <a:blip r:embed="rId2">
+            <a:extLst>
+              <a:ext uri="{28A0092B-C50C-407E-A947-70E740481C1C}">
+                <a14:useLocalDpi xmlns:a14="http://schemas.microsoft.com/office/drawing/2010/main" val="0"/>
+              </a:ext>
+            </a:extLst>
+          </a:blip>
+          <a:stretch>
+            <a:fillRect/>
+          </a:stretch>
+        </p:blipFill>
+        <p:spPr>
+          <a:xfrm>
+            <a:off x="317321" y="1729222"/>
+            <a:ext cx="4808472" cy="4031102"/>
+          </a:xfrm>
+          <a:prstGeom prst="rect">
+            <a:avLst/>
+          </a:prstGeom>
+        </p:spPr>
+      </p:pic>
+      <p:sp>
+        <p:nvSpPr>
+          <p:cNvPr id="9" name="Rectangle 8">
+            <a:extLst>
+              <a:ext uri="{FF2B5EF4-FFF2-40B4-BE49-F238E27FC236}">
+                <a16:creationId xmlns:a16="http://schemas.microsoft.com/office/drawing/2014/main" id="{EE33E163-D9BA-4223-9B19-95E938314ED4}"/>
+              </a:ext>
+            </a:extLst>
+          </p:cNvPr>
+          <p:cNvSpPr/>
+          <p:nvPr/>
+        </p:nvSpPr>
+        <p:spPr>
+          <a:xfrm>
+            <a:off x="5499279" y="1944710"/>
+            <a:ext cx="6284890" cy="3296986"/>
+          </a:xfrm>
+          <a:prstGeom prst="rect">
+            <a:avLst/>
+          </a:prstGeom>
+        </p:spPr>
+        <p:style>
+          <a:lnRef idx="2">
+            <a:schemeClr val="accent6"/>
+          </a:lnRef>
+          <a:fillRef idx="1">
+            <a:schemeClr val="lt1"/>
+          </a:fillRef>
+          <a:effectRef idx="0">
+            <a:schemeClr val="accent6"/>
+          </a:effectRef>
+          <a:fontRef idx="minor">
+            <a:schemeClr val="dk1"/>
+          </a:fontRef>
+        </p:style>
+        <p:txBody>
+          <a:bodyPr rtlCol="0" anchor="ctr"/>
+          <a:lstStyle/>
+          <a:p>
+            <a:pPr algn="ctr"/>
+            <a:endParaRPr lang="en-US">
+              <a:solidFill>
+                <a:schemeClr val="bg1"/>
+              </a:solidFill>
+            </a:endParaRPr>
+          </a:p>
+        </p:txBody>
+      </p:sp>
     </p:spTree>
     <p:extLst>
       <p:ext uri="{BB962C8B-B14F-4D97-AF65-F5344CB8AC3E}">
@@ -4155,7 +4360,7 @@
           <p:cNvPr id="6" name="Rectangle 5">
             <a:extLst>
               <a:ext uri="{FF2B5EF4-FFF2-40B4-BE49-F238E27FC236}">
-                <a16:creationId xmlns:a16="http://schemas.microsoft.com/office/drawing/2014/main" id="{EE5FA63B-C29B-47EE-9E1E-4E65B5AF4254}"/>
+                <a16:creationId xmlns:a16="http://schemas.microsoft.com/office/drawing/2014/main" id="{6C07DCE1-5400-4898-9A67-73E3B6B80F31}"/>
               </a:ext>
             </a:extLst>
           </p:cNvPr>
@@ -4220,8 +4425,8 @@
         </p:nvSpPr>
         <p:spPr>
           <a:xfrm>
-            <a:off x="3091083" y="859665"/>
-            <a:ext cx="6009851" cy="646331"/>
+            <a:off x="3691050" y="859665"/>
+            <a:ext cx="4809906" cy="646331"/>
           </a:xfrm>
           <a:prstGeom prst="rect">
             <a:avLst/>
@@ -4242,7 +4447,7 @@
                 </a:solidFill>
                 <a:latin typeface="Lato" panose="020F0502020204030203" pitchFamily="34" charset="0"/>
               </a:rPr>
-              <a:t>SYNTAX, ECHO, COMMENT</a:t>
+              <a:t>SET UP ENVIROMENT</a:t>
             </a:r>
             <a:endParaRPr lang="en-US" sz="3600" dirty="0">
               <a:solidFill>
@@ -4267,8 +4472,8 @@
         </p:nvSpPr>
         <p:spPr>
           <a:xfrm>
-            <a:off x="0" y="1505996"/>
-            <a:ext cx="12192000" cy="1681358"/>
+            <a:off x="407831" y="1505996"/>
+            <a:ext cx="11376338" cy="4451347"/>
           </a:xfrm>
           <a:prstGeom prst="rect">
             <a:avLst/>
@@ -4285,26 +4490,50 @@
               <a:lnSpc>
                 <a:spcPct val="150000"/>
               </a:lnSpc>
-              <a:buFont typeface="Wingdings" panose="05000000000000000000" pitchFamily="2" charset="2"/>
-              <a:buChar char="§"/>
+              <a:buFont typeface="+mj-lt"/>
+              <a:buAutoNum type="arabicPeriod"/>
             </a:pPr>
             <a:r>
+              <a:rPr lang="vi-VN" sz="2400" dirty="0">
+                <a:solidFill>
+                  <a:schemeClr val="bg1"/>
+                </a:solidFill>
+                <a:latin typeface="Lato" panose="020F0502020204030203" pitchFamily="34" charset="0"/>
+              </a:rPr>
+              <a:t>Turn on Git Bash (on Windows</a:t>
+            </a:r>
+            <a:r>
               <a:rPr lang="en-US" sz="2400" dirty="0">
                 <a:solidFill>
                   <a:schemeClr val="bg1"/>
                 </a:solidFill>
                 <a:latin typeface="Lato" panose="020F0502020204030203" pitchFamily="34" charset="0"/>
               </a:rPr>
-              <a:t>PHP files have “.php” extension. </a:t>
-            </a:r>
+              <a:t>)</a:t>
+            </a:r>
+            <a:r>
+              <a:rPr lang="vi-VN" sz="2400" dirty="0">
+                <a:solidFill>
+                  <a:schemeClr val="bg1"/>
+                </a:solidFill>
+                <a:latin typeface="Lato" panose="020F0502020204030203" pitchFamily="34" charset="0"/>
+              </a:rPr>
+              <a:t>.</a:t>
+            </a:r>
+            <a:endParaRPr lang="en-US" sz="2400" dirty="0">
+              <a:solidFill>
+                <a:schemeClr val="bg1"/>
+              </a:solidFill>
+              <a:latin typeface="Lato" panose="020F0502020204030203" pitchFamily="34" charset="0"/>
+            </a:endParaRPr>
           </a:p>
           <a:p>
             <a:pPr marL="457200" indent="-457200">
               <a:lnSpc>
                 <a:spcPct val="150000"/>
               </a:lnSpc>
-              <a:buFont typeface="Wingdings" panose="05000000000000000000" pitchFamily="2" charset="2"/>
-              <a:buChar char="§"/>
+              <a:buFont typeface="+mj-lt"/>
+              <a:buAutoNum type="arabicPeriod"/>
             </a:pPr>
             <a:r>
               <a:rPr lang="en-US" sz="2400" dirty="0">
@@ -4313,7 +4542,137 @@
                 </a:solidFill>
                 <a:latin typeface="Lato" panose="020F0502020204030203" pitchFamily="34" charset="0"/>
               </a:rPr>
-              <a:t>PHP script always starts with &lt;?php and end with ?&gt;, in some case no need to close ?&gt; in file .php. The end of statement of code always need “;”.</a:t>
+              <a:t>Move to C:/xampp/htdocs/ by command line : </a:t>
+            </a:r>
+            <a:r>
+              <a:rPr lang="en-US" sz="2400" b="1" dirty="0">
+                <a:solidFill>
+                  <a:schemeClr val="bg1"/>
+                </a:solidFill>
+                <a:latin typeface="Lato" panose="020F0502020204030203" pitchFamily="34" charset="0"/>
+              </a:rPr>
+              <a:t>cd /c/</a:t>
+            </a:r>
+            <a:r>
+              <a:rPr lang="en-US" sz="2400" b="1" dirty="0" err="1">
+                <a:solidFill>
+                  <a:schemeClr val="bg1"/>
+                </a:solidFill>
+                <a:latin typeface="Lato" panose="020F0502020204030203" pitchFamily="34" charset="0"/>
+              </a:rPr>
+              <a:t>xampp</a:t>
+            </a:r>
+            <a:r>
+              <a:rPr lang="en-US" sz="2400" b="1" dirty="0">
+                <a:solidFill>
+                  <a:schemeClr val="bg1"/>
+                </a:solidFill>
+                <a:latin typeface="Lato" panose="020F0502020204030203" pitchFamily="34" charset="0"/>
+              </a:rPr>
+              <a:t>/</a:t>
+            </a:r>
+            <a:r>
+              <a:rPr lang="en-US" sz="2400" b="1" dirty="0" err="1">
+                <a:solidFill>
+                  <a:schemeClr val="bg1"/>
+                </a:solidFill>
+                <a:latin typeface="Lato" panose="020F0502020204030203" pitchFamily="34" charset="0"/>
+              </a:rPr>
+              <a:t>htdocs</a:t>
+            </a:r>
+            <a:r>
+              <a:rPr lang="en-US" sz="2400" dirty="0">
+                <a:solidFill>
+                  <a:schemeClr val="bg1"/>
+                </a:solidFill>
+                <a:latin typeface="Lato" panose="020F0502020204030203" pitchFamily="34" charset="0"/>
+              </a:rPr>
+              <a:t> -&gt; Enter.</a:t>
+            </a:r>
+          </a:p>
+          <a:p>
+            <a:pPr marL="457200" indent="-457200">
+              <a:lnSpc>
+                <a:spcPct val="150000"/>
+              </a:lnSpc>
+              <a:buFont typeface="+mj-lt"/>
+              <a:buAutoNum type="arabicPeriod"/>
+            </a:pPr>
+            <a:r>
+              <a:rPr lang="en-US" sz="2400" dirty="0">
+                <a:solidFill>
+                  <a:schemeClr val="bg1"/>
+                </a:solidFill>
+                <a:latin typeface="Lato" panose="020F0502020204030203" pitchFamily="34" charset="0"/>
+              </a:rPr>
+              <a:t>Clone Repository by Git Hub, using this command line : git clone </a:t>
+            </a:r>
+            <a:r>
+              <a:rPr lang="en-US" sz="2400" dirty="0">
+                <a:solidFill>
+                  <a:schemeClr val="bg1"/>
+                </a:solidFill>
+                <a:latin typeface="Lato" panose="020F0502020204030203" pitchFamily="34" charset="0"/>
+                <a:ea typeface="Roboto" panose="02000000000000000000" pitchFamily="2" charset="0"/>
+              </a:rPr>
+              <a:t>https://github.com/namnh06/aptech-php-course.git -&gt; Enter.</a:t>
+            </a:r>
+          </a:p>
+          <a:p>
+            <a:pPr marL="457200" indent="-457200">
+              <a:lnSpc>
+                <a:spcPct val="150000"/>
+              </a:lnSpc>
+              <a:buFont typeface="+mj-lt"/>
+              <a:buAutoNum type="arabicPeriod"/>
+            </a:pPr>
+            <a:r>
+              <a:rPr lang="en-US" sz="2400" dirty="0">
+                <a:solidFill>
+                  <a:schemeClr val="bg1"/>
+                </a:solidFill>
+                <a:latin typeface="Lato" panose="020F0502020204030203" pitchFamily="34" charset="0"/>
+                <a:ea typeface="Roboto" panose="02000000000000000000" pitchFamily="2" charset="0"/>
+              </a:rPr>
+              <a:t>Using this repository to learn and get homework, exercise from there.</a:t>
+            </a:r>
+          </a:p>
+          <a:p>
+            <a:pPr marL="457200" indent="-457200">
+              <a:lnSpc>
+                <a:spcPct val="150000"/>
+              </a:lnSpc>
+              <a:buFont typeface="+mj-lt"/>
+              <a:buAutoNum type="arabicPeriod"/>
+            </a:pPr>
+            <a:r>
+              <a:rPr lang="en-US" sz="2400" dirty="0">
+                <a:solidFill>
+                  <a:schemeClr val="bg1"/>
+                </a:solidFill>
+                <a:latin typeface="Lato" panose="020F0502020204030203" pitchFamily="34" charset="0"/>
+                <a:ea typeface="Roboto" panose="02000000000000000000" pitchFamily="2" charset="0"/>
+              </a:rPr>
+              <a:t>Create your repository with convention code : Aptech-php-*-your-name. E.G : Aptech-php-12-nam-nh.</a:t>
+            </a:r>
+          </a:p>
+          <a:p>
+            <a:pPr marL="457200" indent="-457200">
+              <a:lnSpc>
+                <a:spcPct val="150000"/>
+              </a:lnSpc>
+              <a:buFont typeface="+mj-lt"/>
+              <a:buAutoNum type="arabicPeriod"/>
+            </a:pPr>
+            <a:r>
+              <a:rPr lang="en-US" sz="2400" dirty="0">
+                <a:solidFill>
+                  <a:schemeClr val="bg1"/>
+                </a:solidFill>
+                <a:latin typeface="Lato" panose="020F0502020204030203" pitchFamily="34" charset="0"/>
+                <a:ea typeface="Roboto" panose="02000000000000000000" pitchFamily="2" charset="0"/>
+              </a:rPr>
+              <a:t>Push your repository to Git Hub and do your home work.</a:t>
             </a:r>
           </a:p>
         </p:txBody>
@@ -4323,7 +4682,7 @@
           <p:cNvPr id="7" name="Straight Connector 6">
             <a:extLst>
               <a:ext uri="{FF2B5EF4-FFF2-40B4-BE49-F238E27FC236}">
-                <a16:creationId xmlns:a16="http://schemas.microsoft.com/office/drawing/2014/main" id="{D9CF1DC1-1062-4407-AF14-FB51776A41BA}"/>
+                <a16:creationId xmlns:a16="http://schemas.microsoft.com/office/drawing/2014/main" id="{FD7FED7C-0135-4B02-AEEB-688F67969057}"/>
               </a:ext>
             </a:extLst>
           </p:cNvPr>
@@ -4361,198 +4720,10 @@
           </a:fontRef>
         </p:style>
       </p:cxnSp>
-      <p:sp>
-        <p:nvSpPr>
-          <p:cNvPr id="9" name="TextBox 8">
-            <a:extLst>
-              <a:ext uri="{FF2B5EF4-FFF2-40B4-BE49-F238E27FC236}">
-                <a16:creationId xmlns:a16="http://schemas.microsoft.com/office/drawing/2014/main" id="{1C6AB394-7C10-4F70-BA89-B39C47170544}"/>
-              </a:ext>
-            </a:extLst>
-          </p:cNvPr>
-          <p:cNvSpPr txBox="1"/>
-          <p:nvPr/>
-        </p:nvSpPr>
-        <p:spPr>
-          <a:xfrm>
-            <a:off x="-1802" y="3083871"/>
-            <a:ext cx="7598535" cy="2789353"/>
-          </a:xfrm>
-          <a:prstGeom prst="rect">
-            <a:avLst/>
-          </a:prstGeom>
-          <a:noFill/>
-        </p:spPr>
-        <p:txBody>
-          <a:bodyPr wrap="square" rtlCol="0">
-            <a:spAutoFit/>
-          </a:bodyPr>
-          <a:lstStyle/>
-          <a:p>
-            <a:pPr marL="457200" indent="-457200">
-              <a:lnSpc>
-                <a:spcPct val="150000"/>
-              </a:lnSpc>
-              <a:buFont typeface="Wingdings" panose="05000000000000000000" pitchFamily="2" charset="2"/>
-              <a:buChar char="§"/>
-            </a:pPr>
-            <a:r>
-              <a:rPr lang="en-US" sz="2400" dirty="0">
-                <a:solidFill>
-                  <a:schemeClr val="bg1"/>
-                </a:solidFill>
-                <a:latin typeface="Lato" panose="020F0502020204030203" pitchFamily="34" charset="0"/>
-              </a:rPr>
-              <a:t>Comment starts with “//”, “#” or “/* */”.</a:t>
-            </a:r>
-          </a:p>
-          <a:p>
-            <a:pPr marL="457200" indent="-457200">
-              <a:lnSpc>
-                <a:spcPct val="150000"/>
-              </a:lnSpc>
-              <a:buFont typeface="Wingdings" panose="05000000000000000000" pitchFamily="2" charset="2"/>
-              <a:buChar char="§"/>
-            </a:pPr>
-            <a:r>
-              <a:rPr lang="en-US" sz="2400" dirty="0">
-                <a:solidFill>
-                  <a:schemeClr val="bg1"/>
-                </a:solidFill>
-                <a:latin typeface="Lato" panose="020F0502020204030203" pitchFamily="34" charset="0"/>
-              </a:rPr>
-              <a:t>Output into HTML Dom by using “echo”, “print”, “</a:t>
-            </a:r>
-            <a:r>
-              <a:rPr lang="en-US" sz="2400" dirty="0" err="1">
-                <a:solidFill>
-                  <a:schemeClr val="bg1"/>
-                </a:solidFill>
-                <a:latin typeface="Lato" panose="020F0502020204030203" pitchFamily="34" charset="0"/>
-              </a:rPr>
-              <a:t>print_r</a:t>
-            </a:r>
-            <a:r>
-              <a:rPr lang="en-US" sz="2400" dirty="0">
-                <a:solidFill>
-                  <a:schemeClr val="bg1"/>
-                </a:solidFill>
-                <a:latin typeface="Lato" panose="020F0502020204030203" pitchFamily="34" charset="0"/>
-              </a:rPr>
-              <a:t>” or “</a:t>
-            </a:r>
-            <a:r>
-              <a:rPr lang="en-US" sz="2400" dirty="0" err="1">
-                <a:solidFill>
-                  <a:schemeClr val="bg1"/>
-                </a:solidFill>
-                <a:latin typeface="Lato" panose="020F0502020204030203" pitchFamily="34" charset="0"/>
-              </a:rPr>
-              <a:t>var_dump</a:t>
-            </a:r>
-            <a:r>
-              <a:rPr lang="en-US" sz="2400" dirty="0">
-                <a:solidFill>
-                  <a:schemeClr val="bg1"/>
-                </a:solidFill>
-                <a:latin typeface="Lato" panose="020F0502020204030203" pitchFamily="34" charset="0"/>
-              </a:rPr>
-              <a:t>”.  </a:t>
-            </a:r>
-          </a:p>
-          <a:p>
-            <a:pPr marL="457200" indent="-457200">
-              <a:lnSpc>
-                <a:spcPct val="150000"/>
-              </a:lnSpc>
-              <a:buFont typeface="Wingdings" panose="05000000000000000000" pitchFamily="2" charset="2"/>
-              <a:buChar char="§"/>
-            </a:pPr>
-            <a:r>
-              <a:rPr lang="en-US" sz="2400" dirty="0">
-                <a:solidFill>
-                  <a:schemeClr val="bg1"/>
-                </a:solidFill>
-                <a:latin typeface="Lato" panose="020F0502020204030203" pitchFamily="34" charset="0"/>
-              </a:rPr>
-              <a:t>Can write HTML, CSS, </a:t>
-            </a:r>
-            <a:r>
-              <a:rPr lang="en-US" sz="2400" dirty="0" err="1">
-                <a:solidFill>
-                  <a:schemeClr val="bg1"/>
-                </a:solidFill>
-                <a:latin typeface="Lato" panose="020F0502020204030203" pitchFamily="34" charset="0"/>
-              </a:rPr>
-              <a:t>Javascript</a:t>
-            </a:r>
-            <a:r>
-              <a:rPr lang="en-US" sz="2400" dirty="0">
-                <a:solidFill>
-                  <a:schemeClr val="bg1"/>
-                </a:solidFill>
-                <a:latin typeface="Lato" panose="020F0502020204030203" pitchFamily="34" charset="0"/>
-              </a:rPr>
-              <a:t> inside “.php” file.</a:t>
-            </a:r>
-          </a:p>
-          <a:p>
-            <a:pPr marL="457200" indent="-457200">
-              <a:lnSpc>
-                <a:spcPct val="150000"/>
-              </a:lnSpc>
-              <a:buFont typeface="Wingdings" panose="05000000000000000000" pitchFamily="2" charset="2"/>
-              <a:buChar char="§"/>
-            </a:pPr>
-            <a:endParaRPr lang="en-US" sz="2400" dirty="0">
-              <a:solidFill>
-                <a:schemeClr val="bg1"/>
-              </a:solidFill>
-              <a:latin typeface="Lato" panose="020F0502020204030203" pitchFamily="34" charset="0"/>
-            </a:endParaRPr>
-          </a:p>
-        </p:txBody>
-      </p:sp>
-      <p:pic>
-        <p:nvPicPr>
-          <p:cNvPr id="8" name="Picture 7">
-            <a:extLst>
-              <a:ext uri="{FF2B5EF4-FFF2-40B4-BE49-F238E27FC236}">
-                <a16:creationId xmlns:a16="http://schemas.microsoft.com/office/drawing/2014/main" id="{197EBEB0-3BE0-422F-B94C-02B26610F431}"/>
-              </a:ext>
-            </a:extLst>
-          </p:cNvPr>
-          <p:cNvPicPr>
-            <a:picLocks noChangeAspect="1"/>
-          </p:cNvPicPr>
-          <p:nvPr/>
-        </p:nvPicPr>
-        <p:blipFill>
-          <a:blip r:embed="rId2">
-            <a:extLst>
-              <a:ext uri="{28A0092B-C50C-407E-A947-70E740481C1C}">
-                <a14:useLocalDpi xmlns:a14="http://schemas.microsoft.com/office/drawing/2010/main" val="0"/>
-              </a:ext>
-            </a:extLst>
-          </a:blip>
-          <a:stretch>
-            <a:fillRect/>
-          </a:stretch>
-        </p:blipFill>
-        <p:spPr>
-          <a:xfrm>
-            <a:off x="7741416" y="3083871"/>
-            <a:ext cx="4305901" cy="2800741"/>
-          </a:xfrm>
-          <a:prstGeom prst="rect">
-            <a:avLst/>
-          </a:prstGeom>
-        </p:spPr>
-      </p:pic>
     </p:spTree>
     <p:extLst>
       <p:ext uri="{BB962C8B-B14F-4D97-AF65-F5344CB8AC3E}">
-        <p14:creationId xmlns:p14="http://schemas.microsoft.com/office/powerpoint/2010/main" val="3513600386"/>
+        <p14:creationId xmlns:p14="http://schemas.microsoft.com/office/powerpoint/2010/main" val="3533356093"/>
       </p:ext>
     </p:extLst>
   </p:cSld>
@@ -4649,8 +4820,8 @@
         </p:nvSpPr>
         <p:spPr>
           <a:xfrm>
-            <a:off x="3605264" y="859665"/>
-            <a:ext cx="4981493" cy="646331"/>
+            <a:off x="3091083" y="859665"/>
+            <a:ext cx="6009851" cy="646331"/>
           </a:xfrm>
           <a:prstGeom prst="rect">
             <a:avLst/>
@@ -4671,7 +4842,7 @@
                 </a:solidFill>
                 <a:latin typeface="Lato" panose="020F0502020204030203" pitchFamily="34" charset="0"/>
               </a:rPr>
-              <a:t>VARIABLE, CONSTANT</a:t>
+              <a:t>SYNTAX, ECHO, COMMENT</a:t>
             </a:r>
             <a:endParaRPr lang="en-US" sz="3600" dirty="0">
               <a:solidFill>
@@ -4697,7 +4868,7 @@
         <p:spPr>
           <a:xfrm>
             <a:off x="0" y="1505996"/>
-            <a:ext cx="8395769" cy="4451347"/>
+            <a:ext cx="12192000" cy="1681358"/>
           </a:xfrm>
           <a:prstGeom prst="rect">
             <a:avLst/>
@@ -4724,7 +4895,7 @@
                 </a:solidFill>
                 <a:latin typeface="Lato" panose="020F0502020204030203" pitchFamily="34" charset="0"/>
               </a:rPr>
-              <a:t>Variable starts with “$” (dollar sign), no need to declare type of variable.</a:t>
+              <a:t>PHP files have “.php” extension. </a:t>
             </a:r>
           </a:p>
           <a:p>
@@ -4742,9 +4913,81 @@
                 </a:solidFill>
                 <a:latin typeface="Lato" panose="020F0502020204030203" pitchFamily="34" charset="0"/>
               </a:rPr>
-              <a:t>Variable name must start with a letter or underscore character “_” and can not start with number.</a:t>
-            </a:r>
-          </a:p>
+              <a:t>PHP script always starts with &lt;?php and end with ?&gt;, in some case no need to close ?&gt; in file .php. The end of statement of code always need “;”.</a:t>
+            </a:r>
+          </a:p>
+        </p:txBody>
+      </p:sp>
+      <p:cxnSp>
+        <p:nvCxnSpPr>
+          <p:cNvPr id="7" name="Straight Connector 6">
+            <a:extLst>
+              <a:ext uri="{FF2B5EF4-FFF2-40B4-BE49-F238E27FC236}">
+                <a16:creationId xmlns:a16="http://schemas.microsoft.com/office/drawing/2014/main" id="{D9CF1DC1-1062-4407-AF14-FB51776A41BA}"/>
+              </a:ext>
+            </a:extLst>
+          </p:cNvPr>
+          <p:cNvCxnSpPr>
+            <a:cxnSpLocks/>
+          </p:cNvCxnSpPr>
+          <p:nvPr/>
+        </p:nvCxnSpPr>
+        <p:spPr>
+          <a:xfrm>
+            <a:off x="0" y="1505996"/>
+            <a:ext cx="12192000" cy="0"/>
+          </a:xfrm>
+          <a:prstGeom prst="line">
+            <a:avLst/>
+          </a:prstGeom>
+          <a:ln>
+            <a:solidFill>
+              <a:schemeClr val="bg1"/>
+            </a:solidFill>
+          </a:ln>
+        </p:spPr>
+        <p:style>
+          <a:lnRef idx="1">
+            <a:schemeClr val="accent1"/>
+          </a:lnRef>
+          <a:fillRef idx="0">
+            <a:schemeClr val="accent1"/>
+          </a:fillRef>
+          <a:effectRef idx="0">
+            <a:schemeClr val="accent1"/>
+          </a:effectRef>
+          <a:fontRef idx="minor">
+            <a:schemeClr val="tx1"/>
+          </a:fontRef>
+        </p:style>
+      </p:cxnSp>
+      <p:sp>
+        <p:nvSpPr>
+          <p:cNvPr id="9" name="TextBox 8">
+            <a:extLst>
+              <a:ext uri="{FF2B5EF4-FFF2-40B4-BE49-F238E27FC236}">
+                <a16:creationId xmlns:a16="http://schemas.microsoft.com/office/drawing/2014/main" id="{1C6AB394-7C10-4F70-BA89-B39C47170544}"/>
+              </a:ext>
+            </a:extLst>
+          </p:cNvPr>
+          <p:cNvSpPr txBox="1"/>
+          <p:nvPr/>
+        </p:nvSpPr>
+        <p:spPr>
+          <a:xfrm>
+            <a:off x="-1802" y="3083871"/>
+            <a:ext cx="7598535" cy="2789353"/>
+          </a:xfrm>
+          <a:prstGeom prst="rect">
+            <a:avLst/>
+          </a:prstGeom>
+          <a:noFill/>
+        </p:spPr>
+        <p:txBody>
+          <a:bodyPr wrap="square" rtlCol="0">
+            <a:spAutoFit/>
+          </a:bodyPr>
+          <a:lstStyle/>
           <a:p>
             <a:pPr marL="457200" indent="-457200">
               <a:lnSpc>
@@ -4760,7 +5003,7 @@
                 </a:solidFill>
                 <a:latin typeface="Lato" panose="020F0502020204030203" pitchFamily="34" charset="0"/>
               </a:rPr>
-              <a:t>Variable name can only contain alpha-numeric characters and underscores (A-z, 0-9 and _ ).</a:t>
+              <a:t>Comment starts with “//”, “#” or “/* */”.</a:t>
             </a:r>
           </a:p>
           <a:p>
@@ -4778,7 +5021,43 @@
                 </a:solidFill>
                 <a:latin typeface="Lato" panose="020F0502020204030203" pitchFamily="34" charset="0"/>
               </a:rPr>
-              <a:t>Using “global”, “static” keyword to make variable “special”.</a:t>
+              <a:t>Output into HTML Dom by using “echo”, “print”, “</a:t>
+            </a:r>
+            <a:r>
+              <a:rPr lang="en-US" sz="2400" dirty="0" err="1">
+                <a:solidFill>
+                  <a:schemeClr val="bg1"/>
+                </a:solidFill>
+                <a:latin typeface="Lato" panose="020F0502020204030203" pitchFamily="34" charset="0"/>
+              </a:rPr>
+              <a:t>print_r</a:t>
+            </a:r>
+            <a:r>
+              <a:rPr lang="en-US" sz="2400" dirty="0">
+                <a:solidFill>
+                  <a:schemeClr val="bg1"/>
+                </a:solidFill>
+                <a:latin typeface="Lato" panose="020F0502020204030203" pitchFamily="34" charset="0"/>
+              </a:rPr>
+              <a:t>” or “</a:t>
+            </a:r>
+            <a:r>
+              <a:rPr lang="en-US" sz="2400" dirty="0" err="1">
+                <a:solidFill>
+                  <a:schemeClr val="bg1"/>
+                </a:solidFill>
+                <a:latin typeface="Lato" panose="020F0502020204030203" pitchFamily="34" charset="0"/>
+              </a:rPr>
+              <a:t>var_dump</a:t>
+            </a:r>
+            <a:r>
+              <a:rPr lang="en-US" sz="2400" dirty="0">
+                <a:solidFill>
+                  <a:schemeClr val="bg1"/>
+                </a:solidFill>
+                <a:latin typeface="Lato" panose="020F0502020204030203" pitchFamily="34" charset="0"/>
+              </a:rPr>
+              <a:t>”.  </a:t>
             </a:r>
           </a:p>
           <a:p>
@@ -4796,60 +5075,50 @@
                 </a:solidFill>
                 <a:latin typeface="Lato" panose="020F0502020204030203" pitchFamily="34" charset="0"/>
               </a:rPr>
-              <a:t>Using function “define” to create a constant.</a:t>
-            </a:r>
+              <a:t>Can write HTML, CSS, </a:t>
+            </a:r>
+            <a:r>
+              <a:rPr lang="en-US" sz="2400" dirty="0" err="1">
+                <a:solidFill>
+                  <a:schemeClr val="bg1"/>
+                </a:solidFill>
+                <a:latin typeface="Lato" panose="020F0502020204030203" pitchFamily="34" charset="0"/>
+              </a:rPr>
+              <a:t>Javascript</a:t>
+            </a:r>
+            <a:r>
+              <a:rPr lang="en-US" sz="2400" dirty="0">
+                <a:solidFill>
+                  <a:schemeClr val="bg1"/>
+                </a:solidFill>
+                <a:latin typeface="Lato" panose="020F0502020204030203" pitchFamily="34" charset="0"/>
+              </a:rPr>
+              <a:t> inside “.php” file.</a:t>
+            </a:r>
+          </a:p>
+          <a:p>
+            <a:pPr marL="457200" indent="-457200">
+              <a:lnSpc>
+                <a:spcPct val="150000"/>
+              </a:lnSpc>
+              <a:buFont typeface="Wingdings" panose="05000000000000000000" pitchFamily="2" charset="2"/>
+              <a:buChar char="§"/>
+            </a:pPr>
+            <a:endParaRPr lang="en-US" sz="2400" dirty="0">
+              <a:solidFill>
+                <a:schemeClr val="bg1"/>
+              </a:solidFill>
+              <a:latin typeface="Lato" panose="020F0502020204030203" pitchFamily="34" charset="0"/>
+            </a:endParaRPr>
           </a:p>
         </p:txBody>
       </p:sp>
-      <p:cxnSp>
-        <p:nvCxnSpPr>
-          <p:cNvPr id="7" name="Straight Connector 6">
-            <a:extLst>
-              <a:ext uri="{FF2B5EF4-FFF2-40B4-BE49-F238E27FC236}">
-                <a16:creationId xmlns:a16="http://schemas.microsoft.com/office/drawing/2014/main" id="{D9CF1DC1-1062-4407-AF14-FB51776A41BA}"/>
-              </a:ext>
-            </a:extLst>
-          </p:cNvPr>
-          <p:cNvCxnSpPr>
-            <a:cxnSpLocks/>
-          </p:cNvCxnSpPr>
-          <p:nvPr/>
-        </p:nvCxnSpPr>
-        <p:spPr>
-          <a:xfrm>
-            <a:off x="0" y="1505996"/>
-            <a:ext cx="12192000" cy="0"/>
-          </a:xfrm>
-          <a:prstGeom prst="line">
-            <a:avLst/>
-          </a:prstGeom>
-          <a:ln>
-            <a:solidFill>
-              <a:schemeClr val="bg1"/>
-            </a:solidFill>
-          </a:ln>
-        </p:spPr>
-        <p:style>
-          <a:lnRef idx="1">
-            <a:schemeClr val="accent1"/>
-          </a:lnRef>
-          <a:fillRef idx="0">
-            <a:schemeClr val="accent1"/>
-          </a:fillRef>
-          <a:effectRef idx="0">
-            <a:schemeClr val="accent1"/>
-          </a:effectRef>
-          <a:fontRef idx="minor">
-            <a:schemeClr val="tx1"/>
-          </a:fontRef>
-        </p:style>
-      </p:cxnSp>
       <p:pic>
         <p:nvPicPr>
-          <p:cNvPr id="12" name="Picture 11">
-            <a:extLst>
-              <a:ext uri="{FF2B5EF4-FFF2-40B4-BE49-F238E27FC236}">
-                <a16:creationId xmlns:a16="http://schemas.microsoft.com/office/drawing/2014/main" id="{43EBEB8B-6402-4C75-A13A-8B00EE730127}"/>
+          <p:cNvPr id="8" name="Picture 7">
+            <a:extLst>
+              <a:ext uri="{FF2B5EF4-FFF2-40B4-BE49-F238E27FC236}">
+                <a16:creationId xmlns:a16="http://schemas.microsoft.com/office/drawing/2014/main" id="{197EBEB0-3BE0-422F-B94C-02B26610F431}"/>
               </a:ext>
             </a:extLst>
           </p:cNvPr>
@@ -4872,44 +5141,8 @@
         </p:blipFill>
         <p:spPr>
           <a:xfrm>
-            <a:off x="8898045" y="1620745"/>
-            <a:ext cx="3176699" cy="2170057"/>
-          </a:xfrm>
-          <a:prstGeom prst="rect">
-            <a:avLst/>
-          </a:prstGeom>
-        </p:spPr>
-      </p:pic>
-      <p:pic>
-        <p:nvPicPr>
-          <p:cNvPr id="14" name="Picture 13">
-            <a:extLst>
-              <a:ext uri="{FF2B5EF4-FFF2-40B4-BE49-F238E27FC236}">
-                <a16:creationId xmlns:a16="http://schemas.microsoft.com/office/drawing/2014/main" id="{C173E3CD-0862-412A-93F2-90787EC7C831}"/>
-              </a:ext>
-            </a:extLst>
-          </p:cNvPr>
-          <p:cNvPicPr>
-            <a:picLocks noChangeAspect="1"/>
-          </p:cNvPicPr>
-          <p:nvPr/>
-        </p:nvPicPr>
-        <p:blipFill>
-          <a:blip r:embed="rId3">
-            <a:extLst>
-              <a:ext uri="{28A0092B-C50C-407E-A947-70E740481C1C}">
-                <a14:useLocalDpi xmlns:a14="http://schemas.microsoft.com/office/drawing/2010/main" val="0"/>
-              </a:ext>
-            </a:extLst>
-          </a:blip>
-          <a:stretch>
-            <a:fillRect/>
-          </a:stretch>
-        </p:blipFill>
-        <p:spPr>
-          <a:xfrm>
-            <a:off x="8881542" y="3905550"/>
-            <a:ext cx="3209703" cy="1988530"/>
+            <a:off x="7741416" y="3083871"/>
+            <a:ext cx="4305901" cy="2800741"/>
           </a:xfrm>
           <a:prstGeom prst="rect">
             <a:avLst/>
@@ -4919,7 +5152,7 @@
     </p:spTree>
     <p:extLst>
       <p:ext uri="{BB962C8B-B14F-4D97-AF65-F5344CB8AC3E}">
-        <p14:creationId xmlns:p14="http://schemas.microsoft.com/office/powerpoint/2010/main" val="112008115"/>
+        <p14:creationId xmlns:p14="http://schemas.microsoft.com/office/powerpoint/2010/main" val="3513600386"/>
       </p:ext>
     </p:extLst>
   </p:cSld>
@@ -5016,8 +5249,8 @@
         </p:nvSpPr>
         <p:spPr>
           <a:xfrm>
-            <a:off x="4690851" y="859665"/>
-            <a:ext cx="2810321" cy="646331"/>
+            <a:off x="3605264" y="859665"/>
+            <a:ext cx="4981493" cy="646331"/>
           </a:xfrm>
           <a:prstGeom prst="rect">
             <a:avLst/>
@@ -5038,7 +5271,7 @@
                 </a:solidFill>
                 <a:latin typeface="Lato" panose="020F0502020204030203" pitchFamily="34" charset="0"/>
               </a:rPr>
-              <a:t>DATA TYPES</a:t>
+              <a:t>VARIABLE, CONSTANT</a:t>
             </a:r>
             <a:endParaRPr lang="en-US" sz="3600" dirty="0">
               <a:solidFill>
@@ -5063,8 +5296,8 @@
         </p:nvSpPr>
         <p:spPr>
           <a:xfrm>
-            <a:off x="-12880" y="1505996"/>
-            <a:ext cx="12204879" cy="4451347"/>
+            <a:off x="0" y="1505996"/>
+            <a:ext cx="8395769" cy="4451347"/>
           </a:xfrm>
           <a:prstGeom prst="rect">
             <a:avLst/>
@@ -5091,7 +5324,7 @@
                 </a:solidFill>
                 <a:latin typeface="Lato" panose="020F0502020204030203" pitchFamily="34" charset="0"/>
               </a:rPr>
-              <a:t>String : a sequence of characters. </a:t>
+              <a:t>Variable starts with “$” (dollar sign), no need to declare type of variable.</a:t>
             </a:r>
           </a:p>
           <a:p>
@@ -5109,7 +5342,7 @@
                 </a:solidFill>
                 <a:latin typeface="Lato" panose="020F0502020204030203" pitchFamily="34" charset="0"/>
               </a:rPr>
-              <a:t>Integer : non-decimal number between -2,147,483,648 and 2,147,483,647. </a:t>
+              <a:t>Variable name must start with a letter or underscore character “_” and can not start with number.</a:t>
             </a:r>
           </a:p>
           <a:p>
@@ -5127,7 +5360,7 @@
                 </a:solidFill>
                 <a:latin typeface="Lato" panose="020F0502020204030203" pitchFamily="34" charset="0"/>
               </a:rPr>
-              <a:t>Float : decimal number.</a:t>
+              <a:t>Variable name can only contain alpha-numeric characters and underscores (A-z, 0-9 and _ ).</a:t>
             </a:r>
           </a:p>
           <a:p>
@@ -5145,7 +5378,7 @@
                 </a:solidFill>
                 <a:latin typeface="Lato" panose="020F0502020204030203" pitchFamily="34" charset="0"/>
               </a:rPr>
-              <a:t>Boolean : TRUE/FALSE.</a:t>
+              <a:t>Using “global”, “static” keyword to make variable “special”.</a:t>
             </a:r>
           </a:p>
           <a:p>
@@ -5163,59 +5396,8 @@
                 </a:solidFill>
                 <a:latin typeface="Lato" panose="020F0502020204030203" pitchFamily="34" charset="0"/>
               </a:rPr>
-              <a:t>Array : stores multiple values.</a:t>
-            </a:r>
-          </a:p>
-          <a:p>
-            <a:pPr marL="457200" indent="-457200">
-              <a:lnSpc>
-                <a:spcPct val="150000"/>
-              </a:lnSpc>
-              <a:buFont typeface="Wingdings" panose="05000000000000000000" pitchFamily="2" charset="2"/>
-              <a:buChar char="§"/>
-            </a:pPr>
-            <a:r>
-              <a:rPr lang="en-US" sz="2400" dirty="0">
-                <a:solidFill>
-                  <a:schemeClr val="bg1"/>
-                </a:solidFill>
-                <a:latin typeface="Lato" panose="020F0502020204030203" pitchFamily="34" charset="0"/>
-              </a:rPr>
-              <a:t>Object : stores data and information or properties and function.</a:t>
-            </a:r>
-          </a:p>
-          <a:p>
-            <a:pPr marL="457200" indent="-457200">
-              <a:lnSpc>
-                <a:spcPct val="150000"/>
-              </a:lnSpc>
-              <a:buFont typeface="Wingdings" panose="05000000000000000000" pitchFamily="2" charset="2"/>
-              <a:buChar char="§"/>
-            </a:pPr>
-            <a:r>
-              <a:rPr lang="en-US" sz="2400" dirty="0">
-                <a:solidFill>
-                  <a:schemeClr val="bg1"/>
-                </a:solidFill>
-                <a:latin typeface="Lato" panose="020F0502020204030203" pitchFamily="34" charset="0"/>
-              </a:rPr>
-              <a:t>NULL : is NULL.</a:t>
-            </a:r>
-          </a:p>
-          <a:p>
-            <a:pPr marL="457200" indent="-457200">
-              <a:lnSpc>
-                <a:spcPct val="150000"/>
-              </a:lnSpc>
-              <a:buFont typeface="Wingdings" panose="05000000000000000000" pitchFamily="2" charset="2"/>
-              <a:buChar char="§"/>
-            </a:pPr>
-            <a:endParaRPr lang="en-US" sz="2400" dirty="0">
-              <a:solidFill>
-                <a:schemeClr val="bg1"/>
-              </a:solidFill>
-              <a:latin typeface="Lato" panose="020F0502020204030203" pitchFamily="34" charset="0"/>
-            </a:endParaRPr>
+              <a:t>Using function “define” to create a constant.</a:t>
+            </a:r>
           </a:p>
         </p:txBody>
       </p:sp>
@@ -5264,10 +5446,10 @@
       </p:cxnSp>
       <p:pic>
         <p:nvPicPr>
-          <p:cNvPr id="9" name="Picture 8">
-            <a:extLst>
-              <a:ext uri="{FF2B5EF4-FFF2-40B4-BE49-F238E27FC236}">
-                <a16:creationId xmlns:a16="http://schemas.microsoft.com/office/drawing/2014/main" id="{B94B2248-9C82-4BBE-8507-C0046F727969}"/>
+          <p:cNvPr id="12" name="Picture 11">
+            <a:extLst>
+              <a:ext uri="{FF2B5EF4-FFF2-40B4-BE49-F238E27FC236}">
+                <a16:creationId xmlns:a16="http://schemas.microsoft.com/office/drawing/2014/main" id="{43EBEB8B-6402-4C75-A13A-8B00EE730127}"/>
               </a:ext>
             </a:extLst>
           </p:cNvPr>
@@ -5290,8 +5472,44 @@
         </p:blipFill>
         <p:spPr>
           <a:xfrm>
-            <a:off x="9136551" y="3308217"/>
-            <a:ext cx="2934109" cy="2534004"/>
+            <a:off x="8898045" y="1620745"/>
+            <a:ext cx="3176699" cy="2170057"/>
+          </a:xfrm>
+          <a:prstGeom prst="rect">
+            <a:avLst/>
+          </a:prstGeom>
+        </p:spPr>
+      </p:pic>
+      <p:pic>
+        <p:nvPicPr>
+          <p:cNvPr id="14" name="Picture 13">
+            <a:extLst>
+              <a:ext uri="{FF2B5EF4-FFF2-40B4-BE49-F238E27FC236}">
+                <a16:creationId xmlns:a16="http://schemas.microsoft.com/office/drawing/2014/main" id="{C173E3CD-0862-412A-93F2-90787EC7C831}"/>
+              </a:ext>
+            </a:extLst>
+          </p:cNvPr>
+          <p:cNvPicPr>
+            <a:picLocks noChangeAspect="1"/>
+          </p:cNvPicPr>
+          <p:nvPr/>
+        </p:nvPicPr>
+        <p:blipFill>
+          <a:blip r:embed="rId3">
+            <a:extLst>
+              <a:ext uri="{28A0092B-C50C-407E-A947-70E740481C1C}">
+                <a14:useLocalDpi xmlns:a14="http://schemas.microsoft.com/office/drawing/2010/main" val="0"/>
+              </a:ext>
+            </a:extLst>
+          </a:blip>
+          <a:stretch>
+            <a:fillRect/>
+          </a:stretch>
+        </p:blipFill>
+        <p:spPr>
+          <a:xfrm>
+            <a:off x="8881542" y="3905550"/>
+            <a:ext cx="3209703" cy="1988530"/>
           </a:xfrm>
           <a:prstGeom prst="rect">
             <a:avLst/>
@@ -5301,7 +5519,7 @@
     </p:spTree>
     <p:extLst>
       <p:ext uri="{BB962C8B-B14F-4D97-AF65-F5344CB8AC3E}">
-        <p14:creationId xmlns:p14="http://schemas.microsoft.com/office/powerpoint/2010/main" val="1411809117"/>
+        <p14:creationId xmlns:p14="http://schemas.microsoft.com/office/powerpoint/2010/main" val="112008115"/>
       </p:ext>
     </p:extLst>
   </p:cSld>
@@ -5398,8 +5616,8 @@
         </p:nvSpPr>
         <p:spPr>
           <a:xfrm>
-            <a:off x="4674083" y="859665"/>
-            <a:ext cx="2843856" cy="646331"/>
+            <a:off x="4690851" y="859665"/>
+            <a:ext cx="2810321" cy="646331"/>
           </a:xfrm>
           <a:prstGeom prst="rect">
             <a:avLst/>
@@ -5420,7 +5638,7 @@
                 </a:solidFill>
                 <a:latin typeface="Lato" panose="020F0502020204030203" pitchFamily="34" charset="0"/>
               </a:rPr>
-              <a:t>OPERATORS</a:t>
+              <a:t>DATA TYPES</a:t>
             </a:r>
             <a:endParaRPr lang="en-US" sz="3600" dirty="0">
               <a:solidFill>
@@ -5446,7 +5664,7 @@
         <p:spPr>
           <a:xfrm>
             <a:off x="-12880" y="1505996"/>
-            <a:ext cx="12204879" cy="573362"/>
+            <a:ext cx="12204879" cy="4451347"/>
           </a:xfrm>
           <a:prstGeom prst="rect">
             <a:avLst/>
@@ -5473,8 +5691,131 @@
                 </a:solidFill>
                 <a:latin typeface="Lato" panose="020F0502020204030203" pitchFamily="34" charset="0"/>
               </a:rPr>
-              <a:t>Arithmetic Operators</a:t>
-            </a:r>
+              <a:t>String : a sequence of characters. </a:t>
+            </a:r>
+          </a:p>
+          <a:p>
+            <a:pPr marL="457200" indent="-457200">
+              <a:lnSpc>
+                <a:spcPct val="150000"/>
+              </a:lnSpc>
+              <a:buFont typeface="Wingdings" panose="05000000000000000000" pitchFamily="2" charset="2"/>
+              <a:buChar char="§"/>
+            </a:pPr>
+            <a:r>
+              <a:rPr lang="en-US" sz="2400" dirty="0">
+                <a:solidFill>
+                  <a:schemeClr val="bg1"/>
+                </a:solidFill>
+                <a:latin typeface="Lato" panose="020F0502020204030203" pitchFamily="34" charset="0"/>
+              </a:rPr>
+              <a:t>Integer : non-decimal number between -2,147,483,648 and 2,147,483,647. </a:t>
+            </a:r>
+          </a:p>
+          <a:p>
+            <a:pPr marL="457200" indent="-457200">
+              <a:lnSpc>
+                <a:spcPct val="150000"/>
+              </a:lnSpc>
+              <a:buFont typeface="Wingdings" panose="05000000000000000000" pitchFamily="2" charset="2"/>
+              <a:buChar char="§"/>
+            </a:pPr>
+            <a:r>
+              <a:rPr lang="en-US" sz="2400" dirty="0">
+                <a:solidFill>
+                  <a:schemeClr val="bg1"/>
+                </a:solidFill>
+                <a:latin typeface="Lato" panose="020F0502020204030203" pitchFamily="34" charset="0"/>
+              </a:rPr>
+              <a:t>Float : decimal number.</a:t>
+            </a:r>
+          </a:p>
+          <a:p>
+            <a:pPr marL="457200" indent="-457200">
+              <a:lnSpc>
+                <a:spcPct val="150000"/>
+              </a:lnSpc>
+              <a:buFont typeface="Wingdings" panose="05000000000000000000" pitchFamily="2" charset="2"/>
+              <a:buChar char="§"/>
+            </a:pPr>
+            <a:r>
+              <a:rPr lang="en-US" sz="2400" dirty="0">
+                <a:solidFill>
+                  <a:schemeClr val="bg1"/>
+                </a:solidFill>
+                <a:latin typeface="Lato" panose="020F0502020204030203" pitchFamily="34" charset="0"/>
+              </a:rPr>
+              <a:t>Boolean : TRUE/FALSE.</a:t>
+            </a:r>
+          </a:p>
+          <a:p>
+            <a:pPr marL="457200" indent="-457200">
+              <a:lnSpc>
+                <a:spcPct val="150000"/>
+              </a:lnSpc>
+              <a:buFont typeface="Wingdings" panose="05000000000000000000" pitchFamily="2" charset="2"/>
+              <a:buChar char="§"/>
+            </a:pPr>
+            <a:r>
+              <a:rPr lang="en-US" sz="2400" dirty="0">
+                <a:solidFill>
+                  <a:schemeClr val="bg1"/>
+                </a:solidFill>
+                <a:latin typeface="Lato" panose="020F0502020204030203" pitchFamily="34" charset="0"/>
+              </a:rPr>
+              <a:t>Array : stores multiple values.</a:t>
+            </a:r>
+          </a:p>
+          <a:p>
+            <a:pPr marL="457200" indent="-457200">
+              <a:lnSpc>
+                <a:spcPct val="150000"/>
+              </a:lnSpc>
+              <a:buFont typeface="Wingdings" panose="05000000000000000000" pitchFamily="2" charset="2"/>
+              <a:buChar char="§"/>
+            </a:pPr>
+            <a:r>
+              <a:rPr lang="en-US" sz="2400" dirty="0">
+                <a:solidFill>
+                  <a:schemeClr val="bg1"/>
+                </a:solidFill>
+                <a:latin typeface="Lato" panose="020F0502020204030203" pitchFamily="34" charset="0"/>
+              </a:rPr>
+              <a:t>Object : stores data and information or properties and function.</a:t>
+            </a:r>
+          </a:p>
+          <a:p>
+            <a:pPr marL="457200" indent="-457200">
+              <a:lnSpc>
+                <a:spcPct val="150000"/>
+              </a:lnSpc>
+              <a:buFont typeface="Wingdings" panose="05000000000000000000" pitchFamily="2" charset="2"/>
+              <a:buChar char="§"/>
+            </a:pPr>
+            <a:r>
+              <a:rPr lang="en-US" sz="2400" dirty="0">
+                <a:solidFill>
+                  <a:schemeClr val="bg1"/>
+                </a:solidFill>
+                <a:latin typeface="Lato" panose="020F0502020204030203" pitchFamily="34" charset="0"/>
+              </a:rPr>
+              <a:t>NULL : is NULL.</a:t>
+            </a:r>
+          </a:p>
+          <a:p>
+            <a:pPr marL="457200" indent="-457200">
+              <a:lnSpc>
+                <a:spcPct val="150000"/>
+              </a:lnSpc>
+              <a:buFont typeface="Wingdings" panose="05000000000000000000" pitchFamily="2" charset="2"/>
+              <a:buChar char="§"/>
+            </a:pPr>
+            <a:endParaRPr lang="en-US" sz="2400" dirty="0">
+              <a:solidFill>
+                <a:schemeClr val="bg1"/>
+              </a:solidFill>
+              <a:latin typeface="Lato" panose="020F0502020204030203" pitchFamily="34" charset="0"/>
+            </a:endParaRPr>
           </a:p>
         </p:txBody>
       </p:sp>
@@ -5523,10 +5864,10 @@
       </p:cxnSp>
       <p:pic>
         <p:nvPicPr>
-          <p:cNvPr id="8" name="Picture 7">
-            <a:extLst>
-              <a:ext uri="{FF2B5EF4-FFF2-40B4-BE49-F238E27FC236}">
-                <a16:creationId xmlns:a16="http://schemas.microsoft.com/office/drawing/2014/main" id="{6B3063BF-2146-485D-A79C-AC5DAFB2E806}"/>
+          <p:cNvPr id="9" name="Picture 8">
+            <a:extLst>
+              <a:ext uri="{FF2B5EF4-FFF2-40B4-BE49-F238E27FC236}">
+                <a16:creationId xmlns:a16="http://schemas.microsoft.com/office/drawing/2014/main" id="{B94B2248-9C82-4BBE-8507-C0046F727969}"/>
               </a:ext>
             </a:extLst>
           </p:cNvPr>
@@ -5549,44 +5890,8 @@
         </p:blipFill>
         <p:spPr>
           <a:xfrm>
-            <a:off x="7688689" y="1589110"/>
-            <a:ext cx="4438725" cy="4344829"/>
-          </a:xfrm>
-          <a:prstGeom prst="rect">
-            <a:avLst/>
-          </a:prstGeom>
-        </p:spPr>
-      </p:pic>
-      <p:pic>
-        <p:nvPicPr>
-          <p:cNvPr id="11" name="Picture 10">
-            <a:extLst>
-              <a:ext uri="{FF2B5EF4-FFF2-40B4-BE49-F238E27FC236}">
-                <a16:creationId xmlns:a16="http://schemas.microsoft.com/office/drawing/2014/main" id="{D0BB4DC4-5DE6-4C72-A7F5-8A7AFDE8666E}"/>
-              </a:ext>
-            </a:extLst>
-          </p:cNvPr>
-          <p:cNvPicPr>
-            <a:picLocks noChangeAspect="1"/>
-          </p:cNvPicPr>
-          <p:nvPr/>
-        </p:nvPicPr>
-        <p:blipFill>
-          <a:blip r:embed="rId3">
-            <a:extLst>
-              <a:ext uri="{28A0092B-C50C-407E-A947-70E740481C1C}">
-                <a14:useLocalDpi xmlns:a14="http://schemas.microsoft.com/office/drawing/2010/main" val="0"/>
-              </a:ext>
-            </a:extLst>
-          </a:blip>
-          <a:stretch>
-            <a:fillRect/>
-          </a:stretch>
-        </p:blipFill>
-        <p:spPr>
-          <a:xfrm>
-            <a:off x="49003" y="3104619"/>
-            <a:ext cx="7592485" cy="2829320"/>
+            <a:off x="9136551" y="3308217"/>
+            <a:ext cx="2934109" cy="2534004"/>
           </a:xfrm>
           <a:prstGeom prst="rect">
             <a:avLst/>
@@ -5596,7 +5901,7 @@
     </p:spTree>
     <p:extLst>
       <p:ext uri="{BB962C8B-B14F-4D97-AF65-F5344CB8AC3E}">
-        <p14:creationId xmlns:p14="http://schemas.microsoft.com/office/powerpoint/2010/main" val="364834595"/>
+        <p14:creationId xmlns:p14="http://schemas.microsoft.com/office/powerpoint/2010/main" val="1411809117"/>
       </p:ext>
     </p:extLst>
   </p:cSld>
@@ -5693,8 +5998,8 @@
         </p:nvSpPr>
         <p:spPr>
           <a:xfrm>
-            <a:off x="3817760" y="859665"/>
-            <a:ext cx="4556505" cy="646331"/>
+            <a:off x="4674083" y="859665"/>
+            <a:ext cx="2843856" cy="646331"/>
           </a:xfrm>
           <a:prstGeom prst="rect">
             <a:avLst/>
@@ -5717,15 +6022,12 @@
               </a:rPr>
               <a:t>OPERATORS</a:t>
             </a:r>
-            <a:r>
-              <a:rPr lang="en-US" sz="3600" dirty="0">
-                <a:solidFill>
-                  <a:schemeClr val="bg1"/>
-                </a:solidFill>
-                <a:latin typeface="Lato" panose="020F0502020204030203" pitchFamily="34" charset="0"/>
-              </a:rPr>
-              <a:t> (cont. 1)</a:t>
-            </a:r>
+            <a:endParaRPr lang="en-US" sz="3600" dirty="0">
+              <a:solidFill>
+                <a:schemeClr val="bg1"/>
+              </a:solidFill>
+              <a:latin typeface="Lato" panose="020F0502020204030203" pitchFamily="34" charset="0"/>
+            </a:endParaRPr>
           </a:p>
         </p:txBody>
       </p:sp>
@@ -5771,7 +6073,7 @@
                 </a:solidFill>
                 <a:latin typeface="Lato" panose="020F0502020204030203" pitchFamily="34" charset="0"/>
               </a:rPr>
-              <a:t>Assignment Operators</a:t>
+              <a:t>Arithmetic Operators</a:t>
             </a:r>
           </a:p>
         </p:txBody>
@@ -5821,10 +6123,10 @@
       </p:cxnSp>
       <p:pic>
         <p:nvPicPr>
-          <p:cNvPr id="4" name="Picture 3">
-            <a:extLst>
-              <a:ext uri="{FF2B5EF4-FFF2-40B4-BE49-F238E27FC236}">
-                <a16:creationId xmlns:a16="http://schemas.microsoft.com/office/drawing/2014/main" id="{60BE660A-AB7E-44F8-B052-642D403B9D30}"/>
+          <p:cNvPr id="8" name="Picture 7">
+            <a:extLst>
+              <a:ext uri="{FF2B5EF4-FFF2-40B4-BE49-F238E27FC236}">
+                <a16:creationId xmlns:a16="http://schemas.microsoft.com/office/drawing/2014/main" id="{6B3063BF-2146-485D-A79C-AC5DAFB2E806}"/>
               </a:ext>
             </a:extLst>
           </p:cNvPr>
@@ -5847,8 +6149,44 @@
         </p:blipFill>
         <p:spPr>
           <a:xfrm>
-            <a:off x="1470963" y="2303724"/>
-            <a:ext cx="9250074" cy="3470244"/>
+            <a:off x="7688689" y="1589110"/>
+            <a:ext cx="4438725" cy="4344829"/>
+          </a:xfrm>
+          <a:prstGeom prst="rect">
+            <a:avLst/>
+          </a:prstGeom>
+        </p:spPr>
+      </p:pic>
+      <p:pic>
+        <p:nvPicPr>
+          <p:cNvPr id="11" name="Picture 10">
+            <a:extLst>
+              <a:ext uri="{FF2B5EF4-FFF2-40B4-BE49-F238E27FC236}">
+                <a16:creationId xmlns:a16="http://schemas.microsoft.com/office/drawing/2014/main" id="{D0BB4DC4-5DE6-4C72-A7F5-8A7AFDE8666E}"/>
+              </a:ext>
+            </a:extLst>
+          </p:cNvPr>
+          <p:cNvPicPr>
+            <a:picLocks noChangeAspect="1"/>
+          </p:cNvPicPr>
+          <p:nvPr/>
+        </p:nvPicPr>
+        <p:blipFill>
+          <a:blip r:embed="rId3">
+            <a:extLst>
+              <a:ext uri="{28A0092B-C50C-407E-A947-70E740481C1C}">
+                <a14:useLocalDpi xmlns:a14="http://schemas.microsoft.com/office/drawing/2010/main" val="0"/>
+              </a:ext>
+            </a:extLst>
+          </a:blip>
+          <a:stretch>
+            <a:fillRect/>
+          </a:stretch>
+        </p:blipFill>
+        <p:spPr>
+          <a:xfrm>
+            <a:off x="49003" y="3104619"/>
+            <a:ext cx="7592485" cy="2829320"/>
           </a:xfrm>
           <a:prstGeom prst="rect">
             <a:avLst/>
@@ -5858,7 +6196,7 @@
     </p:spTree>
     <p:extLst>
       <p:ext uri="{BB962C8B-B14F-4D97-AF65-F5344CB8AC3E}">
-        <p14:creationId xmlns:p14="http://schemas.microsoft.com/office/powerpoint/2010/main" val="2569700224"/>
+        <p14:creationId xmlns:p14="http://schemas.microsoft.com/office/powerpoint/2010/main" val="364834595"/>
       </p:ext>
     </p:extLst>
   </p:cSld>
@@ -5986,7 +6324,7 @@
                 </a:solidFill>
                 <a:latin typeface="Lato" panose="020F0502020204030203" pitchFamily="34" charset="0"/>
               </a:rPr>
-              <a:t> (cont. 2)</a:t>
+              <a:t> (cont. 1)</a:t>
             </a:r>
           </a:p>
         </p:txBody>
@@ -6033,7 +6371,7 @@
                 </a:solidFill>
                 <a:latin typeface="Lato" panose="020F0502020204030203" pitchFamily="34" charset="0"/>
               </a:rPr>
-              <a:t>Comparison Operators</a:t>
+              <a:t>Assignment Operators</a:t>
             </a:r>
           </a:p>
         </p:txBody>
@@ -6083,10 +6421,10 @@
       </p:cxnSp>
       <p:pic>
         <p:nvPicPr>
-          <p:cNvPr id="5" name="Picture 4">
-            <a:extLst>
-              <a:ext uri="{FF2B5EF4-FFF2-40B4-BE49-F238E27FC236}">
-                <a16:creationId xmlns:a16="http://schemas.microsoft.com/office/drawing/2014/main" id="{98EE8AE7-37D8-40C1-90C7-9DE7B6ADA19A}"/>
+          <p:cNvPr id="4" name="Picture 3">
+            <a:extLst>
+              <a:ext uri="{FF2B5EF4-FFF2-40B4-BE49-F238E27FC236}">
+                <a16:creationId xmlns:a16="http://schemas.microsoft.com/office/drawing/2014/main" id="{60BE660A-AB7E-44F8-B052-642D403B9D30}"/>
               </a:ext>
             </a:extLst>
           </p:cNvPr>
@@ -6109,91 +6447,8 @@
         </p:blipFill>
         <p:spPr>
           <a:xfrm>
-            <a:off x="5596024" y="1628597"/>
-            <a:ext cx="6460594" cy="3873142"/>
-          </a:xfrm>
-          <a:prstGeom prst="rect">
-            <a:avLst/>
-          </a:prstGeom>
-        </p:spPr>
-      </p:pic>
-      <p:sp>
-        <p:nvSpPr>
-          <p:cNvPr id="8" name="TextBox 7">
-            <a:extLst>
-              <a:ext uri="{FF2B5EF4-FFF2-40B4-BE49-F238E27FC236}">
-                <a16:creationId xmlns:a16="http://schemas.microsoft.com/office/drawing/2014/main" id="{8D1DE7A9-7776-4F4C-9E4F-27BE0E95BEE0}"/>
-              </a:ext>
-            </a:extLst>
-          </p:cNvPr>
-          <p:cNvSpPr txBox="1"/>
-          <p:nvPr/>
-        </p:nvSpPr>
-        <p:spPr>
-          <a:xfrm>
-            <a:off x="-14681" y="3678237"/>
-            <a:ext cx="12204879" cy="573362"/>
-          </a:xfrm>
-          <a:prstGeom prst="rect">
-            <a:avLst/>
-          </a:prstGeom>
-          <a:noFill/>
-        </p:spPr>
-        <p:txBody>
-          <a:bodyPr wrap="square" rtlCol="0">
-            <a:spAutoFit/>
-          </a:bodyPr>
-          <a:lstStyle/>
-          <a:p>
-            <a:pPr marL="457200" indent="-457200">
-              <a:lnSpc>
-                <a:spcPct val="150000"/>
-              </a:lnSpc>
-              <a:buFont typeface="Wingdings" panose="05000000000000000000" pitchFamily="2" charset="2"/>
-              <a:buChar char="§"/>
-            </a:pPr>
-            <a:r>
-              <a:rPr lang="en-US" sz="2400" dirty="0">
-                <a:solidFill>
-                  <a:schemeClr val="bg1"/>
-                </a:solidFill>
-                <a:latin typeface="Lato" panose="020F0502020204030203" pitchFamily="34" charset="0"/>
-              </a:rPr>
-              <a:t>Increment/Decrement Operators</a:t>
-            </a:r>
-          </a:p>
-        </p:txBody>
-      </p:sp>
-      <p:pic>
-        <p:nvPicPr>
-          <p:cNvPr id="4" name="Picture 3">
-            <a:extLst>
-              <a:ext uri="{FF2B5EF4-FFF2-40B4-BE49-F238E27FC236}">
-                <a16:creationId xmlns:a16="http://schemas.microsoft.com/office/drawing/2014/main" id="{5487800E-2E00-4AD4-BD40-087EF10E6E33}"/>
-              </a:ext>
-            </a:extLst>
-          </p:cNvPr>
-          <p:cNvPicPr>
-            <a:picLocks noChangeAspect="1"/>
-          </p:cNvPicPr>
-          <p:nvPr/>
-        </p:nvPicPr>
-        <p:blipFill>
-          <a:blip r:embed="rId3">
-            <a:extLst>
-              <a:ext uri="{28A0092B-C50C-407E-A947-70E740481C1C}">
-                <a14:useLocalDpi xmlns:a14="http://schemas.microsoft.com/office/drawing/2010/main" val="0"/>
-              </a:ext>
-            </a:extLst>
-          </a:blip>
-          <a:stretch>
-            <a:fillRect/>
-          </a:stretch>
-        </p:blipFill>
-        <p:spPr>
-          <a:xfrm>
-            <a:off x="135382" y="4259454"/>
-            <a:ext cx="5266729" cy="1600433"/>
+            <a:off x="1470963" y="2303724"/>
+            <a:ext cx="9250074" cy="3470244"/>
           </a:xfrm>
           <a:prstGeom prst="rect">
             <a:avLst/>
@@ -6203,7 +6458,7 @@
     </p:spTree>
     <p:extLst>
       <p:ext uri="{BB962C8B-B14F-4D97-AF65-F5344CB8AC3E}">
-        <p14:creationId xmlns:p14="http://schemas.microsoft.com/office/powerpoint/2010/main" val="2443082521"/>
+        <p14:creationId xmlns:p14="http://schemas.microsoft.com/office/powerpoint/2010/main" val="2569700224"/>
       </p:ext>
     </p:extLst>
   </p:cSld>
